--- a/project/fig/classical_figs.pptx
+++ b/project/fig/classical_figs.pptx
@@ -14,6 +14,8 @@
     <p:sldId id="261" r:id="rId8"/>
     <p:sldId id="263" r:id="rId9"/>
     <p:sldId id="264" r:id="rId10"/>
+    <p:sldId id="265" r:id="rId11"/>
+    <p:sldId id="266" r:id="rId12"/>
   </p:sldIdLst>
   <p:sldSz cx="12192000" cy="6858000"/>
   <p:notesSz cx="6858000" cy="9144000"/>
@@ -1219,7 +1221,7 @@
           <a:p>
             <a:fld id="{4BCACFDB-9D98-49ED-9828-40B3F123052E}" type="datetimeFigureOut">
               <a:rPr lang="en-US" smtClean="0"/>
-              <a:t>11/3/2023</a:t>
+              <a:t>11/13/2023</a:t>
             </a:fld>
             <a:endParaRPr lang="en-US"/>
           </a:p>
@@ -1417,7 +1419,7 @@
           <a:p>
             <a:fld id="{4BCACFDB-9D98-49ED-9828-40B3F123052E}" type="datetimeFigureOut">
               <a:rPr lang="en-US" smtClean="0"/>
-              <a:t>11/3/2023</a:t>
+              <a:t>11/13/2023</a:t>
             </a:fld>
             <a:endParaRPr lang="en-US"/>
           </a:p>
@@ -1625,7 +1627,7 @@
           <a:p>
             <a:fld id="{4BCACFDB-9D98-49ED-9828-40B3F123052E}" type="datetimeFigureOut">
               <a:rPr lang="en-US" smtClean="0"/>
-              <a:t>11/3/2023</a:t>
+              <a:t>11/13/2023</a:t>
             </a:fld>
             <a:endParaRPr lang="en-US"/>
           </a:p>
@@ -1823,7 +1825,7 @@
           <a:p>
             <a:fld id="{4BCACFDB-9D98-49ED-9828-40B3F123052E}" type="datetimeFigureOut">
               <a:rPr lang="en-US" smtClean="0"/>
-              <a:t>11/3/2023</a:t>
+              <a:t>11/13/2023</a:t>
             </a:fld>
             <a:endParaRPr lang="en-US"/>
           </a:p>
@@ -2098,7 +2100,7 @@
           <a:p>
             <a:fld id="{4BCACFDB-9D98-49ED-9828-40B3F123052E}" type="datetimeFigureOut">
               <a:rPr lang="en-US" smtClean="0"/>
-              <a:t>11/3/2023</a:t>
+              <a:t>11/13/2023</a:t>
             </a:fld>
             <a:endParaRPr lang="en-US"/>
           </a:p>
@@ -2363,7 +2365,7 @@
           <a:p>
             <a:fld id="{4BCACFDB-9D98-49ED-9828-40B3F123052E}" type="datetimeFigureOut">
               <a:rPr lang="en-US" smtClean="0"/>
-              <a:t>11/3/2023</a:t>
+              <a:t>11/13/2023</a:t>
             </a:fld>
             <a:endParaRPr lang="en-US"/>
           </a:p>
@@ -2775,7 +2777,7 @@
           <a:p>
             <a:fld id="{4BCACFDB-9D98-49ED-9828-40B3F123052E}" type="datetimeFigureOut">
               <a:rPr lang="en-US" smtClean="0"/>
-              <a:t>11/3/2023</a:t>
+              <a:t>11/13/2023</a:t>
             </a:fld>
             <a:endParaRPr lang="en-US"/>
           </a:p>
@@ -2916,7 +2918,7 @@
           <a:p>
             <a:fld id="{4BCACFDB-9D98-49ED-9828-40B3F123052E}" type="datetimeFigureOut">
               <a:rPr lang="en-US" smtClean="0"/>
-              <a:t>11/3/2023</a:t>
+              <a:t>11/13/2023</a:t>
             </a:fld>
             <a:endParaRPr lang="en-US"/>
           </a:p>
@@ -3029,7 +3031,7 @@
           <a:p>
             <a:fld id="{4BCACFDB-9D98-49ED-9828-40B3F123052E}" type="datetimeFigureOut">
               <a:rPr lang="en-US" smtClean="0"/>
-              <a:t>11/3/2023</a:t>
+              <a:t>11/13/2023</a:t>
             </a:fld>
             <a:endParaRPr lang="en-US"/>
           </a:p>
@@ -3340,7 +3342,7 @@
           <a:p>
             <a:fld id="{4BCACFDB-9D98-49ED-9828-40B3F123052E}" type="datetimeFigureOut">
               <a:rPr lang="en-US" smtClean="0"/>
-              <a:t>11/3/2023</a:t>
+              <a:t>11/13/2023</a:t>
             </a:fld>
             <a:endParaRPr lang="en-US"/>
           </a:p>
@@ -3628,7 +3630,7 @@
           <a:p>
             <a:fld id="{4BCACFDB-9D98-49ED-9828-40B3F123052E}" type="datetimeFigureOut">
               <a:rPr lang="en-US" smtClean="0"/>
-              <a:t>11/3/2023</a:t>
+              <a:t>11/13/2023</a:t>
             </a:fld>
             <a:endParaRPr lang="en-US"/>
           </a:p>
@@ -3869,7 +3871,7 @@
           <a:p>
             <a:fld id="{4BCACFDB-9D98-49ED-9828-40B3F123052E}" type="datetimeFigureOut">
               <a:rPr lang="en-US" smtClean="0"/>
-              <a:t>11/3/2023</a:t>
+              <a:t>11/13/2023</a:t>
             </a:fld>
             <a:endParaRPr lang="en-US"/>
           </a:p>
@@ -4301,7 +4303,7 @@
           <p:nvPr>
             <p:extLst>
               <p:ext uri="{D42A27DB-BD31-4B8C-83A1-F6EECF244321}">
-                <p14:modId xmlns:p14="http://schemas.microsoft.com/office/powerpoint/2010/main" val="8913898"/>
+                <p14:modId xmlns:p14="http://schemas.microsoft.com/office/powerpoint/2010/main" val="1123734047"/>
               </p:ext>
             </p:extLst>
           </p:nvPr>
@@ -5486,6 +5488,7536 @@
     <p:extLst>
       <p:ext uri="{BB962C8B-B14F-4D97-AF65-F5344CB8AC3E}">
         <p14:creationId xmlns:p14="http://schemas.microsoft.com/office/powerpoint/2010/main" val="523715981"/>
+      </p:ext>
+    </p:extLst>
+  </p:cSld>
+  <p:clrMapOvr>
+    <a:masterClrMapping/>
+  </p:clrMapOvr>
+</p:sld>
+</file>
+
+<file path=ppt/slides/slide10.xml><?xml version="1.0" encoding="utf-8"?>
+<p:sld xmlns:a="http://schemas.openxmlformats.org/drawingml/2006/main" xmlns:r="http://schemas.openxmlformats.org/officeDocument/2006/relationships" xmlns:p="http://schemas.openxmlformats.org/presentationml/2006/main">
+  <p:cSld>
+    <p:spTree>
+      <p:nvGrpSpPr>
+        <p:cNvPr id="1" name=""/>
+        <p:cNvGrpSpPr/>
+        <p:nvPr/>
+      </p:nvGrpSpPr>
+      <p:grpSpPr>
+        <a:xfrm>
+          <a:off x="0" y="0"/>
+          <a:ext cx="0" cy="0"/>
+          <a:chOff x="0" y="0"/>
+          <a:chExt cx="0" cy="0"/>
+        </a:xfrm>
+      </p:grpSpPr>
+      <p:graphicFrame>
+        <p:nvGraphicFramePr>
+          <p:cNvPr id="4" name="Table 3">
+            <a:extLst>
+              <a:ext uri="{FF2B5EF4-FFF2-40B4-BE49-F238E27FC236}">
+                <a16:creationId xmlns:a16="http://schemas.microsoft.com/office/drawing/2014/main" id="{15312007-CF91-3517-2D4D-79930DDF872E}"/>
+              </a:ext>
+            </a:extLst>
+          </p:cNvPr>
+          <p:cNvGraphicFramePr>
+            <a:graphicFrameLocks noGrp="1"/>
+          </p:cNvGraphicFramePr>
+          <p:nvPr>
+            <p:extLst>
+              <p:ext uri="{D42A27DB-BD31-4B8C-83A1-F6EECF244321}">
+                <p14:modId xmlns:p14="http://schemas.microsoft.com/office/powerpoint/2010/main" val="1795461544"/>
+              </p:ext>
+            </p:extLst>
+          </p:nvPr>
+        </p:nvGraphicFramePr>
+        <p:xfrm>
+          <a:off x="4794248" y="1041654"/>
+          <a:ext cx="1097280" cy="1097280"/>
+        </p:xfrm>
+        <a:graphic>
+          <a:graphicData uri="http://schemas.openxmlformats.org/drawingml/2006/table">
+            <a:tbl>
+              <a:tblPr firstRow="1" bandRow="1">
+                <a:tableStyleId>{5940675A-B579-460E-94D1-54222C63F5DA}</a:tableStyleId>
+              </a:tblPr>
+              <a:tblGrid>
+                <a:gridCol w="365760">
+                  <a:extLst>
+                    <a:ext uri="{9D8B030D-6E8A-4147-A177-3AD203B41FA5}">
+                      <a16:colId xmlns:a16="http://schemas.microsoft.com/office/drawing/2014/main" val="3508477746"/>
+                    </a:ext>
+                  </a:extLst>
+                </a:gridCol>
+                <a:gridCol w="365760">
+                  <a:extLst>
+                    <a:ext uri="{9D8B030D-6E8A-4147-A177-3AD203B41FA5}">
+                      <a16:colId xmlns:a16="http://schemas.microsoft.com/office/drawing/2014/main" val="4089101588"/>
+                    </a:ext>
+                  </a:extLst>
+                </a:gridCol>
+                <a:gridCol w="365760">
+                  <a:extLst>
+                    <a:ext uri="{9D8B030D-6E8A-4147-A177-3AD203B41FA5}">
+                      <a16:colId xmlns:a16="http://schemas.microsoft.com/office/drawing/2014/main" val="111887204"/>
+                    </a:ext>
+                  </a:extLst>
+                </a:gridCol>
+              </a:tblGrid>
+              <a:tr h="365760">
+                <a:tc>
+                  <a:txBody>
+                    <a:bodyPr/>
+                    <a:lstStyle/>
+                    <a:p>
+                      <a:endParaRPr lang="en-US" dirty="0"/>
+                    </a:p>
+                  </a:txBody>
+                  <a:tcPr>
+                    <a:solidFill>
+                      <a:schemeClr val="bg1">
+                        <a:lumMod val="85000"/>
+                      </a:schemeClr>
+                    </a:solidFill>
+                  </a:tcPr>
+                </a:tc>
+                <a:tc>
+                  <a:txBody>
+                    <a:bodyPr/>
+                    <a:lstStyle/>
+                    <a:p>
+                      <a:endParaRPr lang="en-US" dirty="0"/>
+                    </a:p>
+                  </a:txBody>
+                  <a:tcPr>
+                    <a:solidFill>
+                      <a:schemeClr val="bg1">
+                        <a:lumMod val="85000"/>
+                      </a:schemeClr>
+                    </a:solidFill>
+                  </a:tcPr>
+                </a:tc>
+                <a:tc>
+                  <a:txBody>
+                    <a:bodyPr/>
+                    <a:lstStyle/>
+                    <a:p>
+                      <a:endParaRPr lang="en-US" dirty="0"/>
+                    </a:p>
+                  </a:txBody>
+                  <a:tcPr>
+                    <a:solidFill>
+                      <a:schemeClr val="bg1">
+                        <a:lumMod val="85000"/>
+                      </a:schemeClr>
+                    </a:solidFill>
+                  </a:tcPr>
+                </a:tc>
+                <a:extLst>
+                  <a:ext uri="{0D108BD9-81ED-4DB2-BD59-A6C34878D82A}">
+                    <a16:rowId xmlns:a16="http://schemas.microsoft.com/office/drawing/2014/main" val="3192338247"/>
+                  </a:ext>
+                </a:extLst>
+              </a:tr>
+              <a:tr h="365760">
+                <a:tc>
+                  <a:txBody>
+                    <a:bodyPr/>
+                    <a:lstStyle/>
+                    <a:p>
+                      <a:endParaRPr lang="en-US"/>
+                    </a:p>
+                  </a:txBody>
+                  <a:tcPr>
+                    <a:solidFill>
+                      <a:schemeClr val="bg1">
+                        <a:lumMod val="85000"/>
+                      </a:schemeClr>
+                    </a:solidFill>
+                  </a:tcPr>
+                </a:tc>
+                <a:tc>
+                  <a:txBody>
+                    <a:bodyPr/>
+                    <a:lstStyle/>
+                    <a:p>
+                      <a:endParaRPr lang="en-US" dirty="0"/>
+                    </a:p>
+                  </a:txBody>
+                  <a:tcPr>
+                    <a:solidFill>
+                      <a:schemeClr val="bg1">
+                        <a:lumMod val="85000"/>
+                      </a:schemeClr>
+                    </a:solidFill>
+                  </a:tcPr>
+                </a:tc>
+                <a:tc>
+                  <a:txBody>
+                    <a:bodyPr/>
+                    <a:lstStyle/>
+                    <a:p>
+                      <a:endParaRPr lang="en-US" dirty="0"/>
+                    </a:p>
+                  </a:txBody>
+                  <a:tcPr>
+                    <a:solidFill>
+                      <a:schemeClr val="bg1">
+                        <a:lumMod val="85000"/>
+                      </a:schemeClr>
+                    </a:solidFill>
+                  </a:tcPr>
+                </a:tc>
+                <a:extLst>
+                  <a:ext uri="{0D108BD9-81ED-4DB2-BD59-A6C34878D82A}">
+                    <a16:rowId xmlns:a16="http://schemas.microsoft.com/office/drawing/2014/main" val="3498735479"/>
+                  </a:ext>
+                </a:extLst>
+              </a:tr>
+              <a:tr h="365760">
+                <a:tc>
+                  <a:txBody>
+                    <a:bodyPr/>
+                    <a:lstStyle/>
+                    <a:p>
+                      <a:endParaRPr lang="en-US" dirty="0"/>
+                    </a:p>
+                  </a:txBody>
+                  <a:tcPr>
+                    <a:solidFill>
+                      <a:schemeClr val="bg1">
+                        <a:lumMod val="85000"/>
+                      </a:schemeClr>
+                    </a:solidFill>
+                  </a:tcPr>
+                </a:tc>
+                <a:tc>
+                  <a:txBody>
+                    <a:bodyPr/>
+                    <a:lstStyle/>
+                    <a:p>
+                      <a:endParaRPr lang="en-US" dirty="0"/>
+                    </a:p>
+                  </a:txBody>
+                  <a:tcPr>
+                    <a:solidFill>
+                      <a:schemeClr val="bg1">
+                        <a:lumMod val="85000"/>
+                      </a:schemeClr>
+                    </a:solidFill>
+                  </a:tcPr>
+                </a:tc>
+                <a:tc>
+                  <a:txBody>
+                    <a:bodyPr/>
+                    <a:lstStyle/>
+                    <a:p>
+                      <a:endParaRPr lang="en-US" dirty="0"/>
+                    </a:p>
+                  </a:txBody>
+                  <a:tcPr>
+                    <a:solidFill>
+                      <a:schemeClr val="bg1">
+                        <a:lumMod val="85000"/>
+                      </a:schemeClr>
+                    </a:solidFill>
+                  </a:tcPr>
+                </a:tc>
+                <a:extLst>
+                  <a:ext uri="{0D108BD9-81ED-4DB2-BD59-A6C34878D82A}">
+                    <a16:rowId xmlns:a16="http://schemas.microsoft.com/office/drawing/2014/main" val="1174298057"/>
+                  </a:ext>
+                </a:extLst>
+              </a:tr>
+            </a:tbl>
+          </a:graphicData>
+        </a:graphic>
+      </p:graphicFrame>
+      <p:graphicFrame>
+        <p:nvGraphicFramePr>
+          <p:cNvPr id="40" name="Table 39">
+            <a:extLst>
+              <a:ext uri="{FF2B5EF4-FFF2-40B4-BE49-F238E27FC236}">
+                <a16:creationId xmlns:a16="http://schemas.microsoft.com/office/drawing/2014/main" id="{E2203E05-FECC-968D-E7FA-D8A4E93AA4D2}"/>
+              </a:ext>
+            </a:extLst>
+          </p:cNvPr>
+          <p:cNvGraphicFramePr>
+            <a:graphicFrameLocks noGrp="1"/>
+          </p:cNvGraphicFramePr>
+          <p:nvPr>
+            <p:extLst>
+              <p:ext uri="{D42A27DB-BD31-4B8C-83A1-F6EECF244321}">
+                <p14:modId xmlns:p14="http://schemas.microsoft.com/office/powerpoint/2010/main" val="3704657036"/>
+              </p:ext>
+            </p:extLst>
+          </p:nvPr>
+        </p:nvGraphicFramePr>
+        <p:xfrm>
+          <a:off x="381002" y="1298194"/>
+          <a:ext cx="3291840" cy="3291840"/>
+        </p:xfrm>
+        <a:graphic>
+          <a:graphicData uri="http://schemas.openxmlformats.org/drawingml/2006/table">
+            <a:tbl>
+              <a:tblPr firstRow="1" bandRow="1">
+                <a:tableStyleId>{5940675A-B579-460E-94D1-54222C63F5DA}</a:tableStyleId>
+              </a:tblPr>
+              <a:tblGrid>
+                <a:gridCol w="365760">
+                  <a:extLst>
+                    <a:ext uri="{9D8B030D-6E8A-4147-A177-3AD203B41FA5}">
+                      <a16:colId xmlns:a16="http://schemas.microsoft.com/office/drawing/2014/main" val="3508477746"/>
+                    </a:ext>
+                  </a:extLst>
+                </a:gridCol>
+                <a:gridCol w="365760">
+                  <a:extLst>
+                    <a:ext uri="{9D8B030D-6E8A-4147-A177-3AD203B41FA5}">
+                      <a16:colId xmlns:a16="http://schemas.microsoft.com/office/drawing/2014/main" val="4089101588"/>
+                    </a:ext>
+                  </a:extLst>
+                </a:gridCol>
+                <a:gridCol w="365760">
+                  <a:extLst>
+                    <a:ext uri="{9D8B030D-6E8A-4147-A177-3AD203B41FA5}">
+                      <a16:colId xmlns:a16="http://schemas.microsoft.com/office/drawing/2014/main" val="111887204"/>
+                    </a:ext>
+                  </a:extLst>
+                </a:gridCol>
+                <a:gridCol w="365760">
+                  <a:extLst>
+                    <a:ext uri="{9D8B030D-6E8A-4147-A177-3AD203B41FA5}">
+                      <a16:colId xmlns:a16="http://schemas.microsoft.com/office/drawing/2014/main" val="4067215328"/>
+                    </a:ext>
+                  </a:extLst>
+                </a:gridCol>
+                <a:gridCol w="365760">
+                  <a:extLst>
+                    <a:ext uri="{9D8B030D-6E8A-4147-A177-3AD203B41FA5}">
+                      <a16:colId xmlns:a16="http://schemas.microsoft.com/office/drawing/2014/main" val="2134838974"/>
+                    </a:ext>
+                  </a:extLst>
+                </a:gridCol>
+                <a:gridCol w="365760">
+                  <a:extLst>
+                    <a:ext uri="{9D8B030D-6E8A-4147-A177-3AD203B41FA5}">
+                      <a16:colId xmlns:a16="http://schemas.microsoft.com/office/drawing/2014/main" val="2948390518"/>
+                    </a:ext>
+                  </a:extLst>
+                </a:gridCol>
+                <a:gridCol w="365760">
+                  <a:extLst>
+                    <a:ext uri="{9D8B030D-6E8A-4147-A177-3AD203B41FA5}">
+                      <a16:colId xmlns:a16="http://schemas.microsoft.com/office/drawing/2014/main" val="2555904726"/>
+                    </a:ext>
+                  </a:extLst>
+                </a:gridCol>
+                <a:gridCol w="365760">
+                  <a:extLst>
+                    <a:ext uri="{9D8B030D-6E8A-4147-A177-3AD203B41FA5}">
+                      <a16:colId xmlns:a16="http://schemas.microsoft.com/office/drawing/2014/main" val="2771839026"/>
+                    </a:ext>
+                  </a:extLst>
+                </a:gridCol>
+                <a:gridCol w="365760">
+                  <a:extLst>
+                    <a:ext uri="{9D8B030D-6E8A-4147-A177-3AD203B41FA5}">
+                      <a16:colId xmlns:a16="http://schemas.microsoft.com/office/drawing/2014/main" val="4228716705"/>
+                    </a:ext>
+                  </a:extLst>
+                </a:gridCol>
+              </a:tblGrid>
+              <a:tr h="304800">
+                <a:tc>
+                  <a:txBody>
+                    <a:bodyPr/>
+                    <a:lstStyle/>
+                    <a:p>
+                      <a:endParaRPr lang="en-US" dirty="0"/>
+                    </a:p>
+                  </a:txBody>
+                  <a:tcPr>
+                    <a:solidFill>
+                      <a:schemeClr val="bg1">
+                        <a:lumMod val="85000"/>
+                      </a:schemeClr>
+                    </a:solidFill>
+                  </a:tcPr>
+                </a:tc>
+                <a:tc>
+                  <a:txBody>
+                    <a:bodyPr/>
+                    <a:lstStyle/>
+                    <a:p>
+                      <a:endParaRPr lang="en-US" dirty="0"/>
+                    </a:p>
+                  </a:txBody>
+                  <a:tcPr>
+                    <a:solidFill>
+                      <a:schemeClr val="bg1">
+                        <a:lumMod val="85000"/>
+                      </a:schemeClr>
+                    </a:solidFill>
+                  </a:tcPr>
+                </a:tc>
+                <a:tc>
+                  <a:txBody>
+                    <a:bodyPr/>
+                    <a:lstStyle/>
+                    <a:p>
+                      <a:endParaRPr lang="en-US"/>
+                    </a:p>
+                  </a:txBody>
+                  <a:tcPr>
+                    <a:solidFill>
+                      <a:schemeClr val="bg1">
+                        <a:lumMod val="85000"/>
+                      </a:schemeClr>
+                    </a:solidFill>
+                  </a:tcPr>
+                </a:tc>
+                <a:tc>
+                  <a:txBody>
+                    <a:bodyPr/>
+                    <a:lstStyle/>
+                    <a:p>
+                      <a:endParaRPr lang="en-US" dirty="0"/>
+                    </a:p>
+                  </a:txBody>
+                  <a:tcPr>
+                    <a:solidFill>
+                      <a:schemeClr val="bg1"/>
+                    </a:solidFill>
+                  </a:tcPr>
+                </a:tc>
+                <a:tc>
+                  <a:txBody>
+                    <a:bodyPr/>
+                    <a:lstStyle/>
+                    <a:p>
+                      <a:endParaRPr lang="en-US" dirty="0"/>
+                    </a:p>
+                  </a:txBody>
+                  <a:tcPr>
+                    <a:solidFill>
+                      <a:schemeClr val="bg1"/>
+                    </a:solidFill>
+                  </a:tcPr>
+                </a:tc>
+                <a:tc>
+                  <a:txBody>
+                    <a:bodyPr/>
+                    <a:lstStyle/>
+                    <a:p>
+                      <a:endParaRPr lang="en-US" dirty="0"/>
+                    </a:p>
+                  </a:txBody>
+                  <a:tcPr>
+                    <a:solidFill>
+                      <a:schemeClr val="bg1"/>
+                    </a:solidFill>
+                  </a:tcPr>
+                </a:tc>
+                <a:tc>
+                  <a:txBody>
+                    <a:bodyPr/>
+                    <a:lstStyle/>
+                    <a:p>
+                      <a:endParaRPr lang="en-US" dirty="0"/>
+                    </a:p>
+                  </a:txBody>
+                  <a:tcPr>
+                    <a:solidFill>
+                      <a:schemeClr val="bg1">
+                        <a:lumMod val="85000"/>
+                      </a:schemeClr>
+                    </a:solidFill>
+                  </a:tcPr>
+                </a:tc>
+                <a:tc>
+                  <a:txBody>
+                    <a:bodyPr/>
+                    <a:lstStyle/>
+                    <a:p>
+                      <a:endParaRPr lang="en-US" dirty="0"/>
+                    </a:p>
+                  </a:txBody>
+                  <a:tcPr>
+                    <a:solidFill>
+                      <a:schemeClr val="bg1">
+                        <a:lumMod val="85000"/>
+                      </a:schemeClr>
+                    </a:solidFill>
+                  </a:tcPr>
+                </a:tc>
+                <a:tc>
+                  <a:txBody>
+                    <a:bodyPr/>
+                    <a:lstStyle/>
+                    <a:p>
+                      <a:endParaRPr lang="en-US" dirty="0"/>
+                    </a:p>
+                  </a:txBody>
+                  <a:tcPr>
+                    <a:solidFill>
+                      <a:schemeClr val="bg1">
+                        <a:lumMod val="85000"/>
+                      </a:schemeClr>
+                    </a:solidFill>
+                  </a:tcPr>
+                </a:tc>
+                <a:extLst>
+                  <a:ext uri="{0D108BD9-81ED-4DB2-BD59-A6C34878D82A}">
+                    <a16:rowId xmlns:a16="http://schemas.microsoft.com/office/drawing/2014/main" val="3192338247"/>
+                  </a:ext>
+                </a:extLst>
+              </a:tr>
+              <a:tr h="304800">
+                <a:tc>
+                  <a:txBody>
+                    <a:bodyPr/>
+                    <a:lstStyle/>
+                    <a:p>
+                      <a:endParaRPr lang="en-US"/>
+                    </a:p>
+                  </a:txBody>
+                  <a:tcPr>
+                    <a:solidFill>
+                      <a:schemeClr val="bg1">
+                        <a:lumMod val="85000"/>
+                      </a:schemeClr>
+                    </a:solidFill>
+                  </a:tcPr>
+                </a:tc>
+                <a:tc>
+                  <a:txBody>
+                    <a:bodyPr/>
+                    <a:lstStyle/>
+                    <a:p>
+                      <a:endParaRPr lang="en-US" dirty="0"/>
+                    </a:p>
+                  </a:txBody>
+                  <a:tcPr>
+                    <a:solidFill>
+                      <a:schemeClr val="bg1">
+                        <a:lumMod val="85000"/>
+                      </a:schemeClr>
+                    </a:solidFill>
+                  </a:tcPr>
+                </a:tc>
+                <a:tc>
+                  <a:txBody>
+                    <a:bodyPr/>
+                    <a:lstStyle/>
+                    <a:p>
+                      <a:endParaRPr lang="en-US" dirty="0"/>
+                    </a:p>
+                  </a:txBody>
+                  <a:tcPr>
+                    <a:solidFill>
+                      <a:schemeClr val="bg1">
+                        <a:lumMod val="85000"/>
+                      </a:schemeClr>
+                    </a:solidFill>
+                  </a:tcPr>
+                </a:tc>
+                <a:tc>
+                  <a:txBody>
+                    <a:bodyPr/>
+                    <a:lstStyle/>
+                    <a:p>
+                      <a:endParaRPr lang="en-US" dirty="0"/>
+                    </a:p>
+                  </a:txBody>
+                  <a:tcPr>
+                    <a:solidFill>
+                      <a:schemeClr val="bg1"/>
+                    </a:solidFill>
+                  </a:tcPr>
+                </a:tc>
+                <a:tc>
+                  <a:txBody>
+                    <a:bodyPr/>
+                    <a:lstStyle/>
+                    <a:p>
+                      <a:endParaRPr lang="en-US" dirty="0"/>
+                    </a:p>
+                  </a:txBody>
+                  <a:tcPr>
+                    <a:solidFill>
+                      <a:schemeClr val="bg1"/>
+                    </a:solidFill>
+                  </a:tcPr>
+                </a:tc>
+                <a:tc>
+                  <a:txBody>
+                    <a:bodyPr/>
+                    <a:lstStyle/>
+                    <a:p>
+                      <a:endParaRPr lang="en-US" dirty="0"/>
+                    </a:p>
+                  </a:txBody>
+                  <a:tcPr>
+                    <a:solidFill>
+                      <a:schemeClr val="bg1"/>
+                    </a:solidFill>
+                  </a:tcPr>
+                </a:tc>
+                <a:tc>
+                  <a:txBody>
+                    <a:bodyPr/>
+                    <a:lstStyle/>
+                    <a:p>
+                      <a:endParaRPr lang="en-US" dirty="0"/>
+                    </a:p>
+                  </a:txBody>
+                  <a:tcPr>
+                    <a:solidFill>
+                      <a:schemeClr val="bg1">
+                        <a:lumMod val="85000"/>
+                      </a:schemeClr>
+                    </a:solidFill>
+                  </a:tcPr>
+                </a:tc>
+                <a:tc>
+                  <a:txBody>
+                    <a:bodyPr/>
+                    <a:lstStyle/>
+                    <a:p>
+                      <a:endParaRPr lang="en-US" dirty="0"/>
+                    </a:p>
+                  </a:txBody>
+                  <a:tcPr>
+                    <a:solidFill>
+                      <a:schemeClr val="bg1">
+                        <a:lumMod val="85000"/>
+                      </a:schemeClr>
+                    </a:solidFill>
+                  </a:tcPr>
+                </a:tc>
+                <a:tc>
+                  <a:txBody>
+                    <a:bodyPr/>
+                    <a:lstStyle/>
+                    <a:p>
+                      <a:endParaRPr lang="en-US" dirty="0"/>
+                    </a:p>
+                  </a:txBody>
+                  <a:tcPr>
+                    <a:solidFill>
+                      <a:schemeClr val="bg1">
+                        <a:lumMod val="85000"/>
+                      </a:schemeClr>
+                    </a:solidFill>
+                  </a:tcPr>
+                </a:tc>
+                <a:extLst>
+                  <a:ext uri="{0D108BD9-81ED-4DB2-BD59-A6C34878D82A}">
+                    <a16:rowId xmlns:a16="http://schemas.microsoft.com/office/drawing/2014/main" val="3498735479"/>
+                  </a:ext>
+                </a:extLst>
+              </a:tr>
+              <a:tr h="304800">
+                <a:tc>
+                  <a:txBody>
+                    <a:bodyPr/>
+                    <a:lstStyle/>
+                    <a:p>
+                      <a:endParaRPr lang="en-US"/>
+                    </a:p>
+                  </a:txBody>
+                  <a:tcPr>
+                    <a:solidFill>
+                      <a:schemeClr val="bg1">
+                        <a:lumMod val="85000"/>
+                      </a:schemeClr>
+                    </a:solidFill>
+                  </a:tcPr>
+                </a:tc>
+                <a:tc>
+                  <a:txBody>
+                    <a:bodyPr/>
+                    <a:lstStyle/>
+                    <a:p>
+                      <a:endParaRPr lang="en-US" dirty="0"/>
+                    </a:p>
+                  </a:txBody>
+                  <a:tcPr>
+                    <a:solidFill>
+                      <a:schemeClr val="bg1">
+                        <a:lumMod val="85000"/>
+                      </a:schemeClr>
+                    </a:solidFill>
+                  </a:tcPr>
+                </a:tc>
+                <a:tc>
+                  <a:txBody>
+                    <a:bodyPr/>
+                    <a:lstStyle/>
+                    <a:p>
+                      <a:endParaRPr lang="en-US" dirty="0"/>
+                    </a:p>
+                  </a:txBody>
+                  <a:tcPr>
+                    <a:solidFill>
+                      <a:schemeClr val="bg1">
+                        <a:lumMod val="85000"/>
+                      </a:schemeClr>
+                    </a:solidFill>
+                  </a:tcPr>
+                </a:tc>
+                <a:tc>
+                  <a:txBody>
+                    <a:bodyPr/>
+                    <a:lstStyle/>
+                    <a:p>
+                      <a:endParaRPr lang="en-US" dirty="0"/>
+                    </a:p>
+                  </a:txBody>
+                  <a:tcPr>
+                    <a:solidFill>
+                      <a:schemeClr val="bg1"/>
+                    </a:solidFill>
+                  </a:tcPr>
+                </a:tc>
+                <a:tc>
+                  <a:txBody>
+                    <a:bodyPr/>
+                    <a:lstStyle/>
+                    <a:p>
+                      <a:endParaRPr lang="en-US" dirty="0"/>
+                    </a:p>
+                  </a:txBody>
+                  <a:tcPr>
+                    <a:solidFill>
+                      <a:schemeClr val="bg1"/>
+                    </a:solidFill>
+                  </a:tcPr>
+                </a:tc>
+                <a:tc>
+                  <a:txBody>
+                    <a:bodyPr/>
+                    <a:lstStyle/>
+                    <a:p>
+                      <a:endParaRPr lang="en-US" dirty="0"/>
+                    </a:p>
+                  </a:txBody>
+                  <a:tcPr>
+                    <a:solidFill>
+                      <a:schemeClr val="bg1"/>
+                    </a:solidFill>
+                  </a:tcPr>
+                </a:tc>
+                <a:tc>
+                  <a:txBody>
+                    <a:bodyPr/>
+                    <a:lstStyle/>
+                    <a:p>
+                      <a:endParaRPr lang="en-US" dirty="0"/>
+                    </a:p>
+                  </a:txBody>
+                  <a:tcPr>
+                    <a:solidFill>
+                      <a:schemeClr val="bg1">
+                        <a:lumMod val="85000"/>
+                      </a:schemeClr>
+                    </a:solidFill>
+                  </a:tcPr>
+                </a:tc>
+                <a:tc>
+                  <a:txBody>
+                    <a:bodyPr/>
+                    <a:lstStyle/>
+                    <a:p>
+                      <a:endParaRPr lang="en-US" dirty="0"/>
+                    </a:p>
+                  </a:txBody>
+                  <a:tcPr>
+                    <a:solidFill>
+                      <a:schemeClr val="bg1">
+                        <a:lumMod val="85000"/>
+                      </a:schemeClr>
+                    </a:solidFill>
+                  </a:tcPr>
+                </a:tc>
+                <a:tc>
+                  <a:txBody>
+                    <a:bodyPr/>
+                    <a:lstStyle/>
+                    <a:p>
+                      <a:endParaRPr lang="en-US" dirty="0"/>
+                    </a:p>
+                  </a:txBody>
+                  <a:tcPr>
+                    <a:solidFill>
+                      <a:schemeClr val="bg1">
+                        <a:lumMod val="85000"/>
+                      </a:schemeClr>
+                    </a:solidFill>
+                  </a:tcPr>
+                </a:tc>
+                <a:extLst>
+                  <a:ext uri="{0D108BD9-81ED-4DB2-BD59-A6C34878D82A}">
+                    <a16:rowId xmlns:a16="http://schemas.microsoft.com/office/drawing/2014/main" val="1174298057"/>
+                  </a:ext>
+                </a:extLst>
+              </a:tr>
+              <a:tr h="304800">
+                <a:tc>
+                  <a:txBody>
+                    <a:bodyPr/>
+                    <a:lstStyle/>
+                    <a:p>
+                      <a:endParaRPr lang="en-US" dirty="0"/>
+                    </a:p>
+                  </a:txBody>
+                  <a:tcPr>
+                    <a:solidFill>
+                      <a:schemeClr val="bg1"/>
+                    </a:solidFill>
+                  </a:tcPr>
+                </a:tc>
+                <a:tc>
+                  <a:txBody>
+                    <a:bodyPr/>
+                    <a:lstStyle/>
+                    <a:p>
+                      <a:endParaRPr lang="en-US" dirty="0"/>
+                    </a:p>
+                  </a:txBody>
+                  <a:tcPr>
+                    <a:solidFill>
+                      <a:schemeClr val="bg1"/>
+                    </a:solidFill>
+                  </a:tcPr>
+                </a:tc>
+                <a:tc>
+                  <a:txBody>
+                    <a:bodyPr/>
+                    <a:lstStyle/>
+                    <a:p>
+                      <a:endParaRPr lang="en-US" dirty="0"/>
+                    </a:p>
+                  </a:txBody>
+                  <a:tcPr>
+                    <a:solidFill>
+                      <a:schemeClr val="bg1"/>
+                    </a:solidFill>
+                  </a:tcPr>
+                </a:tc>
+                <a:tc>
+                  <a:txBody>
+                    <a:bodyPr/>
+                    <a:lstStyle/>
+                    <a:p>
+                      <a:endParaRPr lang="en-US" dirty="0"/>
+                    </a:p>
+                  </a:txBody>
+                  <a:tcPr>
+                    <a:solidFill>
+                      <a:schemeClr val="bg1">
+                        <a:lumMod val="85000"/>
+                      </a:schemeClr>
+                    </a:solidFill>
+                  </a:tcPr>
+                </a:tc>
+                <a:tc>
+                  <a:txBody>
+                    <a:bodyPr/>
+                    <a:lstStyle/>
+                    <a:p>
+                      <a:endParaRPr lang="en-US" dirty="0"/>
+                    </a:p>
+                  </a:txBody>
+                  <a:tcPr>
+                    <a:solidFill>
+                      <a:schemeClr val="bg1">
+                        <a:lumMod val="85000"/>
+                      </a:schemeClr>
+                    </a:solidFill>
+                  </a:tcPr>
+                </a:tc>
+                <a:tc>
+                  <a:txBody>
+                    <a:bodyPr/>
+                    <a:lstStyle/>
+                    <a:p>
+                      <a:endParaRPr lang="en-US" dirty="0"/>
+                    </a:p>
+                  </a:txBody>
+                  <a:tcPr>
+                    <a:solidFill>
+                      <a:schemeClr val="bg1">
+                        <a:lumMod val="85000"/>
+                      </a:schemeClr>
+                    </a:solidFill>
+                  </a:tcPr>
+                </a:tc>
+                <a:tc>
+                  <a:txBody>
+                    <a:bodyPr/>
+                    <a:lstStyle/>
+                    <a:p>
+                      <a:endParaRPr lang="en-US" dirty="0"/>
+                    </a:p>
+                  </a:txBody>
+                  <a:tcPr>
+                    <a:solidFill>
+                      <a:schemeClr val="bg1"/>
+                    </a:solidFill>
+                  </a:tcPr>
+                </a:tc>
+                <a:tc>
+                  <a:txBody>
+                    <a:bodyPr/>
+                    <a:lstStyle/>
+                    <a:p>
+                      <a:endParaRPr lang="en-US" dirty="0"/>
+                    </a:p>
+                  </a:txBody>
+                  <a:tcPr>
+                    <a:solidFill>
+                      <a:schemeClr val="bg1"/>
+                    </a:solidFill>
+                  </a:tcPr>
+                </a:tc>
+                <a:tc>
+                  <a:txBody>
+                    <a:bodyPr/>
+                    <a:lstStyle/>
+                    <a:p>
+                      <a:endParaRPr lang="en-US" dirty="0"/>
+                    </a:p>
+                  </a:txBody>
+                  <a:tcPr>
+                    <a:solidFill>
+                      <a:schemeClr val="bg1"/>
+                    </a:solidFill>
+                  </a:tcPr>
+                </a:tc>
+                <a:extLst>
+                  <a:ext uri="{0D108BD9-81ED-4DB2-BD59-A6C34878D82A}">
+                    <a16:rowId xmlns:a16="http://schemas.microsoft.com/office/drawing/2014/main" val="2901935234"/>
+                  </a:ext>
+                </a:extLst>
+              </a:tr>
+              <a:tr h="304800">
+                <a:tc>
+                  <a:txBody>
+                    <a:bodyPr/>
+                    <a:lstStyle/>
+                    <a:p>
+                      <a:endParaRPr lang="en-US" dirty="0"/>
+                    </a:p>
+                  </a:txBody>
+                  <a:tcPr>
+                    <a:solidFill>
+                      <a:schemeClr val="bg1"/>
+                    </a:solidFill>
+                  </a:tcPr>
+                </a:tc>
+                <a:tc>
+                  <a:txBody>
+                    <a:bodyPr/>
+                    <a:lstStyle/>
+                    <a:p>
+                      <a:endParaRPr lang="en-US" dirty="0"/>
+                    </a:p>
+                  </a:txBody>
+                  <a:tcPr>
+                    <a:solidFill>
+                      <a:schemeClr val="bg1"/>
+                    </a:solidFill>
+                  </a:tcPr>
+                </a:tc>
+                <a:tc>
+                  <a:txBody>
+                    <a:bodyPr/>
+                    <a:lstStyle/>
+                    <a:p>
+                      <a:endParaRPr lang="en-US" dirty="0"/>
+                    </a:p>
+                  </a:txBody>
+                  <a:tcPr>
+                    <a:solidFill>
+                      <a:schemeClr val="bg1"/>
+                    </a:solidFill>
+                  </a:tcPr>
+                </a:tc>
+                <a:tc>
+                  <a:txBody>
+                    <a:bodyPr/>
+                    <a:lstStyle/>
+                    <a:p>
+                      <a:endParaRPr lang="en-US" dirty="0"/>
+                    </a:p>
+                  </a:txBody>
+                  <a:tcPr>
+                    <a:solidFill>
+                      <a:schemeClr val="bg1">
+                        <a:lumMod val="85000"/>
+                      </a:schemeClr>
+                    </a:solidFill>
+                  </a:tcPr>
+                </a:tc>
+                <a:tc>
+                  <a:txBody>
+                    <a:bodyPr/>
+                    <a:lstStyle/>
+                    <a:p>
+                      <a:endParaRPr lang="en-US" dirty="0"/>
+                    </a:p>
+                  </a:txBody>
+                  <a:tcPr>
+                    <a:solidFill>
+                      <a:schemeClr val="bg1">
+                        <a:lumMod val="85000"/>
+                      </a:schemeClr>
+                    </a:solidFill>
+                  </a:tcPr>
+                </a:tc>
+                <a:tc>
+                  <a:txBody>
+                    <a:bodyPr/>
+                    <a:lstStyle/>
+                    <a:p>
+                      <a:endParaRPr lang="en-US" dirty="0"/>
+                    </a:p>
+                  </a:txBody>
+                  <a:tcPr>
+                    <a:solidFill>
+                      <a:schemeClr val="bg1">
+                        <a:lumMod val="85000"/>
+                      </a:schemeClr>
+                    </a:solidFill>
+                  </a:tcPr>
+                </a:tc>
+                <a:tc>
+                  <a:txBody>
+                    <a:bodyPr/>
+                    <a:lstStyle/>
+                    <a:p>
+                      <a:endParaRPr lang="en-US" dirty="0"/>
+                    </a:p>
+                  </a:txBody>
+                  <a:tcPr>
+                    <a:solidFill>
+                      <a:schemeClr val="bg1"/>
+                    </a:solidFill>
+                  </a:tcPr>
+                </a:tc>
+                <a:tc>
+                  <a:txBody>
+                    <a:bodyPr/>
+                    <a:lstStyle/>
+                    <a:p>
+                      <a:endParaRPr lang="en-US" dirty="0"/>
+                    </a:p>
+                  </a:txBody>
+                  <a:tcPr>
+                    <a:solidFill>
+                      <a:schemeClr val="bg1"/>
+                    </a:solidFill>
+                  </a:tcPr>
+                </a:tc>
+                <a:tc>
+                  <a:txBody>
+                    <a:bodyPr/>
+                    <a:lstStyle/>
+                    <a:p>
+                      <a:endParaRPr lang="en-US" dirty="0"/>
+                    </a:p>
+                  </a:txBody>
+                  <a:tcPr>
+                    <a:solidFill>
+                      <a:schemeClr val="bg1"/>
+                    </a:solidFill>
+                  </a:tcPr>
+                </a:tc>
+                <a:extLst>
+                  <a:ext uri="{0D108BD9-81ED-4DB2-BD59-A6C34878D82A}">
+                    <a16:rowId xmlns:a16="http://schemas.microsoft.com/office/drawing/2014/main" val="3231032747"/>
+                  </a:ext>
+                </a:extLst>
+              </a:tr>
+              <a:tr h="304800">
+                <a:tc>
+                  <a:txBody>
+                    <a:bodyPr/>
+                    <a:lstStyle/>
+                    <a:p>
+                      <a:endParaRPr lang="en-US" dirty="0"/>
+                    </a:p>
+                  </a:txBody>
+                  <a:tcPr>
+                    <a:solidFill>
+                      <a:schemeClr val="bg1"/>
+                    </a:solidFill>
+                  </a:tcPr>
+                </a:tc>
+                <a:tc>
+                  <a:txBody>
+                    <a:bodyPr/>
+                    <a:lstStyle/>
+                    <a:p>
+                      <a:endParaRPr lang="en-US" dirty="0"/>
+                    </a:p>
+                  </a:txBody>
+                  <a:tcPr>
+                    <a:solidFill>
+                      <a:schemeClr val="bg1"/>
+                    </a:solidFill>
+                  </a:tcPr>
+                </a:tc>
+                <a:tc>
+                  <a:txBody>
+                    <a:bodyPr/>
+                    <a:lstStyle/>
+                    <a:p>
+                      <a:endParaRPr lang="en-US" dirty="0"/>
+                    </a:p>
+                  </a:txBody>
+                  <a:tcPr>
+                    <a:solidFill>
+                      <a:schemeClr val="bg1"/>
+                    </a:solidFill>
+                  </a:tcPr>
+                </a:tc>
+                <a:tc>
+                  <a:txBody>
+                    <a:bodyPr/>
+                    <a:lstStyle/>
+                    <a:p>
+                      <a:endParaRPr lang="en-US" dirty="0"/>
+                    </a:p>
+                  </a:txBody>
+                  <a:tcPr>
+                    <a:solidFill>
+                      <a:schemeClr val="bg1">
+                        <a:lumMod val="85000"/>
+                      </a:schemeClr>
+                    </a:solidFill>
+                  </a:tcPr>
+                </a:tc>
+                <a:tc>
+                  <a:txBody>
+                    <a:bodyPr/>
+                    <a:lstStyle/>
+                    <a:p>
+                      <a:endParaRPr lang="en-US" dirty="0"/>
+                    </a:p>
+                  </a:txBody>
+                  <a:tcPr>
+                    <a:solidFill>
+                      <a:schemeClr val="bg1">
+                        <a:lumMod val="85000"/>
+                      </a:schemeClr>
+                    </a:solidFill>
+                  </a:tcPr>
+                </a:tc>
+                <a:tc>
+                  <a:txBody>
+                    <a:bodyPr/>
+                    <a:lstStyle/>
+                    <a:p>
+                      <a:endParaRPr lang="en-US" dirty="0"/>
+                    </a:p>
+                  </a:txBody>
+                  <a:tcPr>
+                    <a:solidFill>
+                      <a:schemeClr val="bg1">
+                        <a:lumMod val="85000"/>
+                      </a:schemeClr>
+                    </a:solidFill>
+                  </a:tcPr>
+                </a:tc>
+                <a:tc>
+                  <a:txBody>
+                    <a:bodyPr/>
+                    <a:lstStyle/>
+                    <a:p>
+                      <a:endParaRPr lang="en-US" dirty="0"/>
+                    </a:p>
+                  </a:txBody>
+                  <a:tcPr>
+                    <a:solidFill>
+                      <a:schemeClr val="bg1"/>
+                    </a:solidFill>
+                  </a:tcPr>
+                </a:tc>
+                <a:tc>
+                  <a:txBody>
+                    <a:bodyPr/>
+                    <a:lstStyle/>
+                    <a:p>
+                      <a:endParaRPr lang="en-US" dirty="0"/>
+                    </a:p>
+                  </a:txBody>
+                  <a:tcPr>
+                    <a:solidFill>
+                      <a:schemeClr val="bg1"/>
+                    </a:solidFill>
+                  </a:tcPr>
+                </a:tc>
+                <a:tc>
+                  <a:txBody>
+                    <a:bodyPr/>
+                    <a:lstStyle/>
+                    <a:p>
+                      <a:endParaRPr lang="en-US" dirty="0"/>
+                    </a:p>
+                  </a:txBody>
+                  <a:tcPr>
+                    <a:solidFill>
+                      <a:schemeClr val="bg1"/>
+                    </a:solidFill>
+                  </a:tcPr>
+                </a:tc>
+                <a:extLst>
+                  <a:ext uri="{0D108BD9-81ED-4DB2-BD59-A6C34878D82A}">
+                    <a16:rowId xmlns:a16="http://schemas.microsoft.com/office/drawing/2014/main" val="1718904164"/>
+                  </a:ext>
+                </a:extLst>
+              </a:tr>
+              <a:tr h="304800">
+                <a:tc>
+                  <a:txBody>
+                    <a:bodyPr/>
+                    <a:lstStyle/>
+                    <a:p>
+                      <a:endParaRPr lang="en-US" dirty="0"/>
+                    </a:p>
+                  </a:txBody>
+                  <a:tcPr>
+                    <a:solidFill>
+                      <a:schemeClr val="bg1">
+                        <a:lumMod val="85000"/>
+                      </a:schemeClr>
+                    </a:solidFill>
+                  </a:tcPr>
+                </a:tc>
+                <a:tc>
+                  <a:txBody>
+                    <a:bodyPr/>
+                    <a:lstStyle/>
+                    <a:p>
+                      <a:endParaRPr lang="en-US" dirty="0"/>
+                    </a:p>
+                  </a:txBody>
+                  <a:tcPr>
+                    <a:solidFill>
+                      <a:schemeClr val="bg1">
+                        <a:lumMod val="85000"/>
+                      </a:schemeClr>
+                    </a:solidFill>
+                  </a:tcPr>
+                </a:tc>
+                <a:tc>
+                  <a:txBody>
+                    <a:bodyPr/>
+                    <a:lstStyle/>
+                    <a:p>
+                      <a:endParaRPr lang="en-US" dirty="0"/>
+                    </a:p>
+                  </a:txBody>
+                  <a:tcPr>
+                    <a:solidFill>
+                      <a:schemeClr val="bg1">
+                        <a:lumMod val="85000"/>
+                      </a:schemeClr>
+                    </a:solidFill>
+                  </a:tcPr>
+                </a:tc>
+                <a:tc>
+                  <a:txBody>
+                    <a:bodyPr/>
+                    <a:lstStyle/>
+                    <a:p>
+                      <a:endParaRPr lang="en-US" dirty="0"/>
+                    </a:p>
+                  </a:txBody>
+                  <a:tcPr>
+                    <a:solidFill>
+                      <a:schemeClr val="bg1"/>
+                    </a:solidFill>
+                  </a:tcPr>
+                </a:tc>
+                <a:tc>
+                  <a:txBody>
+                    <a:bodyPr/>
+                    <a:lstStyle/>
+                    <a:p>
+                      <a:endParaRPr lang="en-US" dirty="0"/>
+                    </a:p>
+                  </a:txBody>
+                  <a:tcPr>
+                    <a:solidFill>
+                      <a:schemeClr val="bg1"/>
+                    </a:solidFill>
+                  </a:tcPr>
+                </a:tc>
+                <a:tc>
+                  <a:txBody>
+                    <a:bodyPr/>
+                    <a:lstStyle/>
+                    <a:p>
+                      <a:endParaRPr lang="en-US" dirty="0"/>
+                    </a:p>
+                  </a:txBody>
+                  <a:tcPr>
+                    <a:solidFill>
+                      <a:schemeClr val="bg1"/>
+                    </a:solidFill>
+                  </a:tcPr>
+                </a:tc>
+                <a:tc>
+                  <a:txBody>
+                    <a:bodyPr/>
+                    <a:lstStyle/>
+                    <a:p>
+                      <a:endParaRPr lang="en-US" dirty="0"/>
+                    </a:p>
+                  </a:txBody>
+                  <a:tcPr>
+                    <a:solidFill>
+                      <a:schemeClr val="bg1">
+                        <a:lumMod val="85000"/>
+                      </a:schemeClr>
+                    </a:solidFill>
+                  </a:tcPr>
+                </a:tc>
+                <a:tc>
+                  <a:txBody>
+                    <a:bodyPr/>
+                    <a:lstStyle/>
+                    <a:p>
+                      <a:endParaRPr lang="en-US" dirty="0"/>
+                    </a:p>
+                  </a:txBody>
+                  <a:tcPr>
+                    <a:solidFill>
+                      <a:schemeClr val="bg1">
+                        <a:lumMod val="85000"/>
+                      </a:schemeClr>
+                    </a:solidFill>
+                  </a:tcPr>
+                </a:tc>
+                <a:tc>
+                  <a:txBody>
+                    <a:bodyPr/>
+                    <a:lstStyle/>
+                    <a:p>
+                      <a:endParaRPr lang="en-US" dirty="0"/>
+                    </a:p>
+                  </a:txBody>
+                  <a:tcPr>
+                    <a:solidFill>
+                      <a:schemeClr val="bg1">
+                        <a:lumMod val="85000"/>
+                      </a:schemeClr>
+                    </a:solidFill>
+                  </a:tcPr>
+                </a:tc>
+                <a:extLst>
+                  <a:ext uri="{0D108BD9-81ED-4DB2-BD59-A6C34878D82A}">
+                    <a16:rowId xmlns:a16="http://schemas.microsoft.com/office/drawing/2014/main" val="3308922687"/>
+                  </a:ext>
+                </a:extLst>
+              </a:tr>
+              <a:tr h="304800">
+                <a:tc>
+                  <a:txBody>
+                    <a:bodyPr/>
+                    <a:lstStyle/>
+                    <a:p>
+                      <a:endParaRPr lang="en-US" dirty="0"/>
+                    </a:p>
+                  </a:txBody>
+                  <a:tcPr>
+                    <a:solidFill>
+                      <a:schemeClr val="bg1">
+                        <a:lumMod val="85000"/>
+                      </a:schemeClr>
+                    </a:solidFill>
+                  </a:tcPr>
+                </a:tc>
+                <a:tc>
+                  <a:txBody>
+                    <a:bodyPr/>
+                    <a:lstStyle/>
+                    <a:p>
+                      <a:endParaRPr lang="en-US" dirty="0"/>
+                    </a:p>
+                  </a:txBody>
+                  <a:tcPr>
+                    <a:solidFill>
+                      <a:schemeClr val="bg1">
+                        <a:lumMod val="85000"/>
+                      </a:schemeClr>
+                    </a:solidFill>
+                  </a:tcPr>
+                </a:tc>
+                <a:tc>
+                  <a:txBody>
+                    <a:bodyPr/>
+                    <a:lstStyle/>
+                    <a:p>
+                      <a:endParaRPr lang="en-US" dirty="0"/>
+                    </a:p>
+                  </a:txBody>
+                  <a:tcPr>
+                    <a:solidFill>
+                      <a:schemeClr val="bg1">
+                        <a:lumMod val="85000"/>
+                      </a:schemeClr>
+                    </a:solidFill>
+                  </a:tcPr>
+                </a:tc>
+                <a:tc>
+                  <a:txBody>
+                    <a:bodyPr/>
+                    <a:lstStyle/>
+                    <a:p>
+                      <a:endParaRPr lang="en-US" dirty="0"/>
+                    </a:p>
+                  </a:txBody>
+                  <a:tcPr>
+                    <a:solidFill>
+                      <a:schemeClr val="bg1"/>
+                    </a:solidFill>
+                  </a:tcPr>
+                </a:tc>
+                <a:tc>
+                  <a:txBody>
+                    <a:bodyPr/>
+                    <a:lstStyle/>
+                    <a:p>
+                      <a:endParaRPr lang="en-US" dirty="0"/>
+                    </a:p>
+                  </a:txBody>
+                  <a:tcPr>
+                    <a:solidFill>
+                      <a:schemeClr val="bg1"/>
+                    </a:solidFill>
+                  </a:tcPr>
+                </a:tc>
+                <a:tc>
+                  <a:txBody>
+                    <a:bodyPr/>
+                    <a:lstStyle/>
+                    <a:p>
+                      <a:endParaRPr lang="en-US" dirty="0"/>
+                    </a:p>
+                  </a:txBody>
+                  <a:tcPr>
+                    <a:solidFill>
+                      <a:schemeClr val="bg1"/>
+                    </a:solidFill>
+                  </a:tcPr>
+                </a:tc>
+                <a:tc>
+                  <a:txBody>
+                    <a:bodyPr/>
+                    <a:lstStyle/>
+                    <a:p>
+                      <a:endParaRPr lang="en-US" dirty="0"/>
+                    </a:p>
+                  </a:txBody>
+                  <a:tcPr>
+                    <a:solidFill>
+                      <a:schemeClr val="bg1">
+                        <a:lumMod val="85000"/>
+                      </a:schemeClr>
+                    </a:solidFill>
+                  </a:tcPr>
+                </a:tc>
+                <a:tc>
+                  <a:txBody>
+                    <a:bodyPr/>
+                    <a:lstStyle/>
+                    <a:p>
+                      <a:endParaRPr lang="en-US" dirty="0"/>
+                    </a:p>
+                  </a:txBody>
+                  <a:tcPr>
+                    <a:solidFill>
+                      <a:schemeClr val="bg1">
+                        <a:lumMod val="85000"/>
+                      </a:schemeClr>
+                    </a:solidFill>
+                  </a:tcPr>
+                </a:tc>
+                <a:tc>
+                  <a:txBody>
+                    <a:bodyPr/>
+                    <a:lstStyle/>
+                    <a:p>
+                      <a:endParaRPr lang="en-US" dirty="0"/>
+                    </a:p>
+                  </a:txBody>
+                  <a:tcPr>
+                    <a:solidFill>
+                      <a:schemeClr val="bg1">
+                        <a:lumMod val="85000"/>
+                      </a:schemeClr>
+                    </a:solidFill>
+                  </a:tcPr>
+                </a:tc>
+                <a:extLst>
+                  <a:ext uri="{0D108BD9-81ED-4DB2-BD59-A6C34878D82A}">
+                    <a16:rowId xmlns:a16="http://schemas.microsoft.com/office/drawing/2014/main" val="3003872697"/>
+                  </a:ext>
+                </a:extLst>
+              </a:tr>
+              <a:tr h="304800">
+                <a:tc>
+                  <a:txBody>
+                    <a:bodyPr/>
+                    <a:lstStyle/>
+                    <a:p>
+                      <a:endParaRPr lang="en-US" dirty="0"/>
+                    </a:p>
+                  </a:txBody>
+                  <a:tcPr>
+                    <a:solidFill>
+                      <a:schemeClr val="bg1">
+                        <a:lumMod val="85000"/>
+                      </a:schemeClr>
+                    </a:solidFill>
+                  </a:tcPr>
+                </a:tc>
+                <a:tc>
+                  <a:txBody>
+                    <a:bodyPr/>
+                    <a:lstStyle/>
+                    <a:p>
+                      <a:endParaRPr lang="en-US" dirty="0"/>
+                    </a:p>
+                  </a:txBody>
+                  <a:tcPr>
+                    <a:solidFill>
+                      <a:schemeClr val="bg1">
+                        <a:lumMod val="85000"/>
+                      </a:schemeClr>
+                    </a:solidFill>
+                  </a:tcPr>
+                </a:tc>
+                <a:tc>
+                  <a:txBody>
+                    <a:bodyPr/>
+                    <a:lstStyle/>
+                    <a:p>
+                      <a:endParaRPr lang="en-US" dirty="0"/>
+                    </a:p>
+                  </a:txBody>
+                  <a:tcPr>
+                    <a:solidFill>
+                      <a:schemeClr val="bg1">
+                        <a:lumMod val="85000"/>
+                      </a:schemeClr>
+                    </a:solidFill>
+                  </a:tcPr>
+                </a:tc>
+                <a:tc>
+                  <a:txBody>
+                    <a:bodyPr/>
+                    <a:lstStyle/>
+                    <a:p>
+                      <a:endParaRPr lang="en-US" dirty="0"/>
+                    </a:p>
+                  </a:txBody>
+                  <a:tcPr>
+                    <a:solidFill>
+                      <a:schemeClr val="bg1"/>
+                    </a:solidFill>
+                  </a:tcPr>
+                </a:tc>
+                <a:tc>
+                  <a:txBody>
+                    <a:bodyPr/>
+                    <a:lstStyle/>
+                    <a:p>
+                      <a:endParaRPr lang="en-US" dirty="0"/>
+                    </a:p>
+                  </a:txBody>
+                  <a:tcPr>
+                    <a:solidFill>
+                      <a:schemeClr val="bg1"/>
+                    </a:solidFill>
+                  </a:tcPr>
+                </a:tc>
+                <a:tc>
+                  <a:txBody>
+                    <a:bodyPr/>
+                    <a:lstStyle/>
+                    <a:p>
+                      <a:endParaRPr lang="en-US" dirty="0"/>
+                    </a:p>
+                  </a:txBody>
+                  <a:tcPr>
+                    <a:solidFill>
+                      <a:schemeClr val="bg1"/>
+                    </a:solidFill>
+                  </a:tcPr>
+                </a:tc>
+                <a:tc>
+                  <a:txBody>
+                    <a:bodyPr/>
+                    <a:lstStyle/>
+                    <a:p>
+                      <a:endParaRPr lang="en-US" dirty="0"/>
+                    </a:p>
+                  </a:txBody>
+                  <a:tcPr>
+                    <a:solidFill>
+                      <a:schemeClr val="bg1">
+                        <a:lumMod val="85000"/>
+                      </a:schemeClr>
+                    </a:solidFill>
+                  </a:tcPr>
+                </a:tc>
+                <a:tc>
+                  <a:txBody>
+                    <a:bodyPr/>
+                    <a:lstStyle/>
+                    <a:p>
+                      <a:endParaRPr lang="en-US" dirty="0"/>
+                    </a:p>
+                  </a:txBody>
+                  <a:tcPr>
+                    <a:solidFill>
+                      <a:schemeClr val="bg1">
+                        <a:lumMod val="85000"/>
+                      </a:schemeClr>
+                    </a:solidFill>
+                  </a:tcPr>
+                </a:tc>
+                <a:tc>
+                  <a:txBody>
+                    <a:bodyPr/>
+                    <a:lstStyle/>
+                    <a:p>
+                      <a:endParaRPr lang="en-US" dirty="0"/>
+                    </a:p>
+                  </a:txBody>
+                  <a:tcPr>
+                    <a:solidFill>
+                      <a:schemeClr val="bg1">
+                        <a:lumMod val="85000"/>
+                      </a:schemeClr>
+                    </a:solidFill>
+                  </a:tcPr>
+                </a:tc>
+                <a:extLst>
+                  <a:ext uri="{0D108BD9-81ED-4DB2-BD59-A6C34878D82A}">
+                    <a16:rowId xmlns:a16="http://schemas.microsoft.com/office/drawing/2014/main" val="2061768899"/>
+                  </a:ext>
+                </a:extLst>
+              </a:tr>
+            </a:tbl>
+          </a:graphicData>
+        </a:graphic>
+      </p:graphicFrame>
+      <p:graphicFrame>
+        <p:nvGraphicFramePr>
+          <p:cNvPr id="41" name="Table 40">
+            <a:extLst>
+              <a:ext uri="{FF2B5EF4-FFF2-40B4-BE49-F238E27FC236}">
+                <a16:creationId xmlns:a16="http://schemas.microsoft.com/office/drawing/2014/main" id="{4D13ECD0-3089-6610-7FEC-FF4F878E7195}"/>
+              </a:ext>
+            </a:extLst>
+          </p:cNvPr>
+          <p:cNvGraphicFramePr>
+            <a:graphicFrameLocks noGrp="1"/>
+          </p:cNvGraphicFramePr>
+          <p:nvPr>
+            <p:extLst>
+              <p:ext uri="{D42A27DB-BD31-4B8C-83A1-F6EECF244321}">
+                <p14:modId xmlns:p14="http://schemas.microsoft.com/office/powerpoint/2010/main" val="3780139584"/>
+              </p:ext>
+            </p:extLst>
+          </p:nvPr>
+        </p:nvGraphicFramePr>
+        <p:xfrm>
+          <a:off x="6096000" y="1041654"/>
+          <a:ext cx="1097280" cy="1097280"/>
+        </p:xfrm>
+        <a:graphic>
+          <a:graphicData uri="http://schemas.openxmlformats.org/drawingml/2006/table">
+            <a:tbl>
+              <a:tblPr firstRow="1" bandRow="1">
+                <a:tableStyleId>{5940675A-B579-460E-94D1-54222C63F5DA}</a:tableStyleId>
+              </a:tblPr>
+              <a:tblGrid>
+                <a:gridCol w="365760">
+                  <a:extLst>
+                    <a:ext uri="{9D8B030D-6E8A-4147-A177-3AD203B41FA5}">
+                      <a16:colId xmlns:a16="http://schemas.microsoft.com/office/drawing/2014/main" val="3508477746"/>
+                    </a:ext>
+                  </a:extLst>
+                </a:gridCol>
+                <a:gridCol w="365760">
+                  <a:extLst>
+                    <a:ext uri="{9D8B030D-6E8A-4147-A177-3AD203B41FA5}">
+                      <a16:colId xmlns:a16="http://schemas.microsoft.com/office/drawing/2014/main" val="4089101588"/>
+                    </a:ext>
+                  </a:extLst>
+                </a:gridCol>
+                <a:gridCol w="365760">
+                  <a:extLst>
+                    <a:ext uri="{9D8B030D-6E8A-4147-A177-3AD203B41FA5}">
+                      <a16:colId xmlns:a16="http://schemas.microsoft.com/office/drawing/2014/main" val="111887204"/>
+                    </a:ext>
+                  </a:extLst>
+                </a:gridCol>
+              </a:tblGrid>
+              <a:tr h="365760">
+                <a:tc>
+                  <a:txBody>
+                    <a:bodyPr/>
+                    <a:lstStyle/>
+                    <a:p>
+                      <a:endParaRPr lang="en-US" dirty="0"/>
+                    </a:p>
+                  </a:txBody>
+                  <a:tcPr>
+                    <a:solidFill>
+                      <a:schemeClr val="bg1"/>
+                    </a:solidFill>
+                  </a:tcPr>
+                </a:tc>
+                <a:tc>
+                  <a:txBody>
+                    <a:bodyPr/>
+                    <a:lstStyle/>
+                    <a:p>
+                      <a:endParaRPr lang="en-US" dirty="0"/>
+                    </a:p>
+                  </a:txBody>
+                  <a:tcPr>
+                    <a:solidFill>
+                      <a:schemeClr val="bg1"/>
+                    </a:solidFill>
+                  </a:tcPr>
+                </a:tc>
+                <a:tc>
+                  <a:txBody>
+                    <a:bodyPr/>
+                    <a:lstStyle/>
+                    <a:p>
+                      <a:endParaRPr lang="en-US" dirty="0"/>
+                    </a:p>
+                  </a:txBody>
+                  <a:tcPr>
+                    <a:solidFill>
+                      <a:schemeClr val="bg1"/>
+                    </a:solidFill>
+                  </a:tcPr>
+                </a:tc>
+                <a:extLst>
+                  <a:ext uri="{0D108BD9-81ED-4DB2-BD59-A6C34878D82A}">
+                    <a16:rowId xmlns:a16="http://schemas.microsoft.com/office/drawing/2014/main" val="3192338247"/>
+                  </a:ext>
+                </a:extLst>
+              </a:tr>
+              <a:tr h="365760">
+                <a:tc>
+                  <a:txBody>
+                    <a:bodyPr/>
+                    <a:lstStyle/>
+                    <a:p>
+                      <a:endParaRPr lang="en-US"/>
+                    </a:p>
+                  </a:txBody>
+                  <a:tcPr>
+                    <a:solidFill>
+                      <a:schemeClr val="bg1"/>
+                    </a:solidFill>
+                  </a:tcPr>
+                </a:tc>
+                <a:tc>
+                  <a:txBody>
+                    <a:bodyPr/>
+                    <a:lstStyle/>
+                    <a:p>
+                      <a:endParaRPr lang="en-US" dirty="0"/>
+                    </a:p>
+                  </a:txBody>
+                  <a:tcPr>
+                    <a:solidFill>
+                      <a:schemeClr val="bg1"/>
+                    </a:solidFill>
+                  </a:tcPr>
+                </a:tc>
+                <a:tc>
+                  <a:txBody>
+                    <a:bodyPr/>
+                    <a:lstStyle/>
+                    <a:p>
+                      <a:endParaRPr lang="en-US" dirty="0"/>
+                    </a:p>
+                  </a:txBody>
+                  <a:tcPr>
+                    <a:solidFill>
+                      <a:schemeClr val="bg1"/>
+                    </a:solidFill>
+                  </a:tcPr>
+                </a:tc>
+                <a:extLst>
+                  <a:ext uri="{0D108BD9-81ED-4DB2-BD59-A6C34878D82A}">
+                    <a16:rowId xmlns:a16="http://schemas.microsoft.com/office/drawing/2014/main" val="3498735479"/>
+                  </a:ext>
+                </a:extLst>
+              </a:tr>
+              <a:tr h="365760">
+                <a:tc>
+                  <a:txBody>
+                    <a:bodyPr/>
+                    <a:lstStyle/>
+                    <a:p>
+                      <a:endParaRPr lang="en-US" dirty="0"/>
+                    </a:p>
+                  </a:txBody>
+                  <a:tcPr>
+                    <a:solidFill>
+                      <a:schemeClr val="bg1"/>
+                    </a:solidFill>
+                  </a:tcPr>
+                </a:tc>
+                <a:tc>
+                  <a:txBody>
+                    <a:bodyPr/>
+                    <a:lstStyle/>
+                    <a:p>
+                      <a:endParaRPr lang="en-US" dirty="0"/>
+                    </a:p>
+                  </a:txBody>
+                  <a:tcPr>
+                    <a:solidFill>
+                      <a:schemeClr val="bg1"/>
+                    </a:solidFill>
+                  </a:tcPr>
+                </a:tc>
+                <a:tc>
+                  <a:txBody>
+                    <a:bodyPr/>
+                    <a:lstStyle/>
+                    <a:p>
+                      <a:endParaRPr lang="en-US" dirty="0"/>
+                    </a:p>
+                  </a:txBody>
+                  <a:tcPr>
+                    <a:solidFill>
+                      <a:schemeClr val="bg1"/>
+                    </a:solidFill>
+                  </a:tcPr>
+                </a:tc>
+                <a:extLst>
+                  <a:ext uri="{0D108BD9-81ED-4DB2-BD59-A6C34878D82A}">
+                    <a16:rowId xmlns:a16="http://schemas.microsoft.com/office/drawing/2014/main" val="1174298057"/>
+                  </a:ext>
+                </a:extLst>
+              </a:tr>
+            </a:tbl>
+          </a:graphicData>
+        </a:graphic>
+      </p:graphicFrame>
+      <p:graphicFrame>
+        <p:nvGraphicFramePr>
+          <p:cNvPr id="42" name="Table 41">
+            <a:extLst>
+              <a:ext uri="{FF2B5EF4-FFF2-40B4-BE49-F238E27FC236}">
+                <a16:creationId xmlns:a16="http://schemas.microsoft.com/office/drawing/2014/main" id="{910FBB16-E6AD-C15F-CDF5-681C4CCB2EB9}"/>
+              </a:ext>
+            </a:extLst>
+          </p:cNvPr>
+          <p:cNvGraphicFramePr>
+            <a:graphicFrameLocks noGrp="1"/>
+          </p:cNvGraphicFramePr>
+          <p:nvPr>
+            <p:extLst>
+              <p:ext uri="{D42A27DB-BD31-4B8C-83A1-F6EECF244321}">
+                <p14:modId xmlns:p14="http://schemas.microsoft.com/office/powerpoint/2010/main" val="1194014943"/>
+              </p:ext>
+            </p:extLst>
+          </p:nvPr>
+        </p:nvGraphicFramePr>
+        <p:xfrm>
+          <a:off x="7397752" y="1041654"/>
+          <a:ext cx="1097280" cy="1097280"/>
+        </p:xfrm>
+        <a:graphic>
+          <a:graphicData uri="http://schemas.openxmlformats.org/drawingml/2006/table">
+            <a:tbl>
+              <a:tblPr firstRow="1" bandRow="1">
+                <a:tableStyleId>{5940675A-B579-460E-94D1-54222C63F5DA}</a:tableStyleId>
+              </a:tblPr>
+              <a:tblGrid>
+                <a:gridCol w="365760">
+                  <a:extLst>
+                    <a:ext uri="{9D8B030D-6E8A-4147-A177-3AD203B41FA5}">
+                      <a16:colId xmlns:a16="http://schemas.microsoft.com/office/drawing/2014/main" val="3508477746"/>
+                    </a:ext>
+                  </a:extLst>
+                </a:gridCol>
+                <a:gridCol w="365760">
+                  <a:extLst>
+                    <a:ext uri="{9D8B030D-6E8A-4147-A177-3AD203B41FA5}">
+                      <a16:colId xmlns:a16="http://schemas.microsoft.com/office/drawing/2014/main" val="4089101588"/>
+                    </a:ext>
+                  </a:extLst>
+                </a:gridCol>
+                <a:gridCol w="365760">
+                  <a:extLst>
+                    <a:ext uri="{9D8B030D-6E8A-4147-A177-3AD203B41FA5}">
+                      <a16:colId xmlns:a16="http://schemas.microsoft.com/office/drawing/2014/main" val="111887204"/>
+                    </a:ext>
+                  </a:extLst>
+                </a:gridCol>
+              </a:tblGrid>
+              <a:tr h="365760">
+                <a:tc>
+                  <a:txBody>
+                    <a:bodyPr/>
+                    <a:lstStyle/>
+                    <a:p>
+                      <a:endParaRPr lang="en-US" dirty="0"/>
+                    </a:p>
+                  </a:txBody>
+                  <a:tcPr>
+                    <a:solidFill>
+                      <a:schemeClr val="bg1">
+                        <a:lumMod val="85000"/>
+                      </a:schemeClr>
+                    </a:solidFill>
+                  </a:tcPr>
+                </a:tc>
+                <a:tc>
+                  <a:txBody>
+                    <a:bodyPr/>
+                    <a:lstStyle/>
+                    <a:p>
+                      <a:endParaRPr lang="en-US" dirty="0"/>
+                    </a:p>
+                  </a:txBody>
+                  <a:tcPr>
+                    <a:solidFill>
+                      <a:schemeClr val="bg1">
+                        <a:lumMod val="85000"/>
+                      </a:schemeClr>
+                    </a:solidFill>
+                  </a:tcPr>
+                </a:tc>
+                <a:tc>
+                  <a:txBody>
+                    <a:bodyPr/>
+                    <a:lstStyle/>
+                    <a:p>
+                      <a:endParaRPr lang="en-US" dirty="0"/>
+                    </a:p>
+                  </a:txBody>
+                  <a:tcPr>
+                    <a:solidFill>
+                      <a:schemeClr val="bg1">
+                        <a:lumMod val="85000"/>
+                      </a:schemeClr>
+                    </a:solidFill>
+                  </a:tcPr>
+                </a:tc>
+                <a:extLst>
+                  <a:ext uri="{0D108BD9-81ED-4DB2-BD59-A6C34878D82A}">
+                    <a16:rowId xmlns:a16="http://schemas.microsoft.com/office/drawing/2014/main" val="3192338247"/>
+                  </a:ext>
+                </a:extLst>
+              </a:tr>
+              <a:tr h="365760">
+                <a:tc>
+                  <a:txBody>
+                    <a:bodyPr/>
+                    <a:lstStyle/>
+                    <a:p>
+                      <a:endParaRPr lang="en-US"/>
+                    </a:p>
+                  </a:txBody>
+                  <a:tcPr>
+                    <a:solidFill>
+                      <a:schemeClr val="bg1">
+                        <a:lumMod val="85000"/>
+                      </a:schemeClr>
+                    </a:solidFill>
+                  </a:tcPr>
+                </a:tc>
+                <a:tc>
+                  <a:txBody>
+                    <a:bodyPr/>
+                    <a:lstStyle/>
+                    <a:p>
+                      <a:endParaRPr lang="en-US" dirty="0"/>
+                    </a:p>
+                  </a:txBody>
+                  <a:tcPr>
+                    <a:solidFill>
+                      <a:schemeClr val="bg1">
+                        <a:lumMod val="85000"/>
+                      </a:schemeClr>
+                    </a:solidFill>
+                  </a:tcPr>
+                </a:tc>
+                <a:tc>
+                  <a:txBody>
+                    <a:bodyPr/>
+                    <a:lstStyle/>
+                    <a:p>
+                      <a:endParaRPr lang="en-US" dirty="0"/>
+                    </a:p>
+                  </a:txBody>
+                  <a:tcPr>
+                    <a:solidFill>
+                      <a:schemeClr val="bg1">
+                        <a:lumMod val="85000"/>
+                      </a:schemeClr>
+                    </a:solidFill>
+                  </a:tcPr>
+                </a:tc>
+                <a:extLst>
+                  <a:ext uri="{0D108BD9-81ED-4DB2-BD59-A6C34878D82A}">
+                    <a16:rowId xmlns:a16="http://schemas.microsoft.com/office/drawing/2014/main" val="3498735479"/>
+                  </a:ext>
+                </a:extLst>
+              </a:tr>
+              <a:tr h="365760">
+                <a:tc>
+                  <a:txBody>
+                    <a:bodyPr/>
+                    <a:lstStyle/>
+                    <a:p>
+                      <a:endParaRPr lang="en-US" dirty="0"/>
+                    </a:p>
+                  </a:txBody>
+                  <a:tcPr>
+                    <a:solidFill>
+                      <a:schemeClr val="bg1">
+                        <a:lumMod val="85000"/>
+                      </a:schemeClr>
+                    </a:solidFill>
+                  </a:tcPr>
+                </a:tc>
+                <a:tc>
+                  <a:txBody>
+                    <a:bodyPr/>
+                    <a:lstStyle/>
+                    <a:p>
+                      <a:endParaRPr lang="en-US" dirty="0"/>
+                    </a:p>
+                  </a:txBody>
+                  <a:tcPr>
+                    <a:solidFill>
+                      <a:schemeClr val="bg1">
+                        <a:lumMod val="85000"/>
+                      </a:schemeClr>
+                    </a:solidFill>
+                  </a:tcPr>
+                </a:tc>
+                <a:tc>
+                  <a:txBody>
+                    <a:bodyPr/>
+                    <a:lstStyle/>
+                    <a:p>
+                      <a:endParaRPr lang="en-US" dirty="0"/>
+                    </a:p>
+                  </a:txBody>
+                  <a:tcPr>
+                    <a:solidFill>
+                      <a:schemeClr val="bg1">
+                        <a:lumMod val="85000"/>
+                      </a:schemeClr>
+                    </a:solidFill>
+                  </a:tcPr>
+                </a:tc>
+                <a:extLst>
+                  <a:ext uri="{0D108BD9-81ED-4DB2-BD59-A6C34878D82A}">
+                    <a16:rowId xmlns:a16="http://schemas.microsoft.com/office/drawing/2014/main" val="1174298057"/>
+                  </a:ext>
+                </a:extLst>
+              </a:tr>
+            </a:tbl>
+          </a:graphicData>
+        </a:graphic>
+      </p:graphicFrame>
+      <p:graphicFrame>
+        <p:nvGraphicFramePr>
+          <p:cNvPr id="43" name="Table 42">
+            <a:extLst>
+              <a:ext uri="{FF2B5EF4-FFF2-40B4-BE49-F238E27FC236}">
+                <a16:creationId xmlns:a16="http://schemas.microsoft.com/office/drawing/2014/main" id="{7DDB1E33-9AE7-DB4C-FE47-EC60621F0539}"/>
+              </a:ext>
+            </a:extLst>
+          </p:cNvPr>
+          <p:cNvGraphicFramePr>
+            <a:graphicFrameLocks noGrp="1"/>
+          </p:cNvGraphicFramePr>
+          <p:nvPr>
+            <p:extLst>
+              <p:ext uri="{D42A27DB-BD31-4B8C-83A1-F6EECF244321}">
+                <p14:modId xmlns:p14="http://schemas.microsoft.com/office/powerpoint/2010/main" val="2109545978"/>
+              </p:ext>
+            </p:extLst>
+          </p:nvPr>
+        </p:nvGraphicFramePr>
+        <p:xfrm>
+          <a:off x="4794248" y="2368804"/>
+          <a:ext cx="1097280" cy="1097280"/>
+        </p:xfrm>
+        <a:graphic>
+          <a:graphicData uri="http://schemas.openxmlformats.org/drawingml/2006/table">
+            <a:tbl>
+              <a:tblPr firstRow="1" bandRow="1">
+                <a:tableStyleId>{5940675A-B579-460E-94D1-54222C63F5DA}</a:tableStyleId>
+              </a:tblPr>
+              <a:tblGrid>
+                <a:gridCol w="365760">
+                  <a:extLst>
+                    <a:ext uri="{9D8B030D-6E8A-4147-A177-3AD203B41FA5}">
+                      <a16:colId xmlns:a16="http://schemas.microsoft.com/office/drawing/2014/main" val="3508477746"/>
+                    </a:ext>
+                  </a:extLst>
+                </a:gridCol>
+                <a:gridCol w="365760">
+                  <a:extLst>
+                    <a:ext uri="{9D8B030D-6E8A-4147-A177-3AD203B41FA5}">
+                      <a16:colId xmlns:a16="http://schemas.microsoft.com/office/drawing/2014/main" val="4089101588"/>
+                    </a:ext>
+                  </a:extLst>
+                </a:gridCol>
+                <a:gridCol w="365760">
+                  <a:extLst>
+                    <a:ext uri="{9D8B030D-6E8A-4147-A177-3AD203B41FA5}">
+                      <a16:colId xmlns:a16="http://schemas.microsoft.com/office/drawing/2014/main" val="111887204"/>
+                    </a:ext>
+                  </a:extLst>
+                </a:gridCol>
+              </a:tblGrid>
+              <a:tr h="365760">
+                <a:tc>
+                  <a:txBody>
+                    <a:bodyPr/>
+                    <a:lstStyle/>
+                    <a:p>
+                      <a:endParaRPr lang="en-US" dirty="0"/>
+                    </a:p>
+                  </a:txBody>
+                  <a:tcPr>
+                    <a:solidFill>
+                      <a:schemeClr val="bg1"/>
+                    </a:solidFill>
+                  </a:tcPr>
+                </a:tc>
+                <a:tc>
+                  <a:txBody>
+                    <a:bodyPr/>
+                    <a:lstStyle/>
+                    <a:p>
+                      <a:endParaRPr lang="en-US" dirty="0"/>
+                    </a:p>
+                  </a:txBody>
+                  <a:tcPr>
+                    <a:solidFill>
+                      <a:schemeClr val="bg1"/>
+                    </a:solidFill>
+                  </a:tcPr>
+                </a:tc>
+                <a:tc>
+                  <a:txBody>
+                    <a:bodyPr/>
+                    <a:lstStyle/>
+                    <a:p>
+                      <a:endParaRPr lang="en-US" dirty="0"/>
+                    </a:p>
+                  </a:txBody>
+                  <a:tcPr>
+                    <a:solidFill>
+                      <a:schemeClr val="bg1"/>
+                    </a:solidFill>
+                  </a:tcPr>
+                </a:tc>
+                <a:extLst>
+                  <a:ext uri="{0D108BD9-81ED-4DB2-BD59-A6C34878D82A}">
+                    <a16:rowId xmlns:a16="http://schemas.microsoft.com/office/drawing/2014/main" val="3192338247"/>
+                  </a:ext>
+                </a:extLst>
+              </a:tr>
+              <a:tr h="365760">
+                <a:tc>
+                  <a:txBody>
+                    <a:bodyPr/>
+                    <a:lstStyle/>
+                    <a:p>
+                      <a:endParaRPr lang="en-US"/>
+                    </a:p>
+                  </a:txBody>
+                  <a:tcPr>
+                    <a:solidFill>
+                      <a:schemeClr val="bg1"/>
+                    </a:solidFill>
+                  </a:tcPr>
+                </a:tc>
+                <a:tc>
+                  <a:txBody>
+                    <a:bodyPr/>
+                    <a:lstStyle/>
+                    <a:p>
+                      <a:endParaRPr lang="en-US" dirty="0"/>
+                    </a:p>
+                  </a:txBody>
+                  <a:tcPr>
+                    <a:solidFill>
+                      <a:schemeClr val="bg1"/>
+                    </a:solidFill>
+                  </a:tcPr>
+                </a:tc>
+                <a:tc>
+                  <a:txBody>
+                    <a:bodyPr/>
+                    <a:lstStyle/>
+                    <a:p>
+                      <a:endParaRPr lang="en-US" dirty="0"/>
+                    </a:p>
+                  </a:txBody>
+                  <a:tcPr>
+                    <a:solidFill>
+                      <a:schemeClr val="bg1"/>
+                    </a:solidFill>
+                  </a:tcPr>
+                </a:tc>
+                <a:extLst>
+                  <a:ext uri="{0D108BD9-81ED-4DB2-BD59-A6C34878D82A}">
+                    <a16:rowId xmlns:a16="http://schemas.microsoft.com/office/drawing/2014/main" val="3498735479"/>
+                  </a:ext>
+                </a:extLst>
+              </a:tr>
+              <a:tr h="365760">
+                <a:tc>
+                  <a:txBody>
+                    <a:bodyPr/>
+                    <a:lstStyle/>
+                    <a:p>
+                      <a:endParaRPr lang="en-US" dirty="0"/>
+                    </a:p>
+                  </a:txBody>
+                  <a:tcPr>
+                    <a:solidFill>
+                      <a:schemeClr val="bg1"/>
+                    </a:solidFill>
+                  </a:tcPr>
+                </a:tc>
+                <a:tc>
+                  <a:txBody>
+                    <a:bodyPr/>
+                    <a:lstStyle/>
+                    <a:p>
+                      <a:endParaRPr lang="en-US" dirty="0"/>
+                    </a:p>
+                  </a:txBody>
+                  <a:tcPr>
+                    <a:solidFill>
+                      <a:schemeClr val="bg1"/>
+                    </a:solidFill>
+                  </a:tcPr>
+                </a:tc>
+                <a:tc>
+                  <a:txBody>
+                    <a:bodyPr/>
+                    <a:lstStyle/>
+                    <a:p>
+                      <a:endParaRPr lang="en-US" dirty="0"/>
+                    </a:p>
+                  </a:txBody>
+                  <a:tcPr>
+                    <a:solidFill>
+                      <a:schemeClr val="bg1"/>
+                    </a:solidFill>
+                  </a:tcPr>
+                </a:tc>
+                <a:extLst>
+                  <a:ext uri="{0D108BD9-81ED-4DB2-BD59-A6C34878D82A}">
+                    <a16:rowId xmlns:a16="http://schemas.microsoft.com/office/drawing/2014/main" val="1174298057"/>
+                  </a:ext>
+                </a:extLst>
+              </a:tr>
+            </a:tbl>
+          </a:graphicData>
+        </a:graphic>
+      </p:graphicFrame>
+      <p:graphicFrame>
+        <p:nvGraphicFramePr>
+          <p:cNvPr id="44" name="Table 43">
+            <a:extLst>
+              <a:ext uri="{FF2B5EF4-FFF2-40B4-BE49-F238E27FC236}">
+                <a16:creationId xmlns:a16="http://schemas.microsoft.com/office/drawing/2014/main" id="{A9F89078-1A37-BF44-B8EE-77D789B038C1}"/>
+              </a:ext>
+            </a:extLst>
+          </p:cNvPr>
+          <p:cNvGraphicFramePr>
+            <a:graphicFrameLocks noGrp="1"/>
+          </p:cNvGraphicFramePr>
+          <p:nvPr>
+            <p:extLst>
+              <p:ext uri="{D42A27DB-BD31-4B8C-83A1-F6EECF244321}">
+                <p14:modId xmlns:p14="http://schemas.microsoft.com/office/powerpoint/2010/main" val="2189603523"/>
+              </p:ext>
+            </p:extLst>
+          </p:nvPr>
+        </p:nvGraphicFramePr>
+        <p:xfrm>
+          <a:off x="6096000" y="2368804"/>
+          <a:ext cx="1097280" cy="1097280"/>
+        </p:xfrm>
+        <a:graphic>
+          <a:graphicData uri="http://schemas.openxmlformats.org/drawingml/2006/table">
+            <a:tbl>
+              <a:tblPr firstRow="1" bandRow="1">
+                <a:tableStyleId>{5940675A-B579-460E-94D1-54222C63F5DA}</a:tableStyleId>
+              </a:tblPr>
+              <a:tblGrid>
+                <a:gridCol w="365760">
+                  <a:extLst>
+                    <a:ext uri="{9D8B030D-6E8A-4147-A177-3AD203B41FA5}">
+                      <a16:colId xmlns:a16="http://schemas.microsoft.com/office/drawing/2014/main" val="3508477746"/>
+                    </a:ext>
+                  </a:extLst>
+                </a:gridCol>
+                <a:gridCol w="365760">
+                  <a:extLst>
+                    <a:ext uri="{9D8B030D-6E8A-4147-A177-3AD203B41FA5}">
+                      <a16:colId xmlns:a16="http://schemas.microsoft.com/office/drawing/2014/main" val="4089101588"/>
+                    </a:ext>
+                  </a:extLst>
+                </a:gridCol>
+                <a:gridCol w="365760">
+                  <a:extLst>
+                    <a:ext uri="{9D8B030D-6E8A-4147-A177-3AD203B41FA5}">
+                      <a16:colId xmlns:a16="http://schemas.microsoft.com/office/drawing/2014/main" val="111887204"/>
+                    </a:ext>
+                  </a:extLst>
+                </a:gridCol>
+              </a:tblGrid>
+              <a:tr h="365760">
+                <a:tc>
+                  <a:txBody>
+                    <a:bodyPr/>
+                    <a:lstStyle/>
+                    <a:p>
+                      <a:endParaRPr lang="en-US" dirty="0"/>
+                    </a:p>
+                  </a:txBody>
+                  <a:tcPr>
+                    <a:solidFill>
+                      <a:schemeClr val="bg1">
+                        <a:lumMod val="85000"/>
+                      </a:schemeClr>
+                    </a:solidFill>
+                  </a:tcPr>
+                </a:tc>
+                <a:tc>
+                  <a:txBody>
+                    <a:bodyPr/>
+                    <a:lstStyle/>
+                    <a:p>
+                      <a:endParaRPr lang="en-US" dirty="0"/>
+                    </a:p>
+                  </a:txBody>
+                  <a:tcPr>
+                    <a:solidFill>
+                      <a:schemeClr val="bg1">
+                        <a:lumMod val="85000"/>
+                      </a:schemeClr>
+                    </a:solidFill>
+                  </a:tcPr>
+                </a:tc>
+                <a:tc>
+                  <a:txBody>
+                    <a:bodyPr/>
+                    <a:lstStyle/>
+                    <a:p>
+                      <a:endParaRPr lang="en-US" dirty="0"/>
+                    </a:p>
+                  </a:txBody>
+                  <a:tcPr>
+                    <a:solidFill>
+                      <a:schemeClr val="bg1">
+                        <a:lumMod val="85000"/>
+                      </a:schemeClr>
+                    </a:solidFill>
+                  </a:tcPr>
+                </a:tc>
+                <a:extLst>
+                  <a:ext uri="{0D108BD9-81ED-4DB2-BD59-A6C34878D82A}">
+                    <a16:rowId xmlns:a16="http://schemas.microsoft.com/office/drawing/2014/main" val="3192338247"/>
+                  </a:ext>
+                </a:extLst>
+              </a:tr>
+              <a:tr h="365760">
+                <a:tc>
+                  <a:txBody>
+                    <a:bodyPr/>
+                    <a:lstStyle/>
+                    <a:p>
+                      <a:endParaRPr lang="en-US"/>
+                    </a:p>
+                  </a:txBody>
+                  <a:tcPr>
+                    <a:solidFill>
+                      <a:schemeClr val="bg1">
+                        <a:lumMod val="85000"/>
+                      </a:schemeClr>
+                    </a:solidFill>
+                  </a:tcPr>
+                </a:tc>
+                <a:tc>
+                  <a:txBody>
+                    <a:bodyPr/>
+                    <a:lstStyle/>
+                    <a:p>
+                      <a:endParaRPr lang="en-US" dirty="0"/>
+                    </a:p>
+                  </a:txBody>
+                  <a:tcPr>
+                    <a:solidFill>
+                      <a:schemeClr val="bg1">
+                        <a:lumMod val="85000"/>
+                      </a:schemeClr>
+                    </a:solidFill>
+                  </a:tcPr>
+                </a:tc>
+                <a:tc>
+                  <a:txBody>
+                    <a:bodyPr/>
+                    <a:lstStyle/>
+                    <a:p>
+                      <a:endParaRPr lang="en-US" dirty="0"/>
+                    </a:p>
+                  </a:txBody>
+                  <a:tcPr>
+                    <a:solidFill>
+                      <a:schemeClr val="bg1">
+                        <a:lumMod val="85000"/>
+                      </a:schemeClr>
+                    </a:solidFill>
+                  </a:tcPr>
+                </a:tc>
+                <a:extLst>
+                  <a:ext uri="{0D108BD9-81ED-4DB2-BD59-A6C34878D82A}">
+                    <a16:rowId xmlns:a16="http://schemas.microsoft.com/office/drawing/2014/main" val="3498735479"/>
+                  </a:ext>
+                </a:extLst>
+              </a:tr>
+              <a:tr h="365760">
+                <a:tc>
+                  <a:txBody>
+                    <a:bodyPr/>
+                    <a:lstStyle/>
+                    <a:p>
+                      <a:endParaRPr lang="en-US" dirty="0"/>
+                    </a:p>
+                  </a:txBody>
+                  <a:tcPr>
+                    <a:solidFill>
+                      <a:schemeClr val="bg1">
+                        <a:lumMod val="85000"/>
+                      </a:schemeClr>
+                    </a:solidFill>
+                  </a:tcPr>
+                </a:tc>
+                <a:tc>
+                  <a:txBody>
+                    <a:bodyPr/>
+                    <a:lstStyle/>
+                    <a:p>
+                      <a:endParaRPr lang="en-US" dirty="0"/>
+                    </a:p>
+                  </a:txBody>
+                  <a:tcPr>
+                    <a:solidFill>
+                      <a:schemeClr val="bg1">
+                        <a:lumMod val="85000"/>
+                      </a:schemeClr>
+                    </a:solidFill>
+                  </a:tcPr>
+                </a:tc>
+                <a:tc>
+                  <a:txBody>
+                    <a:bodyPr/>
+                    <a:lstStyle/>
+                    <a:p>
+                      <a:endParaRPr lang="en-US" dirty="0"/>
+                    </a:p>
+                  </a:txBody>
+                  <a:tcPr>
+                    <a:solidFill>
+                      <a:schemeClr val="bg1">
+                        <a:lumMod val="85000"/>
+                      </a:schemeClr>
+                    </a:solidFill>
+                  </a:tcPr>
+                </a:tc>
+                <a:extLst>
+                  <a:ext uri="{0D108BD9-81ED-4DB2-BD59-A6C34878D82A}">
+                    <a16:rowId xmlns:a16="http://schemas.microsoft.com/office/drawing/2014/main" val="1174298057"/>
+                  </a:ext>
+                </a:extLst>
+              </a:tr>
+            </a:tbl>
+          </a:graphicData>
+        </a:graphic>
+      </p:graphicFrame>
+      <p:graphicFrame>
+        <p:nvGraphicFramePr>
+          <p:cNvPr id="45" name="Table 44">
+            <a:extLst>
+              <a:ext uri="{FF2B5EF4-FFF2-40B4-BE49-F238E27FC236}">
+                <a16:creationId xmlns:a16="http://schemas.microsoft.com/office/drawing/2014/main" id="{8CED753B-5C3C-1C78-084D-D1F7E5A28471}"/>
+              </a:ext>
+            </a:extLst>
+          </p:cNvPr>
+          <p:cNvGraphicFramePr>
+            <a:graphicFrameLocks noGrp="1"/>
+          </p:cNvGraphicFramePr>
+          <p:nvPr>
+            <p:extLst>
+              <p:ext uri="{D42A27DB-BD31-4B8C-83A1-F6EECF244321}">
+                <p14:modId xmlns:p14="http://schemas.microsoft.com/office/powerpoint/2010/main" val="973648608"/>
+              </p:ext>
+            </p:extLst>
+          </p:nvPr>
+        </p:nvGraphicFramePr>
+        <p:xfrm>
+          <a:off x="7397752" y="2368804"/>
+          <a:ext cx="1097280" cy="1097280"/>
+        </p:xfrm>
+        <a:graphic>
+          <a:graphicData uri="http://schemas.openxmlformats.org/drawingml/2006/table">
+            <a:tbl>
+              <a:tblPr firstRow="1" bandRow="1">
+                <a:tableStyleId>{5940675A-B579-460E-94D1-54222C63F5DA}</a:tableStyleId>
+              </a:tblPr>
+              <a:tblGrid>
+                <a:gridCol w="365760">
+                  <a:extLst>
+                    <a:ext uri="{9D8B030D-6E8A-4147-A177-3AD203B41FA5}">
+                      <a16:colId xmlns:a16="http://schemas.microsoft.com/office/drawing/2014/main" val="3508477746"/>
+                    </a:ext>
+                  </a:extLst>
+                </a:gridCol>
+                <a:gridCol w="365760">
+                  <a:extLst>
+                    <a:ext uri="{9D8B030D-6E8A-4147-A177-3AD203B41FA5}">
+                      <a16:colId xmlns:a16="http://schemas.microsoft.com/office/drawing/2014/main" val="4089101588"/>
+                    </a:ext>
+                  </a:extLst>
+                </a:gridCol>
+                <a:gridCol w="365760">
+                  <a:extLst>
+                    <a:ext uri="{9D8B030D-6E8A-4147-A177-3AD203B41FA5}">
+                      <a16:colId xmlns:a16="http://schemas.microsoft.com/office/drawing/2014/main" val="111887204"/>
+                    </a:ext>
+                  </a:extLst>
+                </a:gridCol>
+              </a:tblGrid>
+              <a:tr h="365760">
+                <a:tc>
+                  <a:txBody>
+                    <a:bodyPr/>
+                    <a:lstStyle/>
+                    <a:p>
+                      <a:endParaRPr lang="en-US" dirty="0"/>
+                    </a:p>
+                  </a:txBody>
+                  <a:tcPr>
+                    <a:solidFill>
+                      <a:schemeClr val="bg1"/>
+                    </a:solidFill>
+                  </a:tcPr>
+                </a:tc>
+                <a:tc>
+                  <a:txBody>
+                    <a:bodyPr/>
+                    <a:lstStyle/>
+                    <a:p>
+                      <a:endParaRPr lang="en-US" dirty="0"/>
+                    </a:p>
+                  </a:txBody>
+                  <a:tcPr>
+                    <a:solidFill>
+                      <a:schemeClr val="bg1"/>
+                    </a:solidFill>
+                  </a:tcPr>
+                </a:tc>
+                <a:tc>
+                  <a:txBody>
+                    <a:bodyPr/>
+                    <a:lstStyle/>
+                    <a:p>
+                      <a:endParaRPr lang="en-US" dirty="0"/>
+                    </a:p>
+                  </a:txBody>
+                  <a:tcPr>
+                    <a:solidFill>
+                      <a:schemeClr val="bg1"/>
+                    </a:solidFill>
+                  </a:tcPr>
+                </a:tc>
+                <a:extLst>
+                  <a:ext uri="{0D108BD9-81ED-4DB2-BD59-A6C34878D82A}">
+                    <a16:rowId xmlns:a16="http://schemas.microsoft.com/office/drawing/2014/main" val="3192338247"/>
+                  </a:ext>
+                </a:extLst>
+              </a:tr>
+              <a:tr h="365760">
+                <a:tc>
+                  <a:txBody>
+                    <a:bodyPr/>
+                    <a:lstStyle/>
+                    <a:p>
+                      <a:endParaRPr lang="en-US"/>
+                    </a:p>
+                  </a:txBody>
+                  <a:tcPr>
+                    <a:solidFill>
+                      <a:schemeClr val="bg1"/>
+                    </a:solidFill>
+                  </a:tcPr>
+                </a:tc>
+                <a:tc>
+                  <a:txBody>
+                    <a:bodyPr/>
+                    <a:lstStyle/>
+                    <a:p>
+                      <a:endParaRPr lang="en-US" dirty="0"/>
+                    </a:p>
+                  </a:txBody>
+                  <a:tcPr>
+                    <a:solidFill>
+                      <a:schemeClr val="bg1"/>
+                    </a:solidFill>
+                  </a:tcPr>
+                </a:tc>
+                <a:tc>
+                  <a:txBody>
+                    <a:bodyPr/>
+                    <a:lstStyle/>
+                    <a:p>
+                      <a:endParaRPr lang="en-US" dirty="0"/>
+                    </a:p>
+                  </a:txBody>
+                  <a:tcPr>
+                    <a:solidFill>
+                      <a:schemeClr val="bg1"/>
+                    </a:solidFill>
+                  </a:tcPr>
+                </a:tc>
+                <a:extLst>
+                  <a:ext uri="{0D108BD9-81ED-4DB2-BD59-A6C34878D82A}">
+                    <a16:rowId xmlns:a16="http://schemas.microsoft.com/office/drawing/2014/main" val="3498735479"/>
+                  </a:ext>
+                </a:extLst>
+              </a:tr>
+              <a:tr h="365760">
+                <a:tc>
+                  <a:txBody>
+                    <a:bodyPr/>
+                    <a:lstStyle/>
+                    <a:p>
+                      <a:endParaRPr lang="en-US" dirty="0"/>
+                    </a:p>
+                  </a:txBody>
+                  <a:tcPr>
+                    <a:solidFill>
+                      <a:schemeClr val="bg1"/>
+                    </a:solidFill>
+                  </a:tcPr>
+                </a:tc>
+                <a:tc>
+                  <a:txBody>
+                    <a:bodyPr/>
+                    <a:lstStyle/>
+                    <a:p>
+                      <a:endParaRPr lang="en-US" dirty="0"/>
+                    </a:p>
+                  </a:txBody>
+                  <a:tcPr>
+                    <a:solidFill>
+                      <a:schemeClr val="bg1"/>
+                    </a:solidFill>
+                  </a:tcPr>
+                </a:tc>
+                <a:tc>
+                  <a:txBody>
+                    <a:bodyPr/>
+                    <a:lstStyle/>
+                    <a:p>
+                      <a:endParaRPr lang="en-US" dirty="0"/>
+                    </a:p>
+                  </a:txBody>
+                  <a:tcPr>
+                    <a:solidFill>
+                      <a:schemeClr val="bg1"/>
+                    </a:solidFill>
+                  </a:tcPr>
+                </a:tc>
+                <a:extLst>
+                  <a:ext uri="{0D108BD9-81ED-4DB2-BD59-A6C34878D82A}">
+                    <a16:rowId xmlns:a16="http://schemas.microsoft.com/office/drawing/2014/main" val="1174298057"/>
+                  </a:ext>
+                </a:extLst>
+              </a:tr>
+            </a:tbl>
+          </a:graphicData>
+        </a:graphic>
+      </p:graphicFrame>
+      <p:graphicFrame>
+        <p:nvGraphicFramePr>
+          <p:cNvPr id="46" name="Table 45">
+            <a:extLst>
+              <a:ext uri="{FF2B5EF4-FFF2-40B4-BE49-F238E27FC236}">
+                <a16:creationId xmlns:a16="http://schemas.microsoft.com/office/drawing/2014/main" id="{9BF5AEC3-D427-836B-2D5A-B31075C782DB}"/>
+              </a:ext>
+            </a:extLst>
+          </p:cNvPr>
+          <p:cNvGraphicFramePr>
+            <a:graphicFrameLocks noGrp="1"/>
+          </p:cNvGraphicFramePr>
+          <p:nvPr>
+            <p:extLst>
+              <p:ext uri="{D42A27DB-BD31-4B8C-83A1-F6EECF244321}">
+                <p14:modId xmlns:p14="http://schemas.microsoft.com/office/powerpoint/2010/main" val="1430157344"/>
+              </p:ext>
+            </p:extLst>
+          </p:nvPr>
+        </p:nvGraphicFramePr>
+        <p:xfrm>
+          <a:off x="4794248" y="3695954"/>
+          <a:ext cx="1097280" cy="1097280"/>
+        </p:xfrm>
+        <a:graphic>
+          <a:graphicData uri="http://schemas.openxmlformats.org/drawingml/2006/table">
+            <a:tbl>
+              <a:tblPr firstRow="1" bandRow="1">
+                <a:tableStyleId>{5940675A-B579-460E-94D1-54222C63F5DA}</a:tableStyleId>
+              </a:tblPr>
+              <a:tblGrid>
+                <a:gridCol w="365760">
+                  <a:extLst>
+                    <a:ext uri="{9D8B030D-6E8A-4147-A177-3AD203B41FA5}">
+                      <a16:colId xmlns:a16="http://schemas.microsoft.com/office/drawing/2014/main" val="3508477746"/>
+                    </a:ext>
+                  </a:extLst>
+                </a:gridCol>
+                <a:gridCol w="365760">
+                  <a:extLst>
+                    <a:ext uri="{9D8B030D-6E8A-4147-A177-3AD203B41FA5}">
+                      <a16:colId xmlns:a16="http://schemas.microsoft.com/office/drawing/2014/main" val="4089101588"/>
+                    </a:ext>
+                  </a:extLst>
+                </a:gridCol>
+                <a:gridCol w="365760">
+                  <a:extLst>
+                    <a:ext uri="{9D8B030D-6E8A-4147-A177-3AD203B41FA5}">
+                      <a16:colId xmlns:a16="http://schemas.microsoft.com/office/drawing/2014/main" val="111887204"/>
+                    </a:ext>
+                  </a:extLst>
+                </a:gridCol>
+              </a:tblGrid>
+              <a:tr h="365760">
+                <a:tc>
+                  <a:txBody>
+                    <a:bodyPr/>
+                    <a:lstStyle/>
+                    <a:p>
+                      <a:endParaRPr lang="en-US" dirty="0"/>
+                    </a:p>
+                  </a:txBody>
+                  <a:tcPr>
+                    <a:solidFill>
+                      <a:schemeClr val="bg1">
+                        <a:lumMod val="85000"/>
+                      </a:schemeClr>
+                    </a:solidFill>
+                  </a:tcPr>
+                </a:tc>
+                <a:tc>
+                  <a:txBody>
+                    <a:bodyPr/>
+                    <a:lstStyle/>
+                    <a:p>
+                      <a:endParaRPr lang="en-US" dirty="0"/>
+                    </a:p>
+                  </a:txBody>
+                  <a:tcPr>
+                    <a:solidFill>
+                      <a:schemeClr val="bg1">
+                        <a:lumMod val="85000"/>
+                      </a:schemeClr>
+                    </a:solidFill>
+                  </a:tcPr>
+                </a:tc>
+                <a:tc>
+                  <a:txBody>
+                    <a:bodyPr/>
+                    <a:lstStyle/>
+                    <a:p>
+                      <a:endParaRPr lang="en-US" dirty="0"/>
+                    </a:p>
+                  </a:txBody>
+                  <a:tcPr>
+                    <a:solidFill>
+                      <a:schemeClr val="bg1">
+                        <a:lumMod val="85000"/>
+                      </a:schemeClr>
+                    </a:solidFill>
+                  </a:tcPr>
+                </a:tc>
+                <a:extLst>
+                  <a:ext uri="{0D108BD9-81ED-4DB2-BD59-A6C34878D82A}">
+                    <a16:rowId xmlns:a16="http://schemas.microsoft.com/office/drawing/2014/main" val="3192338247"/>
+                  </a:ext>
+                </a:extLst>
+              </a:tr>
+              <a:tr h="365760">
+                <a:tc>
+                  <a:txBody>
+                    <a:bodyPr/>
+                    <a:lstStyle/>
+                    <a:p>
+                      <a:endParaRPr lang="en-US"/>
+                    </a:p>
+                  </a:txBody>
+                  <a:tcPr>
+                    <a:solidFill>
+                      <a:schemeClr val="bg1">
+                        <a:lumMod val="85000"/>
+                      </a:schemeClr>
+                    </a:solidFill>
+                  </a:tcPr>
+                </a:tc>
+                <a:tc>
+                  <a:txBody>
+                    <a:bodyPr/>
+                    <a:lstStyle/>
+                    <a:p>
+                      <a:endParaRPr lang="en-US" dirty="0"/>
+                    </a:p>
+                  </a:txBody>
+                  <a:tcPr>
+                    <a:solidFill>
+                      <a:schemeClr val="bg1">
+                        <a:lumMod val="85000"/>
+                      </a:schemeClr>
+                    </a:solidFill>
+                  </a:tcPr>
+                </a:tc>
+                <a:tc>
+                  <a:txBody>
+                    <a:bodyPr/>
+                    <a:lstStyle/>
+                    <a:p>
+                      <a:endParaRPr lang="en-US" dirty="0"/>
+                    </a:p>
+                  </a:txBody>
+                  <a:tcPr>
+                    <a:solidFill>
+                      <a:schemeClr val="bg1">
+                        <a:lumMod val="85000"/>
+                      </a:schemeClr>
+                    </a:solidFill>
+                  </a:tcPr>
+                </a:tc>
+                <a:extLst>
+                  <a:ext uri="{0D108BD9-81ED-4DB2-BD59-A6C34878D82A}">
+                    <a16:rowId xmlns:a16="http://schemas.microsoft.com/office/drawing/2014/main" val="3498735479"/>
+                  </a:ext>
+                </a:extLst>
+              </a:tr>
+              <a:tr h="365760">
+                <a:tc>
+                  <a:txBody>
+                    <a:bodyPr/>
+                    <a:lstStyle/>
+                    <a:p>
+                      <a:endParaRPr lang="en-US" dirty="0"/>
+                    </a:p>
+                  </a:txBody>
+                  <a:tcPr>
+                    <a:solidFill>
+                      <a:schemeClr val="bg1">
+                        <a:lumMod val="85000"/>
+                      </a:schemeClr>
+                    </a:solidFill>
+                  </a:tcPr>
+                </a:tc>
+                <a:tc>
+                  <a:txBody>
+                    <a:bodyPr/>
+                    <a:lstStyle/>
+                    <a:p>
+                      <a:endParaRPr lang="en-US" dirty="0"/>
+                    </a:p>
+                  </a:txBody>
+                  <a:tcPr>
+                    <a:solidFill>
+                      <a:schemeClr val="bg1">
+                        <a:lumMod val="85000"/>
+                      </a:schemeClr>
+                    </a:solidFill>
+                  </a:tcPr>
+                </a:tc>
+                <a:tc>
+                  <a:txBody>
+                    <a:bodyPr/>
+                    <a:lstStyle/>
+                    <a:p>
+                      <a:endParaRPr lang="en-US" dirty="0"/>
+                    </a:p>
+                  </a:txBody>
+                  <a:tcPr>
+                    <a:solidFill>
+                      <a:schemeClr val="bg1">
+                        <a:lumMod val="85000"/>
+                      </a:schemeClr>
+                    </a:solidFill>
+                  </a:tcPr>
+                </a:tc>
+                <a:extLst>
+                  <a:ext uri="{0D108BD9-81ED-4DB2-BD59-A6C34878D82A}">
+                    <a16:rowId xmlns:a16="http://schemas.microsoft.com/office/drawing/2014/main" val="1174298057"/>
+                  </a:ext>
+                </a:extLst>
+              </a:tr>
+            </a:tbl>
+          </a:graphicData>
+        </a:graphic>
+      </p:graphicFrame>
+      <p:graphicFrame>
+        <p:nvGraphicFramePr>
+          <p:cNvPr id="47" name="Table 46">
+            <a:extLst>
+              <a:ext uri="{FF2B5EF4-FFF2-40B4-BE49-F238E27FC236}">
+                <a16:creationId xmlns:a16="http://schemas.microsoft.com/office/drawing/2014/main" id="{9D0E84A1-45C9-CB4D-0ABC-8DF2E4DB6F1B}"/>
+              </a:ext>
+            </a:extLst>
+          </p:cNvPr>
+          <p:cNvGraphicFramePr>
+            <a:graphicFrameLocks noGrp="1"/>
+          </p:cNvGraphicFramePr>
+          <p:nvPr>
+            <p:extLst>
+              <p:ext uri="{D42A27DB-BD31-4B8C-83A1-F6EECF244321}">
+                <p14:modId xmlns:p14="http://schemas.microsoft.com/office/powerpoint/2010/main" val="278341566"/>
+              </p:ext>
+            </p:extLst>
+          </p:nvPr>
+        </p:nvGraphicFramePr>
+        <p:xfrm>
+          <a:off x="6096000" y="3695954"/>
+          <a:ext cx="1097280" cy="1097280"/>
+        </p:xfrm>
+        <a:graphic>
+          <a:graphicData uri="http://schemas.openxmlformats.org/drawingml/2006/table">
+            <a:tbl>
+              <a:tblPr firstRow="1" bandRow="1">
+                <a:tableStyleId>{5940675A-B579-460E-94D1-54222C63F5DA}</a:tableStyleId>
+              </a:tblPr>
+              <a:tblGrid>
+                <a:gridCol w="365760">
+                  <a:extLst>
+                    <a:ext uri="{9D8B030D-6E8A-4147-A177-3AD203B41FA5}">
+                      <a16:colId xmlns:a16="http://schemas.microsoft.com/office/drawing/2014/main" val="3508477746"/>
+                    </a:ext>
+                  </a:extLst>
+                </a:gridCol>
+                <a:gridCol w="365760">
+                  <a:extLst>
+                    <a:ext uri="{9D8B030D-6E8A-4147-A177-3AD203B41FA5}">
+                      <a16:colId xmlns:a16="http://schemas.microsoft.com/office/drawing/2014/main" val="4089101588"/>
+                    </a:ext>
+                  </a:extLst>
+                </a:gridCol>
+                <a:gridCol w="365760">
+                  <a:extLst>
+                    <a:ext uri="{9D8B030D-6E8A-4147-A177-3AD203B41FA5}">
+                      <a16:colId xmlns:a16="http://schemas.microsoft.com/office/drawing/2014/main" val="111887204"/>
+                    </a:ext>
+                  </a:extLst>
+                </a:gridCol>
+              </a:tblGrid>
+              <a:tr h="365760">
+                <a:tc>
+                  <a:txBody>
+                    <a:bodyPr/>
+                    <a:lstStyle/>
+                    <a:p>
+                      <a:endParaRPr lang="en-US" dirty="0"/>
+                    </a:p>
+                  </a:txBody>
+                  <a:tcPr>
+                    <a:solidFill>
+                      <a:schemeClr val="bg1"/>
+                    </a:solidFill>
+                  </a:tcPr>
+                </a:tc>
+                <a:tc>
+                  <a:txBody>
+                    <a:bodyPr/>
+                    <a:lstStyle/>
+                    <a:p>
+                      <a:endParaRPr lang="en-US" dirty="0"/>
+                    </a:p>
+                  </a:txBody>
+                  <a:tcPr>
+                    <a:solidFill>
+                      <a:schemeClr val="bg1"/>
+                    </a:solidFill>
+                  </a:tcPr>
+                </a:tc>
+                <a:tc>
+                  <a:txBody>
+                    <a:bodyPr/>
+                    <a:lstStyle/>
+                    <a:p>
+                      <a:endParaRPr lang="en-US" dirty="0"/>
+                    </a:p>
+                  </a:txBody>
+                  <a:tcPr>
+                    <a:solidFill>
+                      <a:schemeClr val="bg1"/>
+                    </a:solidFill>
+                  </a:tcPr>
+                </a:tc>
+                <a:extLst>
+                  <a:ext uri="{0D108BD9-81ED-4DB2-BD59-A6C34878D82A}">
+                    <a16:rowId xmlns:a16="http://schemas.microsoft.com/office/drawing/2014/main" val="3192338247"/>
+                  </a:ext>
+                </a:extLst>
+              </a:tr>
+              <a:tr h="365760">
+                <a:tc>
+                  <a:txBody>
+                    <a:bodyPr/>
+                    <a:lstStyle/>
+                    <a:p>
+                      <a:endParaRPr lang="en-US"/>
+                    </a:p>
+                  </a:txBody>
+                  <a:tcPr>
+                    <a:solidFill>
+                      <a:schemeClr val="bg1"/>
+                    </a:solidFill>
+                  </a:tcPr>
+                </a:tc>
+                <a:tc>
+                  <a:txBody>
+                    <a:bodyPr/>
+                    <a:lstStyle/>
+                    <a:p>
+                      <a:endParaRPr lang="en-US" dirty="0"/>
+                    </a:p>
+                  </a:txBody>
+                  <a:tcPr>
+                    <a:solidFill>
+                      <a:schemeClr val="bg1"/>
+                    </a:solidFill>
+                  </a:tcPr>
+                </a:tc>
+                <a:tc>
+                  <a:txBody>
+                    <a:bodyPr/>
+                    <a:lstStyle/>
+                    <a:p>
+                      <a:endParaRPr lang="en-US" dirty="0"/>
+                    </a:p>
+                  </a:txBody>
+                  <a:tcPr>
+                    <a:solidFill>
+                      <a:schemeClr val="bg1"/>
+                    </a:solidFill>
+                  </a:tcPr>
+                </a:tc>
+                <a:extLst>
+                  <a:ext uri="{0D108BD9-81ED-4DB2-BD59-A6C34878D82A}">
+                    <a16:rowId xmlns:a16="http://schemas.microsoft.com/office/drawing/2014/main" val="3498735479"/>
+                  </a:ext>
+                </a:extLst>
+              </a:tr>
+              <a:tr h="365760">
+                <a:tc>
+                  <a:txBody>
+                    <a:bodyPr/>
+                    <a:lstStyle/>
+                    <a:p>
+                      <a:endParaRPr lang="en-US" dirty="0"/>
+                    </a:p>
+                  </a:txBody>
+                  <a:tcPr>
+                    <a:solidFill>
+                      <a:schemeClr val="bg1"/>
+                    </a:solidFill>
+                  </a:tcPr>
+                </a:tc>
+                <a:tc>
+                  <a:txBody>
+                    <a:bodyPr/>
+                    <a:lstStyle/>
+                    <a:p>
+                      <a:endParaRPr lang="en-US" dirty="0"/>
+                    </a:p>
+                  </a:txBody>
+                  <a:tcPr>
+                    <a:solidFill>
+                      <a:schemeClr val="bg1"/>
+                    </a:solidFill>
+                  </a:tcPr>
+                </a:tc>
+                <a:tc>
+                  <a:txBody>
+                    <a:bodyPr/>
+                    <a:lstStyle/>
+                    <a:p>
+                      <a:endParaRPr lang="en-US" dirty="0"/>
+                    </a:p>
+                  </a:txBody>
+                  <a:tcPr>
+                    <a:solidFill>
+                      <a:schemeClr val="bg1"/>
+                    </a:solidFill>
+                  </a:tcPr>
+                </a:tc>
+                <a:extLst>
+                  <a:ext uri="{0D108BD9-81ED-4DB2-BD59-A6C34878D82A}">
+                    <a16:rowId xmlns:a16="http://schemas.microsoft.com/office/drawing/2014/main" val="1174298057"/>
+                  </a:ext>
+                </a:extLst>
+              </a:tr>
+            </a:tbl>
+          </a:graphicData>
+        </a:graphic>
+      </p:graphicFrame>
+      <p:graphicFrame>
+        <p:nvGraphicFramePr>
+          <p:cNvPr id="48" name="Table 47">
+            <a:extLst>
+              <a:ext uri="{FF2B5EF4-FFF2-40B4-BE49-F238E27FC236}">
+                <a16:creationId xmlns:a16="http://schemas.microsoft.com/office/drawing/2014/main" id="{F518ED4B-6C6D-6E4E-4E10-09AE4A527A21}"/>
+              </a:ext>
+            </a:extLst>
+          </p:cNvPr>
+          <p:cNvGraphicFramePr>
+            <a:graphicFrameLocks noGrp="1"/>
+          </p:cNvGraphicFramePr>
+          <p:nvPr>
+            <p:extLst>
+              <p:ext uri="{D42A27DB-BD31-4B8C-83A1-F6EECF244321}">
+                <p14:modId xmlns:p14="http://schemas.microsoft.com/office/powerpoint/2010/main" val="2479045505"/>
+              </p:ext>
+            </p:extLst>
+          </p:nvPr>
+        </p:nvGraphicFramePr>
+        <p:xfrm>
+          <a:off x="7397752" y="3695954"/>
+          <a:ext cx="1097280" cy="1097280"/>
+        </p:xfrm>
+        <a:graphic>
+          <a:graphicData uri="http://schemas.openxmlformats.org/drawingml/2006/table">
+            <a:tbl>
+              <a:tblPr firstRow="1" bandRow="1">
+                <a:tableStyleId>{5940675A-B579-460E-94D1-54222C63F5DA}</a:tableStyleId>
+              </a:tblPr>
+              <a:tblGrid>
+                <a:gridCol w="365760">
+                  <a:extLst>
+                    <a:ext uri="{9D8B030D-6E8A-4147-A177-3AD203B41FA5}">
+                      <a16:colId xmlns:a16="http://schemas.microsoft.com/office/drawing/2014/main" val="3508477746"/>
+                    </a:ext>
+                  </a:extLst>
+                </a:gridCol>
+                <a:gridCol w="365760">
+                  <a:extLst>
+                    <a:ext uri="{9D8B030D-6E8A-4147-A177-3AD203B41FA5}">
+                      <a16:colId xmlns:a16="http://schemas.microsoft.com/office/drawing/2014/main" val="4089101588"/>
+                    </a:ext>
+                  </a:extLst>
+                </a:gridCol>
+                <a:gridCol w="365760">
+                  <a:extLst>
+                    <a:ext uri="{9D8B030D-6E8A-4147-A177-3AD203B41FA5}">
+                      <a16:colId xmlns:a16="http://schemas.microsoft.com/office/drawing/2014/main" val="111887204"/>
+                    </a:ext>
+                  </a:extLst>
+                </a:gridCol>
+              </a:tblGrid>
+              <a:tr h="365760">
+                <a:tc>
+                  <a:txBody>
+                    <a:bodyPr/>
+                    <a:lstStyle/>
+                    <a:p>
+                      <a:endParaRPr lang="en-US" dirty="0"/>
+                    </a:p>
+                  </a:txBody>
+                  <a:tcPr>
+                    <a:solidFill>
+                      <a:schemeClr val="bg1">
+                        <a:lumMod val="85000"/>
+                      </a:schemeClr>
+                    </a:solidFill>
+                  </a:tcPr>
+                </a:tc>
+                <a:tc>
+                  <a:txBody>
+                    <a:bodyPr/>
+                    <a:lstStyle/>
+                    <a:p>
+                      <a:endParaRPr lang="en-US" dirty="0"/>
+                    </a:p>
+                  </a:txBody>
+                  <a:tcPr>
+                    <a:solidFill>
+                      <a:schemeClr val="bg1">
+                        <a:lumMod val="85000"/>
+                      </a:schemeClr>
+                    </a:solidFill>
+                  </a:tcPr>
+                </a:tc>
+                <a:tc>
+                  <a:txBody>
+                    <a:bodyPr/>
+                    <a:lstStyle/>
+                    <a:p>
+                      <a:endParaRPr lang="en-US" dirty="0"/>
+                    </a:p>
+                  </a:txBody>
+                  <a:tcPr>
+                    <a:solidFill>
+                      <a:schemeClr val="bg1">
+                        <a:lumMod val="85000"/>
+                      </a:schemeClr>
+                    </a:solidFill>
+                  </a:tcPr>
+                </a:tc>
+                <a:extLst>
+                  <a:ext uri="{0D108BD9-81ED-4DB2-BD59-A6C34878D82A}">
+                    <a16:rowId xmlns:a16="http://schemas.microsoft.com/office/drawing/2014/main" val="3192338247"/>
+                  </a:ext>
+                </a:extLst>
+              </a:tr>
+              <a:tr h="365760">
+                <a:tc>
+                  <a:txBody>
+                    <a:bodyPr/>
+                    <a:lstStyle/>
+                    <a:p>
+                      <a:endParaRPr lang="en-US"/>
+                    </a:p>
+                  </a:txBody>
+                  <a:tcPr>
+                    <a:solidFill>
+                      <a:schemeClr val="bg1">
+                        <a:lumMod val="85000"/>
+                      </a:schemeClr>
+                    </a:solidFill>
+                  </a:tcPr>
+                </a:tc>
+                <a:tc>
+                  <a:txBody>
+                    <a:bodyPr/>
+                    <a:lstStyle/>
+                    <a:p>
+                      <a:endParaRPr lang="en-US" dirty="0"/>
+                    </a:p>
+                  </a:txBody>
+                  <a:tcPr>
+                    <a:solidFill>
+                      <a:schemeClr val="bg1">
+                        <a:lumMod val="85000"/>
+                      </a:schemeClr>
+                    </a:solidFill>
+                  </a:tcPr>
+                </a:tc>
+                <a:tc>
+                  <a:txBody>
+                    <a:bodyPr/>
+                    <a:lstStyle/>
+                    <a:p>
+                      <a:endParaRPr lang="en-US" dirty="0"/>
+                    </a:p>
+                  </a:txBody>
+                  <a:tcPr>
+                    <a:solidFill>
+                      <a:schemeClr val="bg1">
+                        <a:lumMod val="85000"/>
+                      </a:schemeClr>
+                    </a:solidFill>
+                  </a:tcPr>
+                </a:tc>
+                <a:extLst>
+                  <a:ext uri="{0D108BD9-81ED-4DB2-BD59-A6C34878D82A}">
+                    <a16:rowId xmlns:a16="http://schemas.microsoft.com/office/drawing/2014/main" val="3498735479"/>
+                  </a:ext>
+                </a:extLst>
+              </a:tr>
+              <a:tr h="365760">
+                <a:tc>
+                  <a:txBody>
+                    <a:bodyPr/>
+                    <a:lstStyle/>
+                    <a:p>
+                      <a:endParaRPr lang="en-US" dirty="0"/>
+                    </a:p>
+                  </a:txBody>
+                  <a:tcPr>
+                    <a:solidFill>
+                      <a:schemeClr val="bg1">
+                        <a:lumMod val="85000"/>
+                      </a:schemeClr>
+                    </a:solidFill>
+                  </a:tcPr>
+                </a:tc>
+                <a:tc>
+                  <a:txBody>
+                    <a:bodyPr/>
+                    <a:lstStyle/>
+                    <a:p>
+                      <a:endParaRPr lang="en-US" dirty="0"/>
+                    </a:p>
+                  </a:txBody>
+                  <a:tcPr>
+                    <a:solidFill>
+                      <a:schemeClr val="bg1">
+                        <a:lumMod val="85000"/>
+                      </a:schemeClr>
+                    </a:solidFill>
+                  </a:tcPr>
+                </a:tc>
+                <a:tc>
+                  <a:txBody>
+                    <a:bodyPr/>
+                    <a:lstStyle/>
+                    <a:p>
+                      <a:endParaRPr lang="en-US" dirty="0"/>
+                    </a:p>
+                  </a:txBody>
+                  <a:tcPr>
+                    <a:solidFill>
+                      <a:schemeClr val="bg1">
+                        <a:lumMod val="85000"/>
+                      </a:schemeClr>
+                    </a:solidFill>
+                  </a:tcPr>
+                </a:tc>
+                <a:extLst>
+                  <a:ext uri="{0D108BD9-81ED-4DB2-BD59-A6C34878D82A}">
+                    <a16:rowId xmlns:a16="http://schemas.microsoft.com/office/drawing/2014/main" val="1174298057"/>
+                  </a:ext>
+                </a:extLst>
+              </a:tr>
+            </a:tbl>
+          </a:graphicData>
+        </a:graphic>
+      </p:graphicFrame>
+      <p:sp>
+        <p:nvSpPr>
+          <p:cNvPr id="49" name="TextBox 48">
+            <a:extLst>
+              <a:ext uri="{FF2B5EF4-FFF2-40B4-BE49-F238E27FC236}">
+                <a16:creationId xmlns:a16="http://schemas.microsoft.com/office/drawing/2014/main" id="{CE02B448-7D93-BA6D-F552-6DCC02623D4E}"/>
+              </a:ext>
+            </a:extLst>
+          </p:cNvPr>
+          <p:cNvSpPr txBox="1"/>
+          <p:nvPr/>
+        </p:nvSpPr>
+        <p:spPr>
+          <a:xfrm>
+            <a:off x="549277" y="4746589"/>
+            <a:ext cx="2955290" cy="461665"/>
+          </a:xfrm>
+          <a:prstGeom prst="rect">
+            <a:avLst/>
+          </a:prstGeom>
+          <a:noFill/>
+        </p:spPr>
+        <p:txBody>
+          <a:bodyPr wrap="square" rtlCol="0">
+            <a:spAutoFit/>
+          </a:bodyPr>
+          <a:lstStyle/>
+          <a:p>
+            <a:pPr algn="ctr"/>
+            <a:r>
+              <a:rPr lang="en-US" sz="2400" dirty="0">
+                <a:latin typeface="CMU Serif" panose="02000603000000000000" pitchFamily="2" charset="0"/>
+                <a:ea typeface="CMU Serif" panose="02000603000000000000" pitchFamily="2" charset="0"/>
+                <a:cs typeface="CMU Serif" panose="02000603000000000000" pitchFamily="2" charset="0"/>
+              </a:rPr>
+              <a:t>Very Large Array</a:t>
+            </a:r>
+          </a:p>
+        </p:txBody>
+      </p:sp>
+      <p:sp>
+        <p:nvSpPr>
+          <p:cNvPr id="50" name="TextBox 49">
+            <a:extLst>
+              <a:ext uri="{FF2B5EF4-FFF2-40B4-BE49-F238E27FC236}">
+                <a16:creationId xmlns:a16="http://schemas.microsoft.com/office/drawing/2014/main" id="{2EF39996-A03A-8364-B28B-5F1B17265D9B}"/>
+              </a:ext>
+            </a:extLst>
+          </p:cNvPr>
+          <p:cNvSpPr txBox="1"/>
+          <p:nvPr/>
+        </p:nvSpPr>
+        <p:spPr>
+          <a:xfrm>
+            <a:off x="4984750" y="4940554"/>
+            <a:ext cx="3319780" cy="461665"/>
+          </a:xfrm>
+          <a:prstGeom prst="rect">
+            <a:avLst/>
+          </a:prstGeom>
+          <a:noFill/>
+        </p:spPr>
+        <p:txBody>
+          <a:bodyPr wrap="square" rtlCol="0">
+            <a:spAutoFit/>
+          </a:bodyPr>
+          <a:lstStyle/>
+          <a:p>
+            <a:pPr algn="ctr"/>
+            <a:r>
+              <a:rPr lang="en-US" sz="2400" dirty="0">
+                <a:latin typeface="CMU Serif" panose="02000603000000000000" pitchFamily="2" charset="0"/>
+                <a:ea typeface="CMU Serif" panose="02000603000000000000" pitchFamily="2" charset="0"/>
+                <a:cs typeface="CMU Serif" panose="02000603000000000000" pitchFamily="2" charset="0"/>
+              </a:rPr>
+              <a:t>Block Decomposition</a:t>
+            </a:r>
+          </a:p>
+        </p:txBody>
+      </p:sp>
+      <p:grpSp>
+        <p:nvGrpSpPr>
+          <p:cNvPr id="68" name="Group 67">
+            <a:extLst>
+              <a:ext uri="{FF2B5EF4-FFF2-40B4-BE49-F238E27FC236}">
+                <a16:creationId xmlns:a16="http://schemas.microsoft.com/office/drawing/2014/main" id="{FDE0CDFE-E3F4-881A-C484-214EDFCEC884}"/>
+              </a:ext>
+            </a:extLst>
+          </p:cNvPr>
+          <p:cNvGrpSpPr/>
+          <p:nvPr/>
+        </p:nvGrpSpPr>
+        <p:grpSpPr>
+          <a:xfrm>
+            <a:off x="9402597" y="2027963"/>
+            <a:ext cx="2408401" cy="1832302"/>
+            <a:chOff x="9203122" y="1893748"/>
+            <a:chExt cx="2408401" cy="1832302"/>
+          </a:xfrm>
+        </p:grpSpPr>
+        <p:pic>
+          <p:nvPicPr>
+            <p:cNvPr id="57" name="Picture 56">
+              <a:extLst>
+                <a:ext uri="{FF2B5EF4-FFF2-40B4-BE49-F238E27FC236}">
+                  <a16:creationId xmlns:a16="http://schemas.microsoft.com/office/drawing/2014/main" id="{9B24F26E-8280-B390-1DAE-9DC11EB61BCA}"/>
+                </a:ext>
+              </a:extLst>
+            </p:cNvPr>
+            <p:cNvPicPr>
+              <a:picLocks noChangeAspect="1"/>
+            </p:cNvPicPr>
+            <p:nvPr/>
+          </p:nvPicPr>
+          <p:blipFill>
+            <a:blip r:embed="rId2"/>
+            <a:stretch>
+              <a:fillRect/>
+            </a:stretch>
+          </p:blipFill>
+          <p:spPr>
+            <a:xfrm>
+              <a:off x="10489762" y="1893748"/>
+              <a:ext cx="1121761" cy="1127858"/>
+            </a:xfrm>
+            <a:prstGeom prst="rect">
+              <a:avLst/>
+            </a:prstGeom>
+            <a:scene3d>
+              <a:camera prst="isometricLeftDown"/>
+              <a:lightRig rig="threePt" dir="t"/>
+            </a:scene3d>
+          </p:spPr>
+        </p:pic>
+        <p:pic>
+          <p:nvPicPr>
+            <p:cNvPr id="56" name="Picture 55">
+              <a:extLst>
+                <a:ext uri="{FF2B5EF4-FFF2-40B4-BE49-F238E27FC236}">
+                  <a16:creationId xmlns:a16="http://schemas.microsoft.com/office/drawing/2014/main" id="{F76C6DB3-58E7-C640-4D00-1FCFE55E3D7D}"/>
+                </a:ext>
+              </a:extLst>
+            </p:cNvPr>
+            <p:cNvPicPr>
+              <a:picLocks noChangeAspect="1"/>
+            </p:cNvPicPr>
+            <p:nvPr/>
+          </p:nvPicPr>
+          <p:blipFill>
+            <a:blip r:embed="rId3"/>
+            <a:stretch>
+              <a:fillRect/>
+            </a:stretch>
+          </p:blipFill>
+          <p:spPr>
+            <a:xfrm>
+              <a:off x="10328932" y="1984852"/>
+              <a:ext cx="1121761" cy="1121761"/>
+            </a:xfrm>
+            <a:prstGeom prst="rect">
+              <a:avLst/>
+            </a:prstGeom>
+            <a:scene3d>
+              <a:camera prst="isometricLeftDown"/>
+              <a:lightRig rig="threePt" dir="t"/>
+            </a:scene3d>
+          </p:spPr>
+        </p:pic>
+        <p:pic>
+          <p:nvPicPr>
+            <p:cNvPr id="54" name="Picture 53">
+              <a:extLst>
+                <a:ext uri="{FF2B5EF4-FFF2-40B4-BE49-F238E27FC236}">
+                  <a16:creationId xmlns:a16="http://schemas.microsoft.com/office/drawing/2014/main" id="{68F87E3F-7B26-609C-362D-11C359B08014}"/>
+                </a:ext>
+              </a:extLst>
+            </p:cNvPr>
+            <p:cNvPicPr>
+              <a:picLocks noChangeAspect="1"/>
+            </p:cNvPicPr>
+            <p:nvPr/>
+          </p:nvPicPr>
+          <p:blipFill>
+            <a:blip r:embed="rId2"/>
+            <a:stretch>
+              <a:fillRect/>
+            </a:stretch>
+          </p:blipFill>
+          <p:spPr>
+            <a:xfrm>
+              <a:off x="10168102" y="2069859"/>
+              <a:ext cx="1121761" cy="1127858"/>
+            </a:xfrm>
+            <a:prstGeom prst="rect">
+              <a:avLst/>
+            </a:prstGeom>
+            <a:scene3d>
+              <a:camera prst="isometricLeftDown"/>
+              <a:lightRig rig="threePt" dir="t"/>
+            </a:scene3d>
+          </p:spPr>
+        </p:pic>
+        <p:pic>
+          <p:nvPicPr>
+            <p:cNvPr id="58" name="Picture 57">
+              <a:extLst>
+                <a:ext uri="{FF2B5EF4-FFF2-40B4-BE49-F238E27FC236}">
+                  <a16:creationId xmlns:a16="http://schemas.microsoft.com/office/drawing/2014/main" id="{4BB922E6-B91A-DF9C-49D0-2CFC8E3E51A8}"/>
+                </a:ext>
+              </a:extLst>
+            </p:cNvPr>
+            <p:cNvPicPr>
+              <a:picLocks noChangeAspect="1"/>
+            </p:cNvPicPr>
+            <p:nvPr/>
+          </p:nvPicPr>
+          <p:blipFill>
+            <a:blip r:embed="rId3"/>
+            <a:stretch>
+              <a:fillRect/>
+            </a:stretch>
+          </p:blipFill>
+          <p:spPr>
+            <a:xfrm>
+              <a:off x="10007272" y="2160963"/>
+              <a:ext cx="1121761" cy="1121761"/>
+            </a:xfrm>
+            <a:prstGeom prst="rect">
+              <a:avLst/>
+            </a:prstGeom>
+            <a:scene3d>
+              <a:camera prst="isometricLeftDown"/>
+              <a:lightRig rig="threePt" dir="t"/>
+            </a:scene3d>
+          </p:spPr>
+        </p:pic>
+        <p:pic>
+          <p:nvPicPr>
+            <p:cNvPr id="59" name="Picture 58">
+              <a:extLst>
+                <a:ext uri="{FF2B5EF4-FFF2-40B4-BE49-F238E27FC236}">
+                  <a16:creationId xmlns:a16="http://schemas.microsoft.com/office/drawing/2014/main" id="{2326BB35-3973-B822-59D8-A766AB275A06}"/>
+                </a:ext>
+              </a:extLst>
+            </p:cNvPr>
+            <p:cNvPicPr>
+              <a:picLocks noChangeAspect="1"/>
+            </p:cNvPicPr>
+            <p:nvPr/>
+          </p:nvPicPr>
+          <p:blipFill>
+            <a:blip r:embed="rId2"/>
+            <a:stretch>
+              <a:fillRect/>
+            </a:stretch>
+          </p:blipFill>
+          <p:spPr>
+            <a:xfrm>
+              <a:off x="9846442" y="2245970"/>
+              <a:ext cx="1121761" cy="1127858"/>
+            </a:xfrm>
+            <a:prstGeom prst="rect">
+              <a:avLst/>
+            </a:prstGeom>
+            <a:scene3d>
+              <a:camera prst="isometricLeftDown"/>
+              <a:lightRig rig="threePt" dir="t"/>
+            </a:scene3d>
+          </p:spPr>
+        </p:pic>
+        <p:pic>
+          <p:nvPicPr>
+            <p:cNvPr id="60" name="Picture 59">
+              <a:extLst>
+                <a:ext uri="{FF2B5EF4-FFF2-40B4-BE49-F238E27FC236}">
+                  <a16:creationId xmlns:a16="http://schemas.microsoft.com/office/drawing/2014/main" id="{225013DC-0971-FD16-4A8E-B1A3BB52FBBE}"/>
+                </a:ext>
+              </a:extLst>
+            </p:cNvPr>
+            <p:cNvPicPr>
+              <a:picLocks noChangeAspect="1"/>
+            </p:cNvPicPr>
+            <p:nvPr/>
+          </p:nvPicPr>
+          <p:blipFill>
+            <a:blip r:embed="rId3"/>
+            <a:stretch>
+              <a:fillRect/>
+            </a:stretch>
+          </p:blipFill>
+          <p:spPr>
+            <a:xfrm>
+              <a:off x="9685612" y="2337074"/>
+              <a:ext cx="1121761" cy="1121761"/>
+            </a:xfrm>
+            <a:prstGeom prst="rect">
+              <a:avLst/>
+            </a:prstGeom>
+            <a:scene3d>
+              <a:camera prst="isometricLeftDown"/>
+              <a:lightRig rig="threePt" dir="t"/>
+            </a:scene3d>
+          </p:spPr>
+        </p:pic>
+        <p:pic>
+          <p:nvPicPr>
+            <p:cNvPr id="61" name="Picture 60">
+              <a:extLst>
+                <a:ext uri="{FF2B5EF4-FFF2-40B4-BE49-F238E27FC236}">
+                  <a16:creationId xmlns:a16="http://schemas.microsoft.com/office/drawing/2014/main" id="{2468154C-5B31-6270-1BD9-E8A5DDBE2B89}"/>
+                </a:ext>
+              </a:extLst>
+            </p:cNvPr>
+            <p:cNvPicPr>
+              <a:picLocks noChangeAspect="1"/>
+            </p:cNvPicPr>
+            <p:nvPr/>
+          </p:nvPicPr>
+          <p:blipFill>
+            <a:blip r:embed="rId2"/>
+            <a:stretch>
+              <a:fillRect/>
+            </a:stretch>
+          </p:blipFill>
+          <p:spPr>
+            <a:xfrm>
+              <a:off x="9524782" y="2422081"/>
+              <a:ext cx="1121761" cy="1127858"/>
+            </a:xfrm>
+            <a:prstGeom prst="rect">
+              <a:avLst/>
+            </a:prstGeom>
+            <a:scene3d>
+              <a:camera prst="isometricLeftDown"/>
+              <a:lightRig rig="threePt" dir="t"/>
+            </a:scene3d>
+          </p:spPr>
+        </p:pic>
+        <p:pic>
+          <p:nvPicPr>
+            <p:cNvPr id="62" name="Picture 61">
+              <a:extLst>
+                <a:ext uri="{FF2B5EF4-FFF2-40B4-BE49-F238E27FC236}">
+                  <a16:creationId xmlns:a16="http://schemas.microsoft.com/office/drawing/2014/main" id="{49466A66-A5D7-E16D-48EF-7328929FCEC2}"/>
+                </a:ext>
+              </a:extLst>
+            </p:cNvPr>
+            <p:cNvPicPr>
+              <a:picLocks noChangeAspect="1"/>
+            </p:cNvPicPr>
+            <p:nvPr/>
+          </p:nvPicPr>
+          <p:blipFill>
+            <a:blip r:embed="rId3"/>
+            <a:stretch>
+              <a:fillRect/>
+            </a:stretch>
+          </p:blipFill>
+          <p:spPr>
+            <a:xfrm>
+              <a:off x="9363952" y="2513185"/>
+              <a:ext cx="1121761" cy="1121761"/>
+            </a:xfrm>
+            <a:prstGeom prst="rect">
+              <a:avLst/>
+            </a:prstGeom>
+            <a:scene3d>
+              <a:camera prst="isometricLeftDown"/>
+              <a:lightRig rig="threePt" dir="t"/>
+            </a:scene3d>
+          </p:spPr>
+        </p:pic>
+        <p:pic>
+          <p:nvPicPr>
+            <p:cNvPr id="63" name="Picture 62">
+              <a:extLst>
+                <a:ext uri="{FF2B5EF4-FFF2-40B4-BE49-F238E27FC236}">
+                  <a16:creationId xmlns:a16="http://schemas.microsoft.com/office/drawing/2014/main" id="{D21BDD20-F34D-5DAC-00C2-5E18BD9E06D8}"/>
+                </a:ext>
+              </a:extLst>
+            </p:cNvPr>
+            <p:cNvPicPr>
+              <a:picLocks noChangeAspect="1"/>
+            </p:cNvPicPr>
+            <p:nvPr/>
+          </p:nvPicPr>
+          <p:blipFill>
+            <a:blip r:embed="rId2"/>
+            <a:stretch>
+              <a:fillRect/>
+            </a:stretch>
+          </p:blipFill>
+          <p:spPr>
+            <a:xfrm>
+              <a:off x="9203122" y="2598192"/>
+              <a:ext cx="1121761" cy="1127858"/>
+            </a:xfrm>
+            <a:prstGeom prst="rect">
+              <a:avLst/>
+            </a:prstGeom>
+            <a:scene3d>
+              <a:camera prst="isometricLeftDown"/>
+              <a:lightRig rig="threePt" dir="t"/>
+            </a:scene3d>
+          </p:spPr>
+        </p:pic>
+      </p:grpSp>
+      <p:sp>
+        <p:nvSpPr>
+          <p:cNvPr id="69" name="TextBox 68">
+            <a:extLst>
+              <a:ext uri="{FF2B5EF4-FFF2-40B4-BE49-F238E27FC236}">
+                <a16:creationId xmlns:a16="http://schemas.microsoft.com/office/drawing/2014/main" id="{E962F4E0-BD83-4122-08A4-E83A79488185}"/>
+              </a:ext>
+            </a:extLst>
+          </p:cNvPr>
+          <p:cNvSpPr txBox="1"/>
+          <p:nvPr/>
+        </p:nvSpPr>
+        <p:spPr>
+          <a:xfrm>
+            <a:off x="9780313" y="4129234"/>
+            <a:ext cx="1809750" cy="461665"/>
+          </a:xfrm>
+          <a:prstGeom prst="rect">
+            <a:avLst/>
+          </a:prstGeom>
+          <a:noFill/>
+        </p:spPr>
+        <p:txBody>
+          <a:bodyPr wrap="square" rtlCol="0">
+            <a:spAutoFit/>
+          </a:bodyPr>
+          <a:lstStyle/>
+          <a:p>
+            <a:pPr algn="ctr"/>
+            <a:r>
+              <a:rPr lang="en-US" sz="2400" dirty="0">
+                <a:latin typeface="CMU Serif" panose="02000603000000000000" pitchFamily="2" charset="0"/>
+                <a:ea typeface="CMU Serif" panose="02000603000000000000" pitchFamily="2" charset="0"/>
+                <a:cs typeface="CMU Serif" panose="02000603000000000000" pitchFamily="2" charset="0"/>
+              </a:rPr>
+              <a:t>Storage</a:t>
+            </a:r>
+          </a:p>
+        </p:txBody>
+      </p:sp>
+      <p:sp>
+        <p:nvSpPr>
+          <p:cNvPr id="70" name="Arrow: Right 69">
+            <a:extLst>
+              <a:ext uri="{FF2B5EF4-FFF2-40B4-BE49-F238E27FC236}">
+                <a16:creationId xmlns:a16="http://schemas.microsoft.com/office/drawing/2014/main" id="{63C8C322-2B2C-4F60-FB24-CEFCB1724D5F}"/>
+              </a:ext>
+            </a:extLst>
+          </p:cNvPr>
+          <p:cNvSpPr/>
+          <p:nvPr/>
+        </p:nvSpPr>
+        <p:spPr>
+          <a:xfrm>
+            <a:off x="3935515" y="2732407"/>
+            <a:ext cx="609600" cy="445139"/>
+          </a:xfrm>
+          <a:prstGeom prst="rightArrow">
+            <a:avLst/>
+          </a:prstGeom>
+          <a:solidFill>
+            <a:schemeClr val="tx1"/>
+          </a:solidFill>
+          <a:ln>
+            <a:solidFill>
+              <a:schemeClr val="bg1"/>
+            </a:solidFill>
+          </a:ln>
+        </p:spPr>
+        <p:style>
+          <a:lnRef idx="2">
+            <a:schemeClr val="accent1">
+              <a:shade val="15000"/>
+            </a:schemeClr>
+          </a:lnRef>
+          <a:fillRef idx="1">
+            <a:schemeClr val="accent1"/>
+          </a:fillRef>
+          <a:effectRef idx="0">
+            <a:schemeClr val="accent1"/>
+          </a:effectRef>
+          <a:fontRef idx="minor">
+            <a:schemeClr val="lt1"/>
+          </a:fontRef>
+        </p:style>
+        <p:txBody>
+          <a:bodyPr rtlCol="0" anchor="ctr"/>
+          <a:lstStyle/>
+          <a:p>
+            <a:pPr algn="ctr"/>
+            <a:endParaRPr lang="en-US"/>
+          </a:p>
+        </p:txBody>
+      </p:sp>
+      <p:sp>
+        <p:nvSpPr>
+          <p:cNvPr id="71" name="Arrow: Right 70">
+            <a:extLst>
+              <a:ext uri="{FF2B5EF4-FFF2-40B4-BE49-F238E27FC236}">
+                <a16:creationId xmlns:a16="http://schemas.microsoft.com/office/drawing/2014/main" id="{6506A7B7-165B-D1C7-6A5A-35A7BF9AB24D}"/>
+              </a:ext>
+            </a:extLst>
+          </p:cNvPr>
+          <p:cNvSpPr/>
+          <p:nvPr/>
+        </p:nvSpPr>
+        <p:spPr>
+          <a:xfrm>
+            <a:off x="8729442" y="2732407"/>
+            <a:ext cx="609600" cy="445139"/>
+          </a:xfrm>
+          <a:prstGeom prst="rightArrow">
+            <a:avLst/>
+          </a:prstGeom>
+          <a:solidFill>
+            <a:schemeClr val="tx1"/>
+          </a:solidFill>
+          <a:ln>
+            <a:solidFill>
+              <a:schemeClr val="bg1"/>
+            </a:solidFill>
+          </a:ln>
+        </p:spPr>
+        <p:style>
+          <a:lnRef idx="2">
+            <a:schemeClr val="accent1">
+              <a:shade val="15000"/>
+            </a:schemeClr>
+          </a:lnRef>
+          <a:fillRef idx="1">
+            <a:schemeClr val="accent1"/>
+          </a:fillRef>
+          <a:effectRef idx="0">
+            <a:schemeClr val="accent1"/>
+          </a:effectRef>
+          <a:fontRef idx="minor">
+            <a:schemeClr val="lt1"/>
+          </a:fontRef>
+        </p:style>
+        <p:txBody>
+          <a:bodyPr rtlCol="0" anchor="ctr"/>
+          <a:lstStyle/>
+          <a:p>
+            <a:pPr algn="ctr"/>
+            <a:endParaRPr lang="en-US"/>
+          </a:p>
+        </p:txBody>
+      </p:sp>
+    </p:spTree>
+    <p:extLst>
+      <p:ext uri="{BB962C8B-B14F-4D97-AF65-F5344CB8AC3E}">
+        <p14:creationId xmlns:p14="http://schemas.microsoft.com/office/powerpoint/2010/main" val="3631132399"/>
+      </p:ext>
+    </p:extLst>
+  </p:cSld>
+  <p:clrMapOvr>
+    <a:masterClrMapping/>
+  </p:clrMapOvr>
+</p:sld>
+</file>
+
+<file path=ppt/slides/slide11.xml><?xml version="1.0" encoding="utf-8"?>
+<p:sld xmlns:a="http://schemas.openxmlformats.org/drawingml/2006/main" xmlns:r="http://schemas.openxmlformats.org/officeDocument/2006/relationships" xmlns:p="http://schemas.openxmlformats.org/presentationml/2006/main">
+  <p:cSld>
+    <p:spTree>
+      <p:nvGrpSpPr>
+        <p:cNvPr id="1" name=""/>
+        <p:cNvGrpSpPr/>
+        <p:nvPr/>
+      </p:nvGrpSpPr>
+      <p:grpSpPr>
+        <a:xfrm>
+          <a:off x="0" y="0"/>
+          <a:ext cx="0" cy="0"/>
+          <a:chOff x="0" y="0"/>
+          <a:chExt cx="0" cy="0"/>
+        </a:xfrm>
+      </p:grpSpPr>
+      <p:graphicFrame>
+        <p:nvGraphicFramePr>
+          <p:cNvPr id="4" name="Table 3">
+            <a:extLst>
+              <a:ext uri="{FF2B5EF4-FFF2-40B4-BE49-F238E27FC236}">
+                <a16:creationId xmlns:a16="http://schemas.microsoft.com/office/drawing/2014/main" id="{15312007-CF91-3517-2D4D-79930DDF872E}"/>
+              </a:ext>
+            </a:extLst>
+          </p:cNvPr>
+          <p:cNvGraphicFramePr>
+            <a:graphicFrameLocks noGrp="1"/>
+          </p:cNvGraphicFramePr>
+          <p:nvPr/>
+        </p:nvGraphicFramePr>
+        <p:xfrm>
+          <a:off x="5607050" y="797052"/>
+          <a:ext cx="1463040" cy="1463040"/>
+        </p:xfrm>
+        <a:graphic>
+          <a:graphicData uri="http://schemas.openxmlformats.org/drawingml/2006/table">
+            <a:tbl>
+              <a:tblPr firstRow="1" bandRow="1">
+                <a:tableStyleId>{5940675A-B579-460E-94D1-54222C63F5DA}</a:tableStyleId>
+              </a:tblPr>
+              <a:tblGrid>
+                <a:gridCol w="365760">
+                  <a:extLst>
+                    <a:ext uri="{9D8B030D-6E8A-4147-A177-3AD203B41FA5}">
+                      <a16:colId xmlns:a16="http://schemas.microsoft.com/office/drawing/2014/main" val="3508477746"/>
+                    </a:ext>
+                  </a:extLst>
+                </a:gridCol>
+                <a:gridCol w="365760">
+                  <a:extLst>
+                    <a:ext uri="{9D8B030D-6E8A-4147-A177-3AD203B41FA5}">
+                      <a16:colId xmlns:a16="http://schemas.microsoft.com/office/drawing/2014/main" val="4089101588"/>
+                    </a:ext>
+                  </a:extLst>
+                </a:gridCol>
+                <a:gridCol w="365760">
+                  <a:extLst>
+                    <a:ext uri="{9D8B030D-6E8A-4147-A177-3AD203B41FA5}">
+                      <a16:colId xmlns:a16="http://schemas.microsoft.com/office/drawing/2014/main" val="111887204"/>
+                    </a:ext>
+                  </a:extLst>
+                </a:gridCol>
+                <a:gridCol w="365760">
+                  <a:extLst>
+                    <a:ext uri="{9D8B030D-6E8A-4147-A177-3AD203B41FA5}">
+                      <a16:colId xmlns:a16="http://schemas.microsoft.com/office/drawing/2014/main" val="4067215328"/>
+                    </a:ext>
+                  </a:extLst>
+                </a:gridCol>
+              </a:tblGrid>
+              <a:tr h="342900">
+                <a:tc>
+                  <a:txBody>
+                    <a:bodyPr/>
+                    <a:lstStyle/>
+                    <a:p>
+                      <a:endParaRPr lang="en-US" dirty="0"/>
+                    </a:p>
+                  </a:txBody>
+                  <a:tcPr>
+                    <a:solidFill>
+                      <a:schemeClr val="bg1">
+                        <a:lumMod val="85000"/>
+                      </a:schemeClr>
+                    </a:solidFill>
+                  </a:tcPr>
+                </a:tc>
+                <a:tc>
+                  <a:txBody>
+                    <a:bodyPr/>
+                    <a:lstStyle/>
+                    <a:p>
+                      <a:endParaRPr lang="en-US" dirty="0"/>
+                    </a:p>
+                  </a:txBody>
+                  <a:tcPr>
+                    <a:solidFill>
+                      <a:schemeClr val="bg1"/>
+                    </a:solidFill>
+                  </a:tcPr>
+                </a:tc>
+                <a:tc>
+                  <a:txBody>
+                    <a:bodyPr/>
+                    <a:lstStyle/>
+                    <a:p>
+                      <a:endParaRPr lang="en-US"/>
+                    </a:p>
+                  </a:txBody>
+                  <a:tcPr>
+                    <a:solidFill>
+                      <a:schemeClr val="bg1"/>
+                    </a:solidFill>
+                  </a:tcPr>
+                </a:tc>
+                <a:tc>
+                  <a:txBody>
+                    <a:bodyPr/>
+                    <a:lstStyle/>
+                    <a:p>
+                      <a:endParaRPr lang="en-US" dirty="0"/>
+                    </a:p>
+                  </a:txBody>
+                  <a:tcPr>
+                    <a:solidFill>
+                      <a:schemeClr val="bg1"/>
+                    </a:solidFill>
+                  </a:tcPr>
+                </a:tc>
+                <a:extLst>
+                  <a:ext uri="{0D108BD9-81ED-4DB2-BD59-A6C34878D82A}">
+                    <a16:rowId xmlns:a16="http://schemas.microsoft.com/office/drawing/2014/main" val="3192338247"/>
+                  </a:ext>
+                </a:extLst>
+              </a:tr>
+              <a:tr h="342900">
+                <a:tc>
+                  <a:txBody>
+                    <a:bodyPr/>
+                    <a:lstStyle/>
+                    <a:p>
+                      <a:endParaRPr lang="en-US"/>
+                    </a:p>
+                  </a:txBody>
+                  <a:tcPr>
+                    <a:solidFill>
+                      <a:schemeClr val="bg1"/>
+                    </a:solidFill>
+                  </a:tcPr>
+                </a:tc>
+                <a:tc>
+                  <a:txBody>
+                    <a:bodyPr/>
+                    <a:lstStyle/>
+                    <a:p>
+                      <a:endParaRPr lang="en-US" dirty="0"/>
+                    </a:p>
+                  </a:txBody>
+                  <a:tcPr>
+                    <a:solidFill>
+                      <a:schemeClr val="bg1"/>
+                    </a:solidFill>
+                  </a:tcPr>
+                </a:tc>
+                <a:tc>
+                  <a:txBody>
+                    <a:bodyPr/>
+                    <a:lstStyle/>
+                    <a:p>
+                      <a:endParaRPr lang="en-US" dirty="0"/>
+                    </a:p>
+                  </a:txBody>
+                  <a:tcPr>
+                    <a:solidFill>
+                      <a:schemeClr val="bg1"/>
+                    </a:solidFill>
+                  </a:tcPr>
+                </a:tc>
+                <a:tc>
+                  <a:txBody>
+                    <a:bodyPr/>
+                    <a:lstStyle/>
+                    <a:p>
+                      <a:endParaRPr lang="en-US" dirty="0"/>
+                    </a:p>
+                  </a:txBody>
+                  <a:tcPr>
+                    <a:solidFill>
+                      <a:schemeClr val="bg1"/>
+                    </a:solidFill>
+                  </a:tcPr>
+                </a:tc>
+                <a:extLst>
+                  <a:ext uri="{0D108BD9-81ED-4DB2-BD59-A6C34878D82A}">
+                    <a16:rowId xmlns:a16="http://schemas.microsoft.com/office/drawing/2014/main" val="3498735479"/>
+                  </a:ext>
+                </a:extLst>
+              </a:tr>
+              <a:tr h="342900">
+                <a:tc>
+                  <a:txBody>
+                    <a:bodyPr/>
+                    <a:lstStyle/>
+                    <a:p>
+                      <a:endParaRPr lang="en-US"/>
+                    </a:p>
+                  </a:txBody>
+                  <a:tcPr>
+                    <a:solidFill>
+                      <a:schemeClr val="bg1"/>
+                    </a:solidFill>
+                  </a:tcPr>
+                </a:tc>
+                <a:tc>
+                  <a:txBody>
+                    <a:bodyPr/>
+                    <a:lstStyle/>
+                    <a:p>
+                      <a:endParaRPr lang="en-US" dirty="0"/>
+                    </a:p>
+                  </a:txBody>
+                  <a:tcPr>
+                    <a:solidFill>
+                      <a:schemeClr val="bg1"/>
+                    </a:solidFill>
+                  </a:tcPr>
+                </a:tc>
+                <a:tc>
+                  <a:txBody>
+                    <a:bodyPr/>
+                    <a:lstStyle/>
+                    <a:p>
+                      <a:endParaRPr lang="en-US" dirty="0"/>
+                    </a:p>
+                  </a:txBody>
+                  <a:tcPr>
+                    <a:solidFill>
+                      <a:schemeClr val="bg1"/>
+                    </a:solidFill>
+                  </a:tcPr>
+                </a:tc>
+                <a:tc>
+                  <a:txBody>
+                    <a:bodyPr/>
+                    <a:lstStyle/>
+                    <a:p>
+                      <a:endParaRPr lang="en-US" dirty="0"/>
+                    </a:p>
+                  </a:txBody>
+                  <a:tcPr>
+                    <a:solidFill>
+                      <a:schemeClr val="bg1"/>
+                    </a:solidFill>
+                  </a:tcPr>
+                </a:tc>
+                <a:extLst>
+                  <a:ext uri="{0D108BD9-81ED-4DB2-BD59-A6C34878D82A}">
+                    <a16:rowId xmlns:a16="http://schemas.microsoft.com/office/drawing/2014/main" val="1174298057"/>
+                  </a:ext>
+                </a:extLst>
+              </a:tr>
+              <a:tr h="342900">
+                <a:tc>
+                  <a:txBody>
+                    <a:bodyPr/>
+                    <a:lstStyle/>
+                    <a:p>
+                      <a:endParaRPr lang="en-US" dirty="0"/>
+                    </a:p>
+                  </a:txBody>
+                  <a:tcPr>
+                    <a:solidFill>
+                      <a:schemeClr val="bg1"/>
+                    </a:solidFill>
+                  </a:tcPr>
+                </a:tc>
+                <a:tc>
+                  <a:txBody>
+                    <a:bodyPr/>
+                    <a:lstStyle/>
+                    <a:p>
+                      <a:endParaRPr lang="en-US" dirty="0"/>
+                    </a:p>
+                  </a:txBody>
+                  <a:tcPr>
+                    <a:solidFill>
+                      <a:schemeClr val="bg1"/>
+                    </a:solidFill>
+                  </a:tcPr>
+                </a:tc>
+                <a:tc>
+                  <a:txBody>
+                    <a:bodyPr/>
+                    <a:lstStyle/>
+                    <a:p>
+                      <a:endParaRPr lang="en-US" dirty="0"/>
+                    </a:p>
+                  </a:txBody>
+                  <a:tcPr>
+                    <a:solidFill>
+                      <a:schemeClr val="bg1"/>
+                    </a:solidFill>
+                  </a:tcPr>
+                </a:tc>
+                <a:tc>
+                  <a:txBody>
+                    <a:bodyPr/>
+                    <a:lstStyle/>
+                    <a:p>
+                      <a:endParaRPr lang="en-US" dirty="0"/>
+                    </a:p>
+                  </a:txBody>
+                  <a:tcPr>
+                    <a:solidFill>
+                      <a:schemeClr val="bg1"/>
+                    </a:solidFill>
+                  </a:tcPr>
+                </a:tc>
+                <a:extLst>
+                  <a:ext uri="{0D108BD9-81ED-4DB2-BD59-A6C34878D82A}">
+                    <a16:rowId xmlns:a16="http://schemas.microsoft.com/office/drawing/2014/main" val="2901935234"/>
+                  </a:ext>
+                </a:extLst>
+              </a:tr>
+            </a:tbl>
+          </a:graphicData>
+        </a:graphic>
+      </p:graphicFrame>
+      <p:graphicFrame>
+        <p:nvGraphicFramePr>
+          <p:cNvPr id="2" name="Table 1">
+            <a:extLst>
+              <a:ext uri="{FF2B5EF4-FFF2-40B4-BE49-F238E27FC236}">
+                <a16:creationId xmlns:a16="http://schemas.microsoft.com/office/drawing/2014/main" id="{2EA85826-4FC7-DDC9-B019-17CF977936C6}"/>
+              </a:ext>
+            </a:extLst>
+          </p:cNvPr>
+          <p:cNvGraphicFramePr>
+            <a:graphicFrameLocks noGrp="1"/>
+          </p:cNvGraphicFramePr>
+          <p:nvPr>
+            <p:extLst>
+              <p:ext uri="{D42A27DB-BD31-4B8C-83A1-F6EECF244321}">
+                <p14:modId xmlns:p14="http://schemas.microsoft.com/office/powerpoint/2010/main" val="3100471675"/>
+              </p:ext>
+            </p:extLst>
+          </p:nvPr>
+        </p:nvGraphicFramePr>
+        <p:xfrm>
+          <a:off x="1355281" y="1517651"/>
+          <a:ext cx="1979819" cy="3657600"/>
+        </p:xfrm>
+        <a:graphic>
+          <a:graphicData uri="http://schemas.openxmlformats.org/drawingml/2006/table">
+            <a:tbl>
+              <a:tblPr firstRow="1" bandRow="1">
+                <a:tableStyleId>{5940675A-B579-460E-94D1-54222C63F5DA}</a:tableStyleId>
+              </a:tblPr>
+              <a:tblGrid>
+                <a:gridCol w="1527619">
+                  <a:extLst>
+                    <a:ext uri="{9D8B030D-6E8A-4147-A177-3AD203B41FA5}">
+                      <a16:colId xmlns:a16="http://schemas.microsoft.com/office/drawing/2014/main" val="3508477746"/>
+                    </a:ext>
+                  </a:extLst>
+                </a:gridCol>
+                <a:gridCol w="452200">
+                  <a:extLst>
+                    <a:ext uri="{9D8B030D-6E8A-4147-A177-3AD203B41FA5}">
+                      <a16:colId xmlns:a16="http://schemas.microsoft.com/office/drawing/2014/main" val="4089101588"/>
+                    </a:ext>
+                  </a:extLst>
+                </a:gridCol>
+              </a:tblGrid>
+              <a:tr h="457200">
+                <a:tc>
+                  <a:txBody>
+                    <a:bodyPr/>
+                    <a:lstStyle/>
+                    <a:p>
+                      <a:pPr algn="ctr"/>
+                      <a:r>
+                        <a:rPr lang="en-US" sz="1800" dirty="0">
+                          <a:latin typeface="CMU Serif" panose="02000603000000000000" pitchFamily="2" charset="0"/>
+                          <a:ea typeface="CMU Serif" panose="02000603000000000000" pitchFamily="2" charset="0"/>
+                          <a:cs typeface="CMU Serif" panose="02000603000000000000" pitchFamily="2" charset="0"/>
+                        </a:rPr>
+                        <a:t>(0, 0)</a:t>
+                      </a:r>
+                    </a:p>
+                  </a:txBody>
+                  <a:tcPr anchor="ctr">
+                    <a:solidFill>
+                      <a:schemeClr val="bg1"/>
+                    </a:solidFill>
+                  </a:tcPr>
+                </a:tc>
+                <a:tc>
+                  <a:txBody>
+                    <a:bodyPr/>
+                    <a:lstStyle/>
+                    <a:p>
+                      <a:pPr algn="ctr"/>
+                      <a:endParaRPr lang="en-US" sz="1800" dirty="0">
+                        <a:latin typeface="CMU Serif" panose="02000603000000000000" pitchFamily="2" charset="0"/>
+                        <a:ea typeface="CMU Serif" panose="02000603000000000000" pitchFamily="2" charset="0"/>
+                        <a:cs typeface="CMU Serif" panose="02000603000000000000" pitchFamily="2" charset="0"/>
+                      </a:endParaRPr>
+                    </a:p>
+                  </a:txBody>
+                  <a:tcPr anchor="ctr">
+                    <a:solidFill>
+                      <a:schemeClr val="bg1"/>
+                    </a:solidFill>
+                  </a:tcPr>
+                </a:tc>
+                <a:extLst>
+                  <a:ext uri="{0D108BD9-81ED-4DB2-BD59-A6C34878D82A}">
+                    <a16:rowId xmlns:a16="http://schemas.microsoft.com/office/drawing/2014/main" val="3192338247"/>
+                  </a:ext>
+                </a:extLst>
+              </a:tr>
+              <a:tr h="457200">
+                <a:tc>
+                  <a:txBody>
+                    <a:bodyPr/>
+                    <a:lstStyle/>
+                    <a:p>
+                      <a:pPr algn="ctr"/>
+                      <a:r>
+                        <a:rPr lang="en-US" sz="1800" dirty="0">
+                          <a:latin typeface="CMU Serif" panose="02000603000000000000" pitchFamily="2" charset="0"/>
+                          <a:ea typeface="CMU Serif" panose="02000603000000000000" pitchFamily="2" charset="0"/>
+                          <a:cs typeface="CMU Serif" panose="02000603000000000000" pitchFamily="2" charset="0"/>
+                        </a:rPr>
+                        <a:t>(0, 1)</a:t>
+                      </a:r>
+                    </a:p>
+                  </a:txBody>
+                  <a:tcPr anchor="ctr">
+                    <a:solidFill>
+                      <a:schemeClr val="bg1"/>
+                    </a:solidFill>
+                  </a:tcPr>
+                </a:tc>
+                <a:tc>
+                  <a:txBody>
+                    <a:bodyPr/>
+                    <a:lstStyle/>
+                    <a:p>
+                      <a:pPr algn="ctr"/>
+                      <a:endParaRPr lang="en-US" sz="1800" dirty="0">
+                        <a:latin typeface="CMU Serif" panose="02000603000000000000" pitchFamily="2" charset="0"/>
+                        <a:ea typeface="CMU Serif" panose="02000603000000000000" pitchFamily="2" charset="0"/>
+                        <a:cs typeface="CMU Serif" panose="02000603000000000000" pitchFamily="2" charset="0"/>
+                      </a:endParaRPr>
+                    </a:p>
+                  </a:txBody>
+                  <a:tcPr anchor="ctr">
+                    <a:solidFill>
+                      <a:schemeClr val="bg1"/>
+                    </a:solidFill>
+                  </a:tcPr>
+                </a:tc>
+                <a:extLst>
+                  <a:ext uri="{0D108BD9-81ED-4DB2-BD59-A6C34878D82A}">
+                    <a16:rowId xmlns:a16="http://schemas.microsoft.com/office/drawing/2014/main" val="3498735479"/>
+                  </a:ext>
+                </a:extLst>
+              </a:tr>
+              <a:tr h="457200">
+                <a:tc>
+                  <a:txBody>
+                    <a:bodyPr/>
+                    <a:lstStyle/>
+                    <a:p>
+                      <a:pPr algn="ctr"/>
+                      <a:r>
+                        <a:rPr lang="en-US" sz="1800" dirty="0">
+                          <a:latin typeface="CMU Serif" panose="02000603000000000000" pitchFamily="2" charset="0"/>
+                          <a:ea typeface="CMU Serif" panose="02000603000000000000" pitchFamily="2" charset="0"/>
+                          <a:cs typeface="CMU Serif" panose="02000603000000000000" pitchFamily="2" charset="0"/>
+                        </a:rPr>
+                        <a:t>(0, 2)</a:t>
+                      </a:r>
+                    </a:p>
+                  </a:txBody>
+                  <a:tcPr anchor="ctr">
+                    <a:solidFill>
+                      <a:schemeClr val="bg1"/>
+                    </a:solidFill>
+                  </a:tcPr>
+                </a:tc>
+                <a:tc>
+                  <a:txBody>
+                    <a:bodyPr/>
+                    <a:lstStyle/>
+                    <a:p>
+                      <a:pPr algn="ctr"/>
+                      <a:endParaRPr lang="en-US" sz="1800" dirty="0">
+                        <a:latin typeface="CMU Serif" panose="02000603000000000000" pitchFamily="2" charset="0"/>
+                        <a:ea typeface="CMU Serif" panose="02000603000000000000" pitchFamily="2" charset="0"/>
+                        <a:cs typeface="CMU Serif" panose="02000603000000000000" pitchFamily="2" charset="0"/>
+                      </a:endParaRPr>
+                    </a:p>
+                  </a:txBody>
+                  <a:tcPr anchor="ctr">
+                    <a:solidFill>
+                      <a:schemeClr val="bg1"/>
+                    </a:solidFill>
+                  </a:tcPr>
+                </a:tc>
+                <a:extLst>
+                  <a:ext uri="{0D108BD9-81ED-4DB2-BD59-A6C34878D82A}">
+                    <a16:rowId xmlns:a16="http://schemas.microsoft.com/office/drawing/2014/main" val="1174298057"/>
+                  </a:ext>
+                </a:extLst>
+              </a:tr>
+              <a:tr h="457200">
+                <a:tc>
+                  <a:txBody>
+                    <a:bodyPr/>
+                    <a:lstStyle/>
+                    <a:p>
+                      <a:pPr algn="ctr"/>
+                      <a:r>
+                        <a:rPr lang="en-US" sz="1800" dirty="0">
+                          <a:latin typeface="CMU Serif" panose="02000603000000000000" pitchFamily="2" charset="0"/>
+                          <a:ea typeface="CMU Serif" panose="02000603000000000000" pitchFamily="2" charset="0"/>
+                          <a:cs typeface="CMU Serif" panose="02000603000000000000" pitchFamily="2" charset="0"/>
+                        </a:rPr>
+                        <a:t>(1, 0)</a:t>
+                      </a:r>
+                    </a:p>
+                  </a:txBody>
+                  <a:tcPr anchor="ctr">
+                    <a:solidFill>
+                      <a:schemeClr val="bg1"/>
+                    </a:solidFill>
+                  </a:tcPr>
+                </a:tc>
+                <a:tc>
+                  <a:txBody>
+                    <a:bodyPr/>
+                    <a:lstStyle/>
+                    <a:p>
+                      <a:pPr algn="ctr"/>
+                      <a:endParaRPr lang="en-US" sz="1800" dirty="0">
+                        <a:latin typeface="CMU Serif" panose="02000603000000000000" pitchFamily="2" charset="0"/>
+                        <a:ea typeface="CMU Serif" panose="02000603000000000000" pitchFamily="2" charset="0"/>
+                        <a:cs typeface="CMU Serif" panose="02000603000000000000" pitchFamily="2" charset="0"/>
+                      </a:endParaRPr>
+                    </a:p>
+                  </a:txBody>
+                  <a:tcPr anchor="ctr">
+                    <a:solidFill>
+                      <a:schemeClr val="bg1"/>
+                    </a:solidFill>
+                  </a:tcPr>
+                </a:tc>
+                <a:extLst>
+                  <a:ext uri="{0D108BD9-81ED-4DB2-BD59-A6C34878D82A}">
+                    <a16:rowId xmlns:a16="http://schemas.microsoft.com/office/drawing/2014/main" val="2901935234"/>
+                  </a:ext>
+                </a:extLst>
+              </a:tr>
+              <a:tr h="1371600">
+                <a:tc>
+                  <a:txBody>
+                    <a:bodyPr/>
+                    <a:lstStyle/>
+                    <a:p>
+                      <a:pPr algn="ctr"/>
+                      <a:r>
+                        <a:rPr lang="en-US" sz="1800" dirty="0">
+                          <a:latin typeface="CMU Serif" panose="02000603000000000000" pitchFamily="2" charset="0"/>
+                          <a:ea typeface="CMU Serif" panose="02000603000000000000" pitchFamily="2" charset="0"/>
+                          <a:cs typeface="CMU Serif" panose="02000603000000000000" pitchFamily="2" charset="0"/>
+                        </a:rPr>
+                        <a:t>…</a:t>
+                      </a:r>
+                    </a:p>
+                  </a:txBody>
+                  <a:tcPr anchor="ctr">
+                    <a:solidFill>
+                      <a:schemeClr val="bg1"/>
+                    </a:solidFill>
+                  </a:tcPr>
+                </a:tc>
+                <a:tc>
+                  <a:txBody>
+                    <a:bodyPr/>
+                    <a:lstStyle/>
+                    <a:p>
+                      <a:pPr algn="ctr"/>
+                      <a:r>
+                        <a:rPr lang="en-US" sz="1800" dirty="0">
+                          <a:latin typeface="CMU Serif" panose="02000603000000000000" pitchFamily="2" charset="0"/>
+                          <a:ea typeface="CMU Serif" panose="02000603000000000000" pitchFamily="2" charset="0"/>
+                          <a:cs typeface="CMU Serif" panose="02000603000000000000" pitchFamily="2" charset="0"/>
+                        </a:rPr>
+                        <a:t>…</a:t>
+                      </a:r>
+                    </a:p>
+                  </a:txBody>
+                  <a:tcPr anchor="ctr">
+                    <a:solidFill>
+                      <a:schemeClr val="bg1"/>
+                    </a:solidFill>
+                  </a:tcPr>
+                </a:tc>
+                <a:extLst>
+                  <a:ext uri="{0D108BD9-81ED-4DB2-BD59-A6C34878D82A}">
+                    <a16:rowId xmlns:a16="http://schemas.microsoft.com/office/drawing/2014/main" val="3729696038"/>
+                  </a:ext>
+                </a:extLst>
+              </a:tr>
+              <a:tr h="457200">
+                <a:tc>
+                  <a:txBody>
+                    <a:bodyPr/>
+                    <a:lstStyle/>
+                    <a:p>
+                      <a:pPr algn="ctr"/>
+                      <a:r>
+                        <a:rPr lang="en-US" sz="1600" i="0" dirty="0">
+                          <a:latin typeface="CMU Serif" panose="02000603000000000000" pitchFamily="2" charset="0"/>
+                          <a:ea typeface="CMU Serif" panose="02000603000000000000" pitchFamily="2" charset="0"/>
+                          <a:cs typeface="CMU Serif" panose="02000603000000000000" pitchFamily="2" charset="0"/>
+                        </a:rPr>
+                        <a:t>(</a:t>
+                      </a:r>
+                      <a:r>
+                        <a:rPr lang="en-US" sz="1600" i="1" dirty="0">
+                          <a:latin typeface="CMU Serif" panose="02000603000000000000" pitchFamily="2" charset="0"/>
+                          <a:ea typeface="CMU Serif" panose="02000603000000000000" pitchFamily="2" charset="0"/>
+                          <a:cs typeface="CMU Serif" panose="02000603000000000000" pitchFamily="2" charset="0"/>
+                        </a:rPr>
+                        <a:t>m </a:t>
+                      </a:r>
+                      <a:r>
+                        <a:rPr lang="en-US" sz="1600" i="0" dirty="0">
+                          <a:latin typeface="CMU Serif" panose="02000603000000000000" pitchFamily="2" charset="0"/>
+                          <a:ea typeface="CMU Serif" panose="02000603000000000000" pitchFamily="2" charset="0"/>
+                          <a:cs typeface="CMU Serif" panose="02000603000000000000" pitchFamily="2" charset="0"/>
+                        </a:rPr>
+                        <a:t>– 1, </a:t>
+                      </a:r>
+                      <a:r>
+                        <a:rPr lang="en-US" sz="1600" i="1" dirty="0">
+                          <a:latin typeface="CMU Serif" panose="02000603000000000000" pitchFamily="2" charset="0"/>
+                          <a:ea typeface="CMU Serif" panose="02000603000000000000" pitchFamily="2" charset="0"/>
+                          <a:cs typeface="CMU Serif" panose="02000603000000000000" pitchFamily="2" charset="0"/>
+                        </a:rPr>
+                        <a:t>n </a:t>
+                      </a:r>
+                      <a:r>
+                        <a:rPr lang="en-US" sz="1600" i="0" dirty="0">
+                          <a:latin typeface="CMU Serif" panose="02000603000000000000" pitchFamily="2" charset="0"/>
+                          <a:ea typeface="CMU Serif" panose="02000603000000000000" pitchFamily="2" charset="0"/>
+                          <a:cs typeface="CMU Serif" panose="02000603000000000000" pitchFamily="2" charset="0"/>
+                        </a:rPr>
+                        <a:t>– 1)</a:t>
+                      </a:r>
+                    </a:p>
+                  </a:txBody>
+                  <a:tcPr anchor="ctr">
+                    <a:solidFill>
+                      <a:schemeClr val="bg1"/>
+                    </a:solidFill>
+                  </a:tcPr>
+                </a:tc>
+                <a:tc>
+                  <a:txBody>
+                    <a:bodyPr/>
+                    <a:lstStyle/>
+                    <a:p>
+                      <a:pPr algn="ctr"/>
+                      <a:endParaRPr lang="en-US" sz="1800" dirty="0">
+                        <a:latin typeface="CMU Serif" panose="02000603000000000000" pitchFamily="2" charset="0"/>
+                        <a:ea typeface="CMU Serif" panose="02000603000000000000" pitchFamily="2" charset="0"/>
+                        <a:cs typeface="CMU Serif" panose="02000603000000000000" pitchFamily="2" charset="0"/>
+                      </a:endParaRPr>
+                    </a:p>
+                  </a:txBody>
+                  <a:tcPr anchor="ctr">
+                    <a:solidFill>
+                      <a:schemeClr val="bg1"/>
+                    </a:solidFill>
+                  </a:tcPr>
+                </a:tc>
+                <a:extLst>
+                  <a:ext uri="{0D108BD9-81ED-4DB2-BD59-A6C34878D82A}">
+                    <a16:rowId xmlns:a16="http://schemas.microsoft.com/office/drawing/2014/main" val="602196659"/>
+                  </a:ext>
+                </a:extLst>
+              </a:tr>
+            </a:tbl>
+          </a:graphicData>
+        </a:graphic>
+      </p:graphicFrame>
+      <p:sp>
+        <p:nvSpPr>
+          <p:cNvPr id="3" name="TextBox 2">
+            <a:extLst>
+              <a:ext uri="{FF2B5EF4-FFF2-40B4-BE49-F238E27FC236}">
+                <a16:creationId xmlns:a16="http://schemas.microsoft.com/office/drawing/2014/main" id="{0EAA82FD-8DCE-DCA7-BC79-7FF7A7830E4C}"/>
+              </a:ext>
+            </a:extLst>
+          </p:cNvPr>
+          <p:cNvSpPr txBox="1"/>
+          <p:nvPr/>
+        </p:nvSpPr>
+        <p:spPr>
+          <a:xfrm>
+            <a:off x="1531994" y="1011535"/>
+            <a:ext cx="1244631" cy="461665"/>
+          </a:xfrm>
+          <a:prstGeom prst="rect">
+            <a:avLst/>
+          </a:prstGeom>
+          <a:noFill/>
+        </p:spPr>
+        <p:txBody>
+          <a:bodyPr wrap="square" rtlCol="0">
+            <a:spAutoFit/>
+          </a:bodyPr>
+          <a:lstStyle/>
+          <a:p>
+            <a:pPr algn="ctr"/>
+            <a:r>
+              <a:rPr lang="en-US" sz="2400" dirty="0">
+                <a:latin typeface="CMU Serif" panose="02000603000000000000" pitchFamily="2" charset="0"/>
+                <a:ea typeface="CMU Serif" panose="02000603000000000000" pitchFamily="2" charset="0"/>
+                <a:cs typeface="CMU Serif" panose="02000603000000000000" pitchFamily="2" charset="0"/>
+              </a:rPr>
+              <a:t>Index</a:t>
+            </a:r>
+          </a:p>
+        </p:txBody>
+      </p:sp>
+      <p:sp>
+        <p:nvSpPr>
+          <p:cNvPr id="9" name="TextBox 8">
+            <a:extLst>
+              <a:ext uri="{FF2B5EF4-FFF2-40B4-BE49-F238E27FC236}">
+                <a16:creationId xmlns:a16="http://schemas.microsoft.com/office/drawing/2014/main" id="{FF588B6D-FE90-AA6E-C772-642AC01269C6}"/>
+              </a:ext>
+            </a:extLst>
+          </p:cNvPr>
+          <p:cNvSpPr txBox="1"/>
+          <p:nvPr/>
+        </p:nvSpPr>
+        <p:spPr>
+          <a:xfrm>
+            <a:off x="685300" y="5327995"/>
+            <a:ext cx="3319780" cy="830997"/>
+          </a:xfrm>
+          <a:prstGeom prst="rect">
+            <a:avLst/>
+          </a:prstGeom>
+          <a:noFill/>
+        </p:spPr>
+        <p:txBody>
+          <a:bodyPr wrap="square" rtlCol="0">
+            <a:spAutoFit/>
+          </a:bodyPr>
+          <a:lstStyle/>
+          <a:p>
+            <a:pPr algn="ctr"/>
+            <a:r>
+              <a:rPr lang="en-US" sz="2400" dirty="0">
+                <a:latin typeface="CMU Serif" panose="02000603000000000000" pitchFamily="2" charset="0"/>
+                <a:ea typeface="CMU Serif" panose="02000603000000000000" pitchFamily="2" charset="0"/>
+                <a:cs typeface="CMU Serif" panose="02000603000000000000" pitchFamily="2" charset="0"/>
+              </a:rPr>
+              <a:t>Block Index Array</a:t>
+            </a:r>
+          </a:p>
+          <a:p>
+            <a:pPr algn="ctr"/>
+            <a:r>
+              <a:rPr lang="en-US" sz="2400" dirty="0">
+                <a:latin typeface="CMU Serif" panose="02000603000000000000" pitchFamily="2" charset="0"/>
+                <a:ea typeface="CMU Serif" panose="02000603000000000000" pitchFamily="2" charset="0"/>
+                <a:cs typeface="CMU Serif" panose="02000603000000000000" pitchFamily="2" charset="0"/>
+              </a:rPr>
+              <a:t>(Unrolled)</a:t>
+            </a:r>
+          </a:p>
+        </p:txBody>
+      </p:sp>
+      <p:sp>
+        <p:nvSpPr>
+          <p:cNvPr id="12" name="TextBox 11">
+            <a:extLst>
+              <a:ext uri="{FF2B5EF4-FFF2-40B4-BE49-F238E27FC236}">
+                <a16:creationId xmlns:a16="http://schemas.microsoft.com/office/drawing/2014/main" id="{67971A2E-78A4-7112-46FC-F6CB79240DB2}"/>
+              </a:ext>
+            </a:extLst>
+          </p:cNvPr>
+          <p:cNvSpPr txBox="1"/>
+          <p:nvPr/>
+        </p:nvSpPr>
+        <p:spPr>
+          <a:xfrm rot="18900000">
+            <a:off x="2858850" y="758208"/>
+            <a:ext cx="1244631" cy="461665"/>
+          </a:xfrm>
+          <a:prstGeom prst="rect">
+            <a:avLst/>
+          </a:prstGeom>
+          <a:noFill/>
+        </p:spPr>
+        <p:txBody>
+          <a:bodyPr wrap="square" rtlCol="0">
+            <a:spAutoFit/>
+          </a:bodyPr>
+          <a:lstStyle/>
+          <a:p>
+            <a:r>
+              <a:rPr lang="en-US" sz="2400" dirty="0">
+                <a:latin typeface="CMU Serif" panose="02000603000000000000" pitchFamily="2" charset="0"/>
+                <a:ea typeface="CMU Serif" panose="02000603000000000000" pitchFamily="2" charset="0"/>
+                <a:cs typeface="CMU Serif" panose="02000603000000000000" pitchFamily="2" charset="0"/>
+              </a:rPr>
+              <a:t>Block</a:t>
+            </a:r>
+          </a:p>
+        </p:txBody>
+      </p:sp>
+      <p:graphicFrame>
+        <p:nvGraphicFramePr>
+          <p:cNvPr id="15" name="Table 14">
+            <a:extLst>
+              <a:ext uri="{FF2B5EF4-FFF2-40B4-BE49-F238E27FC236}">
+                <a16:creationId xmlns:a16="http://schemas.microsoft.com/office/drawing/2014/main" id="{041021D3-EFF3-1198-77CD-E975168A2B6C}"/>
+              </a:ext>
+            </a:extLst>
+          </p:cNvPr>
+          <p:cNvGraphicFramePr>
+            <a:graphicFrameLocks noGrp="1"/>
+          </p:cNvGraphicFramePr>
+          <p:nvPr/>
+        </p:nvGraphicFramePr>
+        <p:xfrm>
+          <a:off x="7239000" y="797052"/>
+          <a:ext cx="1463040" cy="1463040"/>
+        </p:xfrm>
+        <a:graphic>
+          <a:graphicData uri="http://schemas.openxmlformats.org/drawingml/2006/table">
+            <a:tbl>
+              <a:tblPr firstRow="1" bandRow="1">
+                <a:tableStyleId>{5940675A-B579-460E-94D1-54222C63F5DA}</a:tableStyleId>
+              </a:tblPr>
+              <a:tblGrid>
+                <a:gridCol w="365760">
+                  <a:extLst>
+                    <a:ext uri="{9D8B030D-6E8A-4147-A177-3AD203B41FA5}">
+                      <a16:colId xmlns:a16="http://schemas.microsoft.com/office/drawing/2014/main" val="3508477746"/>
+                    </a:ext>
+                  </a:extLst>
+                </a:gridCol>
+                <a:gridCol w="365760">
+                  <a:extLst>
+                    <a:ext uri="{9D8B030D-6E8A-4147-A177-3AD203B41FA5}">
+                      <a16:colId xmlns:a16="http://schemas.microsoft.com/office/drawing/2014/main" val="4089101588"/>
+                    </a:ext>
+                  </a:extLst>
+                </a:gridCol>
+                <a:gridCol w="365760">
+                  <a:extLst>
+                    <a:ext uri="{9D8B030D-6E8A-4147-A177-3AD203B41FA5}">
+                      <a16:colId xmlns:a16="http://schemas.microsoft.com/office/drawing/2014/main" val="111887204"/>
+                    </a:ext>
+                  </a:extLst>
+                </a:gridCol>
+                <a:gridCol w="365760">
+                  <a:extLst>
+                    <a:ext uri="{9D8B030D-6E8A-4147-A177-3AD203B41FA5}">
+                      <a16:colId xmlns:a16="http://schemas.microsoft.com/office/drawing/2014/main" val="4067215328"/>
+                    </a:ext>
+                  </a:extLst>
+                </a:gridCol>
+              </a:tblGrid>
+              <a:tr h="342900">
+                <a:tc>
+                  <a:txBody>
+                    <a:bodyPr/>
+                    <a:lstStyle/>
+                    <a:p>
+                      <a:endParaRPr lang="en-US" dirty="0"/>
+                    </a:p>
+                  </a:txBody>
+                  <a:tcPr>
+                    <a:solidFill>
+                      <a:schemeClr val="bg1">
+                        <a:lumMod val="85000"/>
+                      </a:schemeClr>
+                    </a:solidFill>
+                  </a:tcPr>
+                </a:tc>
+                <a:tc>
+                  <a:txBody>
+                    <a:bodyPr/>
+                    <a:lstStyle/>
+                    <a:p>
+                      <a:endParaRPr lang="en-US" dirty="0"/>
+                    </a:p>
+                  </a:txBody>
+                  <a:tcPr>
+                    <a:solidFill>
+                      <a:schemeClr val="bg1"/>
+                    </a:solidFill>
+                  </a:tcPr>
+                </a:tc>
+                <a:tc>
+                  <a:txBody>
+                    <a:bodyPr/>
+                    <a:lstStyle/>
+                    <a:p>
+                      <a:endParaRPr lang="en-US"/>
+                    </a:p>
+                  </a:txBody>
+                  <a:tcPr>
+                    <a:solidFill>
+                      <a:schemeClr val="bg1"/>
+                    </a:solidFill>
+                  </a:tcPr>
+                </a:tc>
+                <a:tc>
+                  <a:txBody>
+                    <a:bodyPr/>
+                    <a:lstStyle/>
+                    <a:p>
+                      <a:endParaRPr lang="en-US" dirty="0"/>
+                    </a:p>
+                  </a:txBody>
+                  <a:tcPr>
+                    <a:solidFill>
+                      <a:schemeClr val="bg1"/>
+                    </a:solidFill>
+                  </a:tcPr>
+                </a:tc>
+                <a:extLst>
+                  <a:ext uri="{0D108BD9-81ED-4DB2-BD59-A6C34878D82A}">
+                    <a16:rowId xmlns:a16="http://schemas.microsoft.com/office/drawing/2014/main" val="3192338247"/>
+                  </a:ext>
+                </a:extLst>
+              </a:tr>
+              <a:tr h="342900">
+                <a:tc>
+                  <a:txBody>
+                    <a:bodyPr/>
+                    <a:lstStyle/>
+                    <a:p>
+                      <a:endParaRPr lang="en-US"/>
+                    </a:p>
+                  </a:txBody>
+                  <a:tcPr>
+                    <a:solidFill>
+                      <a:schemeClr val="bg1"/>
+                    </a:solidFill>
+                  </a:tcPr>
+                </a:tc>
+                <a:tc>
+                  <a:txBody>
+                    <a:bodyPr/>
+                    <a:lstStyle/>
+                    <a:p>
+                      <a:endParaRPr lang="en-US" dirty="0"/>
+                    </a:p>
+                  </a:txBody>
+                  <a:tcPr>
+                    <a:solidFill>
+                      <a:schemeClr val="bg1"/>
+                    </a:solidFill>
+                  </a:tcPr>
+                </a:tc>
+                <a:tc>
+                  <a:txBody>
+                    <a:bodyPr/>
+                    <a:lstStyle/>
+                    <a:p>
+                      <a:endParaRPr lang="en-US" dirty="0"/>
+                    </a:p>
+                  </a:txBody>
+                  <a:tcPr>
+                    <a:solidFill>
+                      <a:schemeClr val="bg1"/>
+                    </a:solidFill>
+                  </a:tcPr>
+                </a:tc>
+                <a:tc>
+                  <a:txBody>
+                    <a:bodyPr/>
+                    <a:lstStyle/>
+                    <a:p>
+                      <a:endParaRPr lang="en-US" dirty="0"/>
+                    </a:p>
+                  </a:txBody>
+                  <a:tcPr>
+                    <a:solidFill>
+                      <a:schemeClr val="bg1"/>
+                    </a:solidFill>
+                  </a:tcPr>
+                </a:tc>
+                <a:extLst>
+                  <a:ext uri="{0D108BD9-81ED-4DB2-BD59-A6C34878D82A}">
+                    <a16:rowId xmlns:a16="http://schemas.microsoft.com/office/drawing/2014/main" val="3498735479"/>
+                  </a:ext>
+                </a:extLst>
+              </a:tr>
+              <a:tr h="342900">
+                <a:tc>
+                  <a:txBody>
+                    <a:bodyPr/>
+                    <a:lstStyle/>
+                    <a:p>
+                      <a:endParaRPr lang="en-US"/>
+                    </a:p>
+                  </a:txBody>
+                  <a:tcPr>
+                    <a:solidFill>
+                      <a:schemeClr val="bg1"/>
+                    </a:solidFill>
+                  </a:tcPr>
+                </a:tc>
+                <a:tc>
+                  <a:txBody>
+                    <a:bodyPr/>
+                    <a:lstStyle/>
+                    <a:p>
+                      <a:endParaRPr lang="en-US" dirty="0"/>
+                    </a:p>
+                  </a:txBody>
+                  <a:tcPr>
+                    <a:solidFill>
+                      <a:schemeClr val="bg1"/>
+                    </a:solidFill>
+                  </a:tcPr>
+                </a:tc>
+                <a:tc>
+                  <a:txBody>
+                    <a:bodyPr/>
+                    <a:lstStyle/>
+                    <a:p>
+                      <a:endParaRPr lang="en-US" dirty="0"/>
+                    </a:p>
+                  </a:txBody>
+                  <a:tcPr>
+                    <a:solidFill>
+                      <a:schemeClr val="bg1"/>
+                    </a:solidFill>
+                  </a:tcPr>
+                </a:tc>
+                <a:tc>
+                  <a:txBody>
+                    <a:bodyPr/>
+                    <a:lstStyle/>
+                    <a:p>
+                      <a:endParaRPr lang="en-US" dirty="0"/>
+                    </a:p>
+                  </a:txBody>
+                  <a:tcPr>
+                    <a:solidFill>
+                      <a:schemeClr val="bg1"/>
+                    </a:solidFill>
+                  </a:tcPr>
+                </a:tc>
+                <a:extLst>
+                  <a:ext uri="{0D108BD9-81ED-4DB2-BD59-A6C34878D82A}">
+                    <a16:rowId xmlns:a16="http://schemas.microsoft.com/office/drawing/2014/main" val="1174298057"/>
+                  </a:ext>
+                </a:extLst>
+              </a:tr>
+              <a:tr h="342900">
+                <a:tc>
+                  <a:txBody>
+                    <a:bodyPr/>
+                    <a:lstStyle/>
+                    <a:p>
+                      <a:endParaRPr lang="en-US" dirty="0"/>
+                    </a:p>
+                  </a:txBody>
+                  <a:tcPr>
+                    <a:solidFill>
+                      <a:schemeClr val="bg1"/>
+                    </a:solidFill>
+                  </a:tcPr>
+                </a:tc>
+                <a:tc>
+                  <a:txBody>
+                    <a:bodyPr/>
+                    <a:lstStyle/>
+                    <a:p>
+                      <a:endParaRPr lang="en-US" dirty="0"/>
+                    </a:p>
+                  </a:txBody>
+                  <a:tcPr>
+                    <a:solidFill>
+                      <a:schemeClr val="bg1"/>
+                    </a:solidFill>
+                  </a:tcPr>
+                </a:tc>
+                <a:tc>
+                  <a:txBody>
+                    <a:bodyPr/>
+                    <a:lstStyle/>
+                    <a:p>
+                      <a:endParaRPr lang="en-US" dirty="0"/>
+                    </a:p>
+                  </a:txBody>
+                  <a:tcPr>
+                    <a:solidFill>
+                      <a:schemeClr val="bg1"/>
+                    </a:solidFill>
+                  </a:tcPr>
+                </a:tc>
+                <a:tc>
+                  <a:txBody>
+                    <a:bodyPr/>
+                    <a:lstStyle/>
+                    <a:p>
+                      <a:endParaRPr lang="en-US" dirty="0"/>
+                    </a:p>
+                  </a:txBody>
+                  <a:tcPr>
+                    <a:solidFill>
+                      <a:schemeClr val="bg1"/>
+                    </a:solidFill>
+                  </a:tcPr>
+                </a:tc>
+                <a:extLst>
+                  <a:ext uri="{0D108BD9-81ED-4DB2-BD59-A6C34878D82A}">
+                    <a16:rowId xmlns:a16="http://schemas.microsoft.com/office/drawing/2014/main" val="2901935234"/>
+                  </a:ext>
+                </a:extLst>
+              </a:tr>
+            </a:tbl>
+          </a:graphicData>
+        </a:graphic>
+      </p:graphicFrame>
+      <p:graphicFrame>
+        <p:nvGraphicFramePr>
+          <p:cNvPr id="16" name="Table 15">
+            <a:extLst>
+              <a:ext uri="{FF2B5EF4-FFF2-40B4-BE49-F238E27FC236}">
+                <a16:creationId xmlns:a16="http://schemas.microsoft.com/office/drawing/2014/main" id="{2D9348DC-9026-0374-E629-D762C71F3B62}"/>
+              </a:ext>
+            </a:extLst>
+          </p:cNvPr>
+          <p:cNvGraphicFramePr>
+            <a:graphicFrameLocks noGrp="1"/>
+          </p:cNvGraphicFramePr>
+          <p:nvPr/>
+        </p:nvGraphicFramePr>
+        <p:xfrm>
+          <a:off x="9499600" y="797052"/>
+          <a:ext cx="1463040" cy="1463040"/>
+        </p:xfrm>
+        <a:graphic>
+          <a:graphicData uri="http://schemas.openxmlformats.org/drawingml/2006/table">
+            <a:tbl>
+              <a:tblPr firstRow="1" bandRow="1">
+                <a:tableStyleId>{5940675A-B579-460E-94D1-54222C63F5DA}</a:tableStyleId>
+              </a:tblPr>
+              <a:tblGrid>
+                <a:gridCol w="365760">
+                  <a:extLst>
+                    <a:ext uri="{9D8B030D-6E8A-4147-A177-3AD203B41FA5}">
+                      <a16:colId xmlns:a16="http://schemas.microsoft.com/office/drawing/2014/main" val="3508477746"/>
+                    </a:ext>
+                  </a:extLst>
+                </a:gridCol>
+                <a:gridCol w="365760">
+                  <a:extLst>
+                    <a:ext uri="{9D8B030D-6E8A-4147-A177-3AD203B41FA5}">
+                      <a16:colId xmlns:a16="http://schemas.microsoft.com/office/drawing/2014/main" val="4089101588"/>
+                    </a:ext>
+                  </a:extLst>
+                </a:gridCol>
+                <a:gridCol w="365760">
+                  <a:extLst>
+                    <a:ext uri="{9D8B030D-6E8A-4147-A177-3AD203B41FA5}">
+                      <a16:colId xmlns:a16="http://schemas.microsoft.com/office/drawing/2014/main" val="111887204"/>
+                    </a:ext>
+                  </a:extLst>
+                </a:gridCol>
+                <a:gridCol w="365760">
+                  <a:extLst>
+                    <a:ext uri="{9D8B030D-6E8A-4147-A177-3AD203B41FA5}">
+                      <a16:colId xmlns:a16="http://schemas.microsoft.com/office/drawing/2014/main" val="4067215328"/>
+                    </a:ext>
+                  </a:extLst>
+                </a:gridCol>
+              </a:tblGrid>
+              <a:tr h="342900">
+                <a:tc>
+                  <a:txBody>
+                    <a:bodyPr/>
+                    <a:lstStyle/>
+                    <a:p>
+                      <a:endParaRPr lang="en-US" dirty="0"/>
+                    </a:p>
+                  </a:txBody>
+                  <a:tcPr>
+                    <a:solidFill>
+                      <a:schemeClr val="bg1">
+                        <a:lumMod val="85000"/>
+                      </a:schemeClr>
+                    </a:solidFill>
+                  </a:tcPr>
+                </a:tc>
+                <a:tc>
+                  <a:txBody>
+                    <a:bodyPr/>
+                    <a:lstStyle/>
+                    <a:p>
+                      <a:endParaRPr lang="en-US" dirty="0"/>
+                    </a:p>
+                  </a:txBody>
+                  <a:tcPr>
+                    <a:solidFill>
+                      <a:schemeClr val="bg1"/>
+                    </a:solidFill>
+                  </a:tcPr>
+                </a:tc>
+                <a:tc>
+                  <a:txBody>
+                    <a:bodyPr/>
+                    <a:lstStyle/>
+                    <a:p>
+                      <a:endParaRPr lang="en-US"/>
+                    </a:p>
+                  </a:txBody>
+                  <a:tcPr>
+                    <a:solidFill>
+                      <a:schemeClr val="bg1"/>
+                    </a:solidFill>
+                  </a:tcPr>
+                </a:tc>
+                <a:tc>
+                  <a:txBody>
+                    <a:bodyPr/>
+                    <a:lstStyle/>
+                    <a:p>
+                      <a:endParaRPr lang="en-US" dirty="0"/>
+                    </a:p>
+                  </a:txBody>
+                  <a:tcPr>
+                    <a:solidFill>
+                      <a:schemeClr val="bg1"/>
+                    </a:solidFill>
+                  </a:tcPr>
+                </a:tc>
+                <a:extLst>
+                  <a:ext uri="{0D108BD9-81ED-4DB2-BD59-A6C34878D82A}">
+                    <a16:rowId xmlns:a16="http://schemas.microsoft.com/office/drawing/2014/main" val="3192338247"/>
+                  </a:ext>
+                </a:extLst>
+              </a:tr>
+              <a:tr h="342900">
+                <a:tc>
+                  <a:txBody>
+                    <a:bodyPr/>
+                    <a:lstStyle/>
+                    <a:p>
+                      <a:endParaRPr lang="en-US"/>
+                    </a:p>
+                  </a:txBody>
+                  <a:tcPr>
+                    <a:solidFill>
+                      <a:schemeClr val="bg1"/>
+                    </a:solidFill>
+                  </a:tcPr>
+                </a:tc>
+                <a:tc>
+                  <a:txBody>
+                    <a:bodyPr/>
+                    <a:lstStyle/>
+                    <a:p>
+                      <a:endParaRPr lang="en-US" dirty="0"/>
+                    </a:p>
+                  </a:txBody>
+                  <a:tcPr>
+                    <a:solidFill>
+                      <a:schemeClr val="bg1"/>
+                    </a:solidFill>
+                  </a:tcPr>
+                </a:tc>
+                <a:tc>
+                  <a:txBody>
+                    <a:bodyPr/>
+                    <a:lstStyle/>
+                    <a:p>
+                      <a:endParaRPr lang="en-US" dirty="0"/>
+                    </a:p>
+                  </a:txBody>
+                  <a:tcPr>
+                    <a:solidFill>
+                      <a:schemeClr val="bg1"/>
+                    </a:solidFill>
+                  </a:tcPr>
+                </a:tc>
+                <a:tc>
+                  <a:txBody>
+                    <a:bodyPr/>
+                    <a:lstStyle/>
+                    <a:p>
+                      <a:endParaRPr lang="en-US" dirty="0"/>
+                    </a:p>
+                  </a:txBody>
+                  <a:tcPr>
+                    <a:solidFill>
+                      <a:schemeClr val="bg1"/>
+                    </a:solidFill>
+                  </a:tcPr>
+                </a:tc>
+                <a:extLst>
+                  <a:ext uri="{0D108BD9-81ED-4DB2-BD59-A6C34878D82A}">
+                    <a16:rowId xmlns:a16="http://schemas.microsoft.com/office/drawing/2014/main" val="3498735479"/>
+                  </a:ext>
+                </a:extLst>
+              </a:tr>
+              <a:tr h="342900">
+                <a:tc>
+                  <a:txBody>
+                    <a:bodyPr/>
+                    <a:lstStyle/>
+                    <a:p>
+                      <a:endParaRPr lang="en-US"/>
+                    </a:p>
+                  </a:txBody>
+                  <a:tcPr>
+                    <a:solidFill>
+                      <a:schemeClr val="bg1"/>
+                    </a:solidFill>
+                  </a:tcPr>
+                </a:tc>
+                <a:tc>
+                  <a:txBody>
+                    <a:bodyPr/>
+                    <a:lstStyle/>
+                    <a:p>
+                      <a:endParaRPr lang="en-US" dirty="0"/>
+                    </a:p>
+                  </a:txBody>
+                  <a:tcPr>
+                    <a:solidFill>
+                      <a:schemeClr val="bg1"/>
+                    </a:solidFill>
+                  </a:tcPr>
+                </a:tc>
+                <a:tc>
+                  <a:txBody>
+                    <a:bodyPr/>
+                    <a:lstStyle/>
+                    <a:p>
+                      <a:endParaRPr lang="en-US" dirty="0"/>
+                    </a:p>
+                  </a:txBody>
+                  <a:tcPr>
+                    <a:solidFill>
+                      <a:schemeClr val="bg1"/>
+                    </a:solidFill>
+                  </a:tcPr>
+                </a:tc>
+                <a:tc>
+                  <a:txBody>
+                    <a:bodyPr/>
+                    <a:lstStyle/>
+                    <a:p>
+                      <a:endParaRPr lang="en-US" dirty="0"/>
+                    </a:p>
+                  </a:txBody>
+                  <a:tcPr>
+                    <a:solidFill>
+                      <a:schemeClr val="bg1"/>
+                    </a:solidFill>
+                  </a:tcPr>
+                </a:tc>
+                <a:extLst>
+                  <a:ext uri="{0D108BD9-81ED-4DB2-BD59-A6C34878D82A}">
+                    <a16:rowId xmlns:a16="http://schemas.microsoft.com/office/drawing/2014/main" val="1174298057"/>
+                  </a:ext>
+                </a:extLst>
+              </a:tr>
+              <a:tr h="342900">
+                <a:tc>
+                  <a:txBody>
+                    <a:bodyPr/>
+                    <a:lstStyle/>
+                    <a:p>
+                      <a:endParaRPr lang="en-US" dirty="0"/>
+                    </a:p>
+                  </a:txBody>
+                  <a:tcPr>
+                    <a:solidFill>
+                      <a:schemeClr val="bg1"/>
+                    </a:solidFill>
+                  </a:tcPr>
+                </a:tc>
+                <a:tc>
+                  <a:txBody>
+                    <a:bodyPr/>
+                    <a:lstStyle/>
+                    <a:p>
+                      <a:endParaRPr lang="en-US" dirty="0"/>
+                    </a:p>
+                  </a:txBody>
+                  <a:tcPr>
+                    <a:solidFill>
+                      <a:schemeClr val="bg1"/>
+                    </a:solidFill>
+                  </a:tcPr>
+                </a:tc>
+                <a:tc>
+                  <a:txBody>
+                    <a:bodyPr/>
+                    <a:lstStyle/>
+                    <a:p>
+                      <a:endParaRPr lang="en-US" dirty="0"/>
+                    </a:p>
+                  </a:txBody>
+                  <a:tcPr>
+                    <a:solidFill>
+                      <a:schemeClr val="bg1"/>
+                    </a:solidFill>
+                  </a:tcPr>
+                </a:tc>
+                <a:tc>
+                  <a:txBody>
+                    <a:bodyPr/>
+                    <a:lstStyle/>
+                    <a:p>
+                      <a:endParaRPr lang="en-US" dirty="0"/>
+                    </a:p>
+                  </a:txBody>
+                  <a:tcPr>
+                    <a:solidFill>
+                      <a:schemeClr val="bg1"/>
+                    </a:solidFill>
+                  </a:tcPr>
+                </a:tc>
+                <a:extLst>
+                  <a:ext uri="{0D108BD9-81ED-4DB2-BD59-A6C34878D82A}">
+                    <a16:rowId xmlns:a16="http://schemas.microsoft.com/office/drawing/2014/main" val="2901935234"/>
+                  </a:ext>
+                </a:extLst>
+              </a:tr>
+            </a:tbl>
+          </a:graphicData>
+        </a:graphic>
+      </p:graphicFrame>
+      <p:graphicFrame>
+        <p:nvGraphicFramePr>
+          <p:cNvPr id="17" name="Table 16">
+            <a:extLst>
+              <a:ext uri="{FF2B5EF4-FFF2-40B4-BE49-F238E27FC236}">
+                <a16:creationId xmlns:a16="http://schemas.microsoft.com/office/drawing/2014/main" id="{DE49DF50-E67B-DECD-9B0D-B573A828214E}"/>
+              </a:ext>
+            </a:extLst>
+          </p:cNvPr>
+          <p:cNvGraphicFramePr>
+            <a:graphicFrameLocks noGrp="1"/>
+          </p:cNvGraphicFramePr>
+          <p:nvPr/>
+        </p:nvGraphicFramePr>
+        <p:xfrm>
+          <a:off x="5607050" y="2435352"/>
+          <a:ext cx="1463040" cy="1463040"/>
+        </p:xfrm>
+        <a:graphic>
+          <a:graphicData uri="http://schemas.openxmlformats.org/drawingml/2006/table">
+            <a:tbl>
+              <a:tblPr firstRow="1" bandRow="1">
+                <a:tableStyleId>{5940675A-B579-460E-94D1-54222C63F5DA}</a:tableStyleId>
+              </a:tblPr>
+              <a:tblGrid>
+                <a:gridCol w="365760">
+                  <a:extLst>
+                    <a:ext uri="{9D8B030D-6E8A-4147-A177-3AD203B41FA5}">
+                      <a16:colId xmlns:a16="http://schemas.microsoft.com/office/drawing/2014/main" val="3508477746"/>
+                    </a:ext>
+                  </a:extLst>
+                </a:gridCol>
+                <a:gridCol w="365760">
+                  <a:extLst>
+                    <a:ext uri="{9D8B030D-6E8A-4147-A177-3AD203B41FA5}">
+                      <a16:colId xmlns:a16="http://schemas.microsoft.com/office/drawing/2014/main" val="4089101588"/>
+                    </a:ext>
+                  </a:extLst>
+                </a:gridCol>
+                <a:gridCol w="365760">
+                  <a:extLst>
+                    <a:ext uri="{9D8B030D-6E8A-4147-A177-3AD203B41FA5}">
+                      <a16:colId xmlns:a16="http://schemas.microsoft.com/office/drawing/2014/main" val="111887204"/>
+                    </a:ext>
+                  </a:extLst>
+                </a:gridCol>
+                <a:gridCol w="365760">
+                  <a:extLst>
+                    <a:ext uri="{9D8B030D-6E8A-4147-A177-3AD203B41FA5}">
+                      <a16:colId xmlns:a16="http://schemas.microsoft.com/office/drawing/2014/main" val="4067215328"/>
+                    </a:ext>
+                  </a:extLst>
+                </a:gridCol>
+              </a:tblGrid>
+              <a:tr h="342900">
+                <a:tc>
+                  <a:txBody>
+                    <a:bodyPr/>
+                    <a:lstStyle/>
+                    <a:p>
+                      <a:endParaRPr lang="en-US" dirty="0"/>
+                    </a:p>
+                  </a:txBody>
+                  <a:tcPr>
+                    <a:solidFill>
+                      <a:schemeClr val="bg1">
+                        <a:lumMod val="85000"/>
+                      </a:schemeClr>
+                    </a:solidFill>
+                  </a:tcPr>
+                </a:tc>
+                <a:tc>
+                  <a:txBody>
+                    <a:bodyPr/>
+                    <a:lstStyle/>
+                    <a:p>
+                      <a:endParaRPr lang="en-US" dirty="0"/>
+                    </a:p>
+                  </a:txBody>
+                  <a:tcPr>
+                    <a:solidFill>
+                      <a:schemeClr val="bg1"/>
+                    </a:solidFill>
+                  </a:tcPr>
+                </a:tc>
+                <a:tc>
+                  <a:txBody>
+                    <a:bodyPr/>
+                    <a:lstStyle/>
+                    <a:p>
+                      <a:endParaRPr lang="en-US"/>
+                    </a:p>
+                  </a:txBody>
+                  <a:tcPr>
+                    <a:solidFill>
+                      <a:schemeClr val="bg1"/>
+                    </a:solidFill>
+                  </a:tcPr>
+                </a:tc>
+                <a:tc>
+                  <a:txBody>
+                    <a:bodyPr/>
+                    <a:lstStyle/>
+                    <a:p>
+                      <a:endParaRPr lang="en-US" dirty="0"/>
+                    </a:p>
+                  </a:txBody>
+                  <a:tcPr>
+                    <a:solidFill>
+                      <a:schemeClr val="bg1"/>
+                    </a:solidFill>
+                  </a:tcPr>
+                </a:tc>
+                <a:extLst>
+                  <a:ext uri="{0D108BD9-81ED-4DB2-BD59-A6C34878D82A}">
+                    <a16:rowId xmlns:a16="http://schemas.microsoft.com/office/drawing/2014/main" val="3192338247"/>
+                  </a:ext>
+                </a:extLst>
+              </a:tr>
+              <a:tr h="342900">
+                <a:tc>
+                  <a:txBody>
+                    <a:bodyPr/>
+                    <a:lstStyle/>
+                    <a:p>
+                      <a:endParaRPr lang="en-US"/>
+                    </a:p>
+                  </a:txBody>
+                  <a:tcPr>
+                    <a:solidFill>
+                      <a:schemeClr val="bg1"/>
+                    </a:solidFill>
+                  </a:tcPr>
+                </a:tc>
+                <a:tc>
+                  <a:txBody>
+                    <a:bodyPr/>
+                    <a:lstStyle/>
+                    <a:p>
+                      <a:endParaRPr lang="en-US" dirty="0"/>
+                    </a:p>
+                  </a:txBody>
+                  <a:tcPr>
+                    <a:solidFill>
+                      <a:schemeClr val="bg1"/>
+                    </a:solidFill>
+                  </a:tcPr>
+                </a:tc>
+                <a:tc>
+                  <a:txBody>
+                    <a:bodyPr/>
+                    <a:lstStyle/>
+                    <a:p>
+                      <a:endParaRPr lang="en-US" dirty="0"/>
+                    </a:p>
+                  </a:txBody>
+                  <a:tcPr>
+                    <a:solidFill>
+                      <a:schemeClr val="bg1"/>
+                    </a:solidFill>
+                  </a:tcPr>
+                </a:tc>
+                <a:tc>
+                  <a:txBody>
+                    <a:bodyPr/>
+                    <a:lstStyle/>
+                    <a:p>
+                      <a:endParaRPr lang="en-US" dirty="0"/>
+                    </a:p>
+                  </a:txBody>
+                  <a:tcPr>
+                    <a:solidFill>
+                      <a:schemeClr val="bg1"/>
+                    </a:solidFill>
+                  </a:tcPr>
+                </a:tc>
+                <a:extLst>
+                  <a:ext uri="{0D108BD9-81ED-4DB2-BD59-A6C34878D82A}">
+                    <a16:rowId xmlns:a16="http://schemas.microsoft.com/office/drawing/2014/main" val="3498735479"/>
+                  </a:ext>
+                </a:extLst>
+              </a:tr>
+              <a:tr h="342900">
+                <a:tc>
+                  <a:txBody>
+                    <a:bodyPr/>
+                    <a:lstStyle/>
+                    <a:p>
+                      <a:endParaRPr lang="en-US"/>
+                    </a:p>
+                  </a:txBody>
+                  <a:tcPr>
+                    <a:solidFill>
+                      <a:schemeClr val="bg1"/>
+                    </a:solidFill>
+                  </a:tcPr>
+                </a:tc>
+                <a:tc>
+                  <a:txBody>
+                    <a:bodyPr/>
+                    <a:lstStyle/>
+                    <a:p>
+                      <a:endParaRPr lang="en-US" dirty="0"/>
+                    </a:p>
+                  </a:txBody>
+                  <a:tcPr>
+                    <a:solidFill>
+                      <a:schemeClr val="bg1"/>
+                    </a:solidFill>
+                  </a:tcPr>
+                </a:tc>
+                <a:tc>
+                  <a:txBody>
+                    <a:bodyPr/>
+                    <a:lstStyle/>
+                    <a:p>
+                      <a:endParaRPr lang="en-US" dirty="0"/>
+                    </a:p>
+                  </a:txBody>
+                  <a:tcPr>
+                    <a:solidFill>
+                      <a:schemeClr val="bg1"/>
+                    </a:solidFill>
+                  </a:tcPr>
+                </a:tc>
+                <a:tc>
+                  <a:txBody>
+                    <a:bodyPr/>
+                    <a:lstStyle/>
+                    <a:p>
+                      <a:endParaRPr lang="en-US" dirty="0"/>
+                    </a:p>
+                  </a:txBody>
+                  <a:tcPr>
+                    <a:solidFill>
+                      <a:schemeClr val="bg1"/>
+                    </a:solidFill>
+                  </a:tcPr>
+                </a:tc>
+                <a:extLst>
+                  <a:ext uri="{0D108BD9-81ED-4DB2-BD59-A6C34878D82A}">
+                    <a16:rowId xmlns:a16="http://schemas.microsoft.com/office/drawing/2014/main" val="1174298057"/>
+                  </a:ext>
+                </a:extLst>
+              </a:tr>
+              <a:tr h="342900">
+                <a:tc>
+                  <a:txBody>
+                    <a:bodyPr/>
+                    <a:lstStyle/>
+                    <a:p>
+                      <a:endParaRPr lang="en-US" dirty="0"/>
+                    </a:p>
+                  </a:txBody>
+                  <a:tcPr>
+                    <a:solidFill>
+                      <a:schemeClr val="bg1"/>
+                    </a:solidFill>
+                  </a:tcPr>
+                </a:tc>
+                <a:tc>
+                  <a:txBody>
+                    <a:bodyPr/>
+                    <a:lstStyle/>
+                    <a:p>
+                      <a:endParaRPr lang="en-US" dirty="0"/>
+                    </a:p>
+                  </a:txBody>
+                  <a:tcPr>
+                    <a:solidFill>
+                      <a:schemeClr val="bg1"/>
+                    </a:solidFill>
+                  </a:tcPr>
+                </a:tc>
+                <a:tc>
+                  <a:txBody>
+                    <a:bodyPr/>
+                    <a:lstStyle/>
+                    <a:p>
+                      <a:endParaRPr lang="en-US" dirty="0"/>
+                    </a:p>
+                  </a:txBody>
+                  <a:tcPr>
+                    <a:solidFill>
+                      <a:schemeClr val="bg1"/>
+                    </a:solidFill>
+                  </a:tcPr>
+                </a:tc>
+                <a:tc>
+                  <a:txBody>
+                    <a:bodyPr/>
+                    <a:lstStyle/>
+                    <a:p>
+                      <a:endParaRPr lang="en-US" dirty="0"/>
+                    </a:p>
+                  </a:txBody>
+                  <a:tcPr>
+                    <a:solidFill>
+                      <a:schemeClr val="bg1"/>
+                    </a:solidFill>
+                  </a:tcPr>
+                </a:tc>
+                <a:extLst>
+                  <a:ext uri="{0D108BD9-81ED-4DB2-BD59-A6C34878D82A}">
+                    <a16:rowId xmlns:a16="http://schemas.microsoft.com/office/drawing/2014/main" val="2901935234"/>
+                  </a:ext>
+                </a:extLst>
+              </a:tr>
+            </a:tbl>
+          </a:graphicData>
+        </a:graphic>
+      </p:graphicFrame>
+      <p:graphicFrame>
+        <p:nvGraphicFramePr>
+          <p:cNvPr id="18" name="Table 17">
+            <a:extLst>
+              <a:ext uri="{FF2B5EF4-FFF2-40B4-BE49-F238E27FC236}">
+                <a16:creationId xmlns:a16="http://schemas.microsoft.com/office/drawing/2014/main" id="{7FE73F91-CC4D-B8D9-A3EC-09FE738A7E8C}"/>
+              </a:ext>
+            </a:extLst>
+          </p:cNvPr>
+          <p:cNvGraphicFramePr>
+            <a:graphicFrameLocks noGrp="1"/>
+          </p:cNvGraphicFramePr>
+          <p:nvPr/>
+        </p:nvGraphicFramePr>
+        <p:xfrm>
+          <a:off x="7239000" y="2435352"/>
+          <a:ext cx="1463040" cy="1463040"/>
+        </p:xfrm>
+        <a:graphic>
+          <a:graphicData uri="http://schemas.openxmlformats.org/drawingml/2006/table">
+            <a:tbl>
+              <a:tblPr firstRow="1" bandRow="1">
+                <a:tableStyleId>{5940675A-B579-460E-94D1-54222C63F5DA}</a:tableStyleId>
+              </a:tblPr>
+              <a:tblGrid>
+                <a:gridCol w="365760">
+                  <a:extLst>
+                    <a:ext uri="{9D8B030D-6E8A-4147-A177-3AD203B41FA5}">
+                      <a16:colId xmlns:a16="http://schemas.microsoft.com/office/drawing/2014/main" val="3508477746"/>
+                    </a:ext>
+                  </a:extLst>
+                </a:gridCol>
+                <a:gridCol w="365760">
+                  <a:extLst>
+                    <a:ext uri="{9D8B030D-6E8A-4147-A177-3AD203B41FA5}">
+                      <a16:colId xmlns:a16="http://schemas.microsoft.com/office/drawing/2014/main" val="4089101588"/>
+                    </a:ext>
+                  </a:extLst>
+                </a:gridCol>
+                <a:gridCol w="365760">
+                  <a:extLst>
+                    <a:ext uri="{9D8B030D-6E8A-4147-A177-3AD203B41FA5}">
+                      <a16:colId xmlns:a16="http://schemas.microsoft.com/office/drawing/2014/main" val="111887204"/>
+                    </a:ext>
+                  </a:extLst>
+                </a:gridCol>
+                <a:gridCol w="365760">
+                  <a:extLst>
+                    <a:ext uri="{9D8B030D-6E8A-4147-A177-3AD203B41FA5}">
+                      <a16:colId xmlns:a16="http://schemas.microsoft.com/office/drawing/2014/main" val="4067215328"/>
+                    </a:ext>
+                  </a:extLst>
+                </a:gridCol>
+              </a:tblGrid>
+              <a:tr h="342900">
+                <a:tc>
+                  <a:txBody>
+                    <a:bodyPr/>
+                    <a:lstStyle/>
+                    <a:p>
+                      <a:endParaRPr lang="en-US" dirty="0"/>
+                    </a:p>
+                  </a:txBody>
+                  <a:tcPr>
+                    <a:solidFill>
+                      <a:schemeClr val="bg1">
+                        <a:lumMod val="85000"/>
+                      </a:schemeClr>
+                    </a:solidFill>
+                  </a:tcPr>
+                </a:tc>
+                <a:tc>
+                  <a:txBody>
+                    <a:bodyPr/>
+                    <a:lstStyle/>
+                    <a:p>
+                      <a:endParaRPr lang="en-US" dirty="0"/>
+                    </a:p>
+                  </a:txBody>
+                  <a:tcPr>
+                    <a:solidFill>
+                      <a:schemeClr val="bg1"/>
+                    </a:solidFill>
+                  </a:tcPr>
+                </a:tc>
+                <a:tc>
+                  <a:txBody>
+                    <a:bodyPr/>
+                    <a:lstStyle/>
+                    <a:p>
+                      <a:endParaRPr lang="en-US"/>
+                    </a:p>
+                  </a:txBody>
+                  <a:tcPr>
+                    <a:solidFill>
+                      <a:schemeClr val="bg1"/>
+                    </a:solidFill>
+                  </a:tcPr>
+                </a:tc>
+                <a:tc>
+                  <a:txBody>
+                    <a:bodyPr/>
+                    <a:lstStyle/>
+                    <a:p>
+                      <a:endParaRPr lang="en-US" dirty="0"/>
+                    </a:p>
+                  </a:txBody>
+                  <a:tcPr>
+                    <a:solidFill>
+                      <a:schemeClr val="bg1"/>
+                    </a:solidFill>
+                  </a:tcPr>
+                </a:tc>
+                <a:extLst>
+                  <a:ext uri="{0D108BD9-81ED-4DB2-BD59-A6C34878D82A}">
+                    <a16:rowId xmlns:a16="http://schemas.microsoft.com/office/drawing/2014/main" val="3192338247"/>
+                  </a:ext>
+                </a:extLst>
+              </a:tr>
+              <a:tr h="342900">
+                <a:tc>
+                  <a:txBody>
+                    <a:bodyPr/>
+                    <a:lstStyle/>
+                    <a:p>
+                      <a:endParaRPr lang="en-US"/>
+                    </a:p>
+                  </a:txBody>
+                  <a:tcPr>
+                    <a:solidFill>
+                      <a:schemeClr val="bg1"/>
+                    </a:solidFill>
+                  </a:tcPr>
+                </a:tc>
+                <a:tc>
+                  <a:txBody>
+                    <a:bodyPr/>
+                    <a:lstStyle/>
+                    <a:p>
+                      <a:endParaRPr lang="en-US" dirty="0"/>
+                    </a:p>
+                  </a:txBody>
+                  <a:tcPr>
+                    <a:solidFill>
+                      <a:schemeClr val="bg1"/>
+                    </a:solidFill>
+                  </a:tcPr>
+                </a:tc>
+                <a:tc>
+                  <a:txBody>
+                    <a:bodyPr/>
+                    <a:lstStyle/>
+                    <a:p>
+                      <a:endParaRPr lang="en-US" dirty="0"/>
+                    </a:p>
+                  </a:txBody>
+                  <a:tcPr>
+                    <a:solidFill>
+                      <a:schemeClr val="bg1"/>
+                    </a:solidFill>
+                  </a:tcPr>
+                </a:tc>
+                <a:tc>
+                  <a:txBody>
+                    <a:bodyPr/>
+                    <a:lstStyle/>
+                    <a:p>
+                      <a:endParaRPr lang="en-US" dirty="0"/>
+                    </a:p>
+                  </a:txBody>
+                  <a:tcPr>
+                    <a:solidFill>
+                      <a:schemeClr val="bg1"/>
+                    </a:solidFill>
+                  </a:tcPr>
+                </a:tc>
+                <a:extLst>
+                  <a:ext uri="{0D108BD9-81ED-4DB2-BD59-A6C34878D82A}">
+                    <a16:rowId xmlns:a16="http://schemas.microsoft.com/office/drawing/2014/main" val="3498735479"/>
+                  </a:ext>
+                </a:extLst>
+              </a:tr>
+              <a:tr h="342900">
+                <a:tc>
+                  <a:txBody>
+                    <a:bodyPr/>
+                    <a:lstStyle/>
+                    <a:p>
+                      <a:endParaRPr lang="en-US"/>
+                    </a:p>
+                  </a:txBody>
+                  <a:tcPr>
+                    <a:solidFill>
+                      <a:schemeClr val="bg1"/>
+                    </a:solidFill>
+                  </a:tcPr>
+                </a:tc>
+                <a:tc>
+                  <a:txBody>
+                    <a:bodyPr/>
+                    <a:lstStyle/>
+                    <a:p>
+                      <a:endParaRPr lang="en-US" dirty="0"/>
+                    </a:p>
+                  </a:txBody>
+                  <a:tcPr>
+                    <a:solidFill>
+                      <a:schemeClr val="bg1"/>
+                    </a:solidFill>
+                  </a:tcPr>
+                </a:tc>
+                <a:tc>
+                  <a:txBody>
+                    <a:bodyPr/>
+                    <a:lstStyle/>
+                    <a:p>
+                      <a:endParaRPr lang="en-US" dirty="0"/>
+                    </a:p>
+                  </a:txBody>
+                  <a:tcPr>
+                    <a:solidFill>
+                      <a:schemeClr val="bg1"/>
+                    </a:solidFill>
+                  </a:tcPr>
+                </a:tc>
+                <a:tc>
+                  <a:txBody>
+                    <a:bodyPr/>
+                    <a:lstStyle/>
+                    <a:p>
+                      <a:endParaRPr lang="en-US" dirty="0"/>
+                    </a:p>
+                  </a:txBody>
+                  <a:tcPr>
+                    <a:solidFill>
+                      <a:schemeClr val="bg1"/>
+                    </a:solidFill>
+                  </a:tcPr>
+                </a:tc>
+                <a:extLst>
+                  <a:ext uri="{0D108BD9-81ED-4DB2-BD59-A6C34878D82A}">
+                    <a16:rowId xmlns:a16="http://schemas.microsoft.com/office/drawing/2014/main" val="1174298057"/>
+                  </a:ext>
+                </a:extLst>
+              </a:tr>
+              <a:tr h="342900">
+                <a:tc>
+                  <a:txBody>
+                    <a:bodyPr/>
+                    <a:lstStyle/>
+                    <a:p>
+                      <a:endParaRPr lang="en-US" dirty="0"/>
+                    </a:p>
+                  </a:txBody>
+                  <a:tcPr>
+                    <a:solidFill>
+                      <a:schemeClr val="bg1"/>
+                    </a:solidFill>
+                  </a:tcPr>
+                </a:tc>
+                <a:tc>
+                  <a:txBody>
+                    <a:bodyPr/>
+                    <a:lstStyle/>
+                    <a:p>
+                      <a:endParaRPr lang="en-US" dirty="0"/>
+                    </a:p>
+                  </a:txBody>
+                  <a:tcPr>
+                    <a:solidFill>
+                      <a:schemeClr val="bg1"/>
+                    </a:solidFill>
+                  </a:tcPr>
+                </a:tc>
+                <a:tc>
+                  <a:txBody>
+                    <a:bodyPr/>
+                    <a:lstStyle/>
+                    <a:p>
+                      <a:endParaRPr lang="en-US" dirty="0"/>
+                    </a:p>
+                  </a:txBody>
+                  <a:tcPr>
+                    <a:solidFill>
+                      <a:schemeClr val="bg1"/>
+                    </a:solidFill>
+                  </a:tcPr>
+                </a:tc>
+                <a:tc>
+                  <a:txBody>
+                    <a:bodyPr/>
+                    <a:lstStyle/>
+                    <a:p>
+                      <a:endParaRPr lang="en-US" dirty="0"/>
+                    </a:p>
+                  </a:txBody>
+                  <a:tcPr>
+                    <a:solidFill>
+                      <a:schemeClr val="bg1"/>
+                    </a:solidFill>
+                  </a:tcPr>
+                </a:tc>
+                <a:extLst>
+                  <a:ext uri="{0D108BD9-81ED-4DB2-BD59-A6C34878D82A}">
+                    <a16:rowId xmlns:a16="http://schemas.microsoft.com/office/drawing/2014/main" val="2901935234"/>
+                  </a:ext>
+                </a:extLst>
+              </a:tr>
+            </a:tbl>
+          </a:graphicData>
+        </a:graphic>
+      </p:graphicFrame>
+      <p:graphicFrame>
+        <p:nvGraphicFramePr>
+          <p:cNvPr id="19" name="Table 18">
+            <a:extLst>
+              <a:ext uri="{FF2B5EF4-FFF2-40B4-BE49-F238E27FC236}">
+                <a16:creationId xmlns:a16="http://schemas.microsoft.com/office/drawing/2014/main" id="{8A44E5D5-56F6-9209-41BF-3F99A9261CBB}"/>
+              </a:ext>
+            </a:extLst>
+          </p:cNvPr>
+          <p:cNvGraphicFramePr>
+            <a:graphicFrameLocks noGrp="1"/>
+          </p:cNvGraphicFramePr>
+          <p:nvPr/>
+        </p:nvGraphicFramePr>
+        <p:xfrm>
+          <a:off x="9499600" y="2435352"/>
+          <a:ext cx="1463040" cy="1463040"/>
+        </p:xfrm>
+        <a:graphic>
+          <a:graphicData uri="http://schemas.openxmlformats.org/drawingml/2006/table">
+            <a:tbl>
+              <a:tblPr firstRow="1" bandRow="1">
+                <a:tableStyleId>{5940675A-B579-460E-94D1-54222C63F5DA}</a:tableStyleId>
+              </a:tblPr>
+              <a:tblGrid>
+                <a:gridCol w="365760">
+                  <a:extLst>
+                    <a:ext uri="{9D8B030D-6E8A-4147-A177-3AD203B41FA5}">
+                      <a16:colId xmlns:a16="http://schemas.microsoft.com/office/drawing/2014/main" val="3508477746"/>
+                    </a:ext>
+                  </a:extLst>
+                </a:gridCol>
+                <a:gridCol w="365760">
+                  <a:extLst>
+                    <a:ext uri="{9D8B030D-6E8A-4147-A177-3AD203B41FA5}">
+                      <a16:colId xmlns:a16="http://schemas.microsoft.com/office/drawing/2014/main" val="4089101588"/>
+                    </a:ext>
+                  </a:extLst>
+                </a:gridCol>
+                <a:gridCol w="365760">
+                  <a:extLst>
+                    <a:ext uri="{9D8B030D-6E8A-4147-A177-3AD203B41FA5}">
+                      <a16:colId xmlns:a16="http://schemas.microsoft.com/office/drawing/2014/main" val="111887204"/>
+                    </a:ext>
+                  </a:extLst>
+                </a:gridCol>
+                <a:gridCol w="365760">
+                  <a:extLst>
+                    <a:ext uri="{9D8B030D-6E8A-4147-A177-3AD203B41FA5}">
+                      <a16:colId xmlns:a16="http://schemas.microsoft.com/office/drawing/2014/main" val="4067215328"/>
+                    </a:ext>
+                  </a:extLst>
+                </a:gridCol>
+              </a:tblGrid>
+              <a:tr h="342900">
+                <a:tc>
+                  <a:txBody>
+                    <a:bodyPr/>
+                    <a:lstStyle/>
+                    <a:p>
+                      <a:endParaRPr lang="en-US" dirty="0"/>
+                    </a:p>
+                  </a:txBody>
+                  <a:tcPr>
+                    <a:solidFill>
+                      <a:schemeClr val="bg1">
+                        <a:lumMod val="85000"/>
+                      </a:schemeClr>
+                    </a:solidFill>
+                  </a:tcPr>
+                </a:tc>
+                <a:tc>
+                  <a:txBody>
+                    <a:bodyPr/>
+                    <a:lstStyle/>
+                    <a:p>
+                      <a:endParaRPr lang="en-US" dirty="0"/>
+                    </a:p>
+                  </a:txBody>
+                  <a:tcPr>
+                    <a:solidFill>
+                      <a:schemeClr val="bg1"/>
+                    </a:solidFill>
+                  </a:tcPr>
+                </a:tc>
+                <a:tc>
+                  <a:txBody>
+                    <a:bodyPr/>
+                    <a:lstStyle/>
+                    <a:p>
+                      <a:endParaRPr lang="en-US"/>
+                    </a:p>
+                  </a:txBody>
+                  <a:tcPr>
+                    <a:solidFill>
+                      <a:schemeClr val="bg1"/>
+                    </a:solidFill>
+                  </a:tcPr>
+                </a:tc>
+                <a:tc>
+                  <a:txBody>
+                    <a:bodyPr/>
+                    <a:lstStyle/>
+                    <a:p>
+                      <a:endParaRPr lang="en-US" dirty="0"/>
+                    </a:p>
+                  </a:txBody>
+                  <a:tcPr>
+                    <a:solidFill>
+                      <a:schemeClr val="bg1"/>
+                    </a:solidFill>
+                  </a:tcPr>
+                </a:tc>
+                <a:extLst>
+                  <a:ext uri="{0D108BD9-81ED-4DB2-BD59-A6C34878D82A}">
+                    <a16:rowId xmlns:a16="http://schemas.microsoft.com/office/drawing/2014/main" val="3192338247"/>
+                  </a:ext>
+                </a:extLst>
+              </a:tr>
+              <a:tr h="342900">
+                <a:tc>
+                  <a:txBody>
+                    <a:bodyPr/>
+                    <a:lstStyle/>
+                    <a:p>
+                      <a:endParaRPr lang="en-US"/>
+                    </a:p>
+                  </a:txBody>
+                  <a:tcPr>
+                    <a:solidFill>
+                      <a:schemeClr val="bg1"/>
+                    </a:solidFill>
+                  </a:tcPr>
+                </a:tc>
+                <a:tc>
+                  <a:txBody>
+                    <a:bodyPr/>
+                    <a:lstStyle/>
+                    <a:p>
+                      <a:endParaRPr lang="en-US" dirty="0"/>
+                    </a:p>
+                  </a:txBody>
+                  <a:tcPr>
+                    <a:solidFill>
+                      <a:schemeClr val="bg1"/>
+                    </a:solidFill>
+                  </a:tcPr>
+                </a:tc>
+                <a:tc>
+                  <a:txBody>
+                    <a:bodyPr/>
+                    <a:lstStyle/>
+                    <a:p>
+                      <a:endParaRPr lang="en-US" dirty="0"/>
+                    </a:p>
+                  </a:txBody>
+                  <a:tcPr>
+                    <a:solidFill>
+                      <a:schemeClr val="bg1"/>
+                    </a:solidFill>
+                  </a:tcPr>
+                </a:tc>
+                <a:tc>
+                  <a:txBody>
+                    <a:bodyPr/>
+                    <a:lstStyle/>
+                    <a:p>
+                      <a:endParaRPr lang="en-US" dirty="0"/>
+                    </a:p>
+                  </a:txBody>
+                  <a:tcPr>
+                    <a:solidFill>
+                      <a:schemeClr val="bg1"/>
+                    </a:solidFill>
+                  </a:tcPr>
+                </a:tc>
+                <a:extLst>
+                  <a:ext uri="{0D108BD9-81ED-4DB2-BD59-A6C34878D82A}">
+                    <a16:rowId xmlns:a16="http://schemas.microsoft.com/office/drawing/2014/main" val="3498735479"/>
+                  </a:ext>
+                </a:extLst>
+              </a:tr>
+              <a:tr h="342900">
+                <a:tc>
+                  <a:txBody>
+                    <a:bodyPr/>
+                    <a:lstStyle/>
+                    <a:p>
+                      <a:endParaRPr lang="en-US"/>
+                    </a:p>
+                  </a:txBody>
+                  <a:tcPr>
+                    <a:solidFill>
+                      <a:schemeClr val="bg1"/>
+                    </a:solidFill>
+                  </a:tcPr>
+                </a:tc>
+                <a:tc>
+                  <a:txBody>
+                    <a:bodyPr/>
+                    <a:lstStyle/>
+                    <a:p>
+                      <a:endParaRPr lang="en-US" dirty="0"/>
+                    </a:p>
+                  </a:txBody>
+                  <a:tcPr>
+                    <a:solidFill>
+                      <a:schemeClr val="bg1"/>
+                    </a:solidFill>
+                  </a:tcPr>
+                </a:tc>
+                <a:tc>
+                  <a:txBody>
+                    <a:bodyPr/>
+                    <a:lstStyle/>
+                    <a:p>
+                      <a:endParaRPr lang="en-US" dirty="0"/>
+                    </a:p>
+                  </a:txBody>
+                  <a:tcPr>
+                    <a:solidFill>
+                      <a:schemeClr val="bg1"/>
+                    </a:solidFill>
+                  </a:tcPr>
+                </a:tc>
+                <a:tc>
+                  <a:txBody>
+                    <a:bodyPr/>
+                    <a:lstStyle/>
+                    <a:p>
+                      <a:endParaRPr lang="en-US" dirty="0"/>
+                    </a:p>
+                  </a:txBody>
+                  <a:tcPr>
+                    <a:solidFill>
+                      <a:schemeClr val="bg1"/>
+                    </a:solidFill>
+                  </a:tcPr>
+                </a:tc>
+                <a:extLst>
+                  <a:ext uri="{0D108BD9-81ED-4DB2-BD59-A6C34878D82A}">
+                    <a16:rowId xmlns:a16="http://schemas.microsoft.com/office/drawing/2014/main" val="1174298057"/>
+                  </a:ext>
+                </a:extLst>
+              </a:tr>
+              <a:tr h="342900">
+                <a:tc>
+                  <a:txBody>
+                    <a:bodyPr/>
+                    <a:lstStyle/>
+                    <a:p>
+                      <a:endParaRPr lang="en-US" dirty="0"/>
+                    </a:p>
+                  </a:txBody>
+                  <a:tcPr>
+                    <a:solidFill>
+                      <a:schemeClr val="bg1"/>
+                    </a:solidFill>
+                  </a:tcPr>
+                </a:tc>
+                <a:tc>
+                  <a:txBody>
+                    <a:bodyPr/>
+                    <a:lstStyle/>
+                    <a:p>
+                      <a:endParaRPr lang="en-US" dirty="0"/>
+                    </a:p>
+                  </a:txBody>
+                  <a:tcPr>
+                    <a:solidFill>
+                      <a:schemeClr val="bg1"/>
+                    </a:solidFill>
+                  </a:tcPr>
+                </a:tc>
+                <a:tc>
+                  <a:txBody>
+                    <a:bodyPr/>
+                    <a:lstStyle/>
+                    <a:p>
+                      <a:endParaRPr lang="en-US" dirty="0"/>
+                    </a:p>
+                  </a:txBody>
+                  <a:tcPr>
+                    <a:solidFill>
+                      <a:schemeClr val="bg1"/>
+                    </a:solidFill>
+                  </a:tcPr>
+                </a:tc>
+                <a:tc>
+                  <a:txBody>
+                    <a:bodyPr/>
+                    <a:lstStyle/>
+                    <a:p>
+                      <a:endParaRPr lang="en-US" dirty="0"/>
+                    </a:p>
+                  </a:txBody>
+                  <a:tcPr>
+                    <a:solidFill>
+                      <a:schemeClr val="bg1"/>
+                    </a:solidFill>
+                  </a:tcPr>
+                </a:tc>
+                <a:extLst>
+                  <a:ext uri="{0D108BD9-81ED-4DB2-BD59-A6C34878D82A}">
+                    <a16:rowId xmlns:a16="http://schemas.microsoft.com/office/drawing/2014/main" val="2901935234"/>
+                  </a:ext>
+                </a:extLst>
+              </a:tr>
+            </a:tbl>
+          </a:graphicData>
+        </a:graphic>
+      </p:graphicFrame>
+      <p:graphicFrame>
+        <p:nvGraphicFramePr>
+          <p:cNvPr id="20" name="Table 19">
+            <a:extLst>
+              <a:ext uri="{FF2B5EF4-FFF2-40B4-BE49-F238E27FC236}">
+                <a16:creationId xmlns:a16="http://schemas.microsoft.com/office/drawing/2014/main" id="{122D4F77-77C5-757C-E77C-88D8ADC5FC10}"/>
+              </a:ext>
+            </a:extLst>
+          </p:cNvPr>
+          <p:cNvGraphicFramePr>
+            <a:graphicFrameLocks noGrp="1"/>
+          </p:cNvGraphicFramePr>
+          <p:nvPr/>
+        </p:nvGraphicFramePr>
+        <p:xfrm>
+          <a:off x="5607050" y="4695952"/>
+          <a:ext cx="1463040" cy="1463040"/>
+        </p:xfrm>
+        <a:graphic>
+          <a:graphicData uri="http://schemas.openxmlformats.org/drawingml/2006/table">
+            <a:tbl>
+              <a:tblPr firstRow="1" bandRow="1">
+                <a:tableStyleId>{5940675A-B579-460E-94D1-54222C63F5DA}</a:tableStyleId>
+              </a:tblPr>
+              <a:tblGrid>
+                <a:gridCol w="365760">
+                  <a:extLst>
+                    <a:ext uri="{9D8B030D-6E8A-4147-A177-3AD203B41FA5}">
+                      <a16:colId xmlns:a16="http://schemas.microsoft.com/office/drawing/2014/main" val="3508477746"/>
+                    </a:ext>
+                  </a:extLst>
+                </a:gridCol>
+                <a:gridCol w="365760">
+                  <a:extLst>
+                    <a:ext uri="{9D8B030D-6E8A-4147-A177-3AD203B41FA5}">
+                      <a16:colId xmlns:a16="http://schemas.microsoft.com/office/drawing/2014/main" val="4089101588"/>
+                    </a:ext>
+                  </a:extLst>
+                </a:gridCol>
+                <a:gridCol w="365760">
+                  <a:extLst>
+                    <a:ext uri="{9D8B030D-6E8A-4147-A177-3AD203B41FA5}">
+                      <a16:colId xmlns:a16="http://schemas.microsoft.com/office/drawing/2014/main" val="111887204"/>
+                    </a:ext>
+                  </a:extLst>
+                </a:gridCol>
+                <a:gridCol w="365760">
+                  <a:extLst>
+                    <a:ext uri="{9D8B030D-6E8A-4147-A177-3AD203B41FA5}">
+                      <a16:colId xmlns:a16="http://schemas.microsoft.com/office/drawing/2014/main" val="4067215328"/>
+                    </a:ext>
+                  </a:extLst>
+                </a:gridCol>
+              </a:tblGrid>
+              <a:tr h="342900">
+                <a:tc>
+                  <a:txBody>
+                    <a:bodyPr/>
+                    <a:lstStyle/>
+                    <a:p>
+                      <a:endParaRPr lang="en-US" dirty="0"/>
+                    </a:p>
+                  </a:txBody>
+                  <a:tcPr>
+                    <a:solidFill>
+                      <a:schemeClr val="bg1">
+                        <a:lumMod val="85000"/>
+                      </a:schemeClr>
+                    </a:solidFill>
+                  </a:tcPr>
+                </a:tc>
+                <a:tc>
+                  <a:txBody>
+                    <a:bodyPr/>
+                    <a:lstStyle/>
+                    <a:p>
+                      <a:endParaRPr lang="en-US" dirty="0"/>
+                    </a:p>
+                  </a:txBody>
+                  <a:tcPr>
+                    <a:solidFill>
+                      <a:schemeClr val="bg1"/>
+                    </a:solidFill>
+                  </a:tcPr>
+                </a:tc>
+                <a:tc>
+                  <a:txBody>
+                    <a:bodyPr/>
+                    <a:lstStyle/>
+                    <a:p>
+                      <a:endParaRPr lang="en-US"/>
+                    </a:p>
+                  </a:txBody>
+                  <a:tcPr>
+                    <a:solidFill>
+                      <a:schemeClr val="bg1"/>
+                    </a:solidFill>
+                  </a:tcPr>
+                </a:tc>
+                <a:tc>
+                  <a:txBody>
+                    <a:bodyPr/>
+                    <a:lstStyle/>
+                    <a:p>
+                      <a:endParaRPr lang="en-US" dirty="0"/>
+                    </a:p>
+                  </a:txBody>
+                  <a:tcPr>
+                    <a:solidFill>
+                      <a:schemeClr val="bg1"/>
+                    </a:solidFill>
+                  </a:tcPr>
+                </a:tc>
+                <a:extLst>
+                  <a:ext uri="{0D108BD9-81ED-4DB2-BD59-A6C34878D82A}">
+                    <a16:rowId xmlns:a16="http://schemas.microsoft.com/office/drawing/2014/main" val="3192338247"/>
+                  </a:ext>
+                </a:extLst>
+              </a:tr>
+              <a:tr h="342900">
+                <a:tc>
+                  <a:txBody>
+                    <a:bodyPr/>
+                    <a:lstStyle/>
+                    <a:p>
+                      <a:endParaRPr lang="en-US"/>
+                    </a:p>
+                  </a:txBody>
+                  <a:tcPr>
+                    <a:solidFill>
+                      <a:schemeClr val="bg1"/>
+                    </a:solidFill>
+                  </a:tcPr>
+                </a:tc>
+                <a:tc>
+                  <a:txBody>
+                    <a:bodyPr/>
+                    <a:lstStyle/>
+                    <a:p>
+                      <a:endParaRPr lang="en-US" dirty="0"/>
+                    </a:p>
+                  </a:txBody>
+                  <a:tcPr>
+                    <a:solidFill>
+                      <a:schemeClr val="bg1"/>
+                    </a:solidFill>
+                  </a:tcPr>
+                </a:tc>
+                <a:tc>
+                  <a:txBody>
+                    <a:bodyPr/>
+                    <a:lstStyle/>
+                    <a:p>
+                      <a:endParaRPr lang="en-US" dirty="0"/>
+                    </a:p>
+                  </a:txBody>
+                  <a:tcPr>
+                    <a:solidFill>
+                      <a:schemeClr val="bg1"/>
+                    </a:solidFill>
+                  </a:tcPr>
+                </a:tc>
+                <a:tc>
+                  <a:txBody>
+                    <a:bodyPr/>
+                    <a:lstStyle/>
+                    <a:p>
+                      <a:endParaRPr lang="en-US" dirty="0"/>
+                    </a:p>
+                  </a:txBody>
+                  <a:tcPr>
+                    <a:solidFill>
+                      <a:schemeClr val="bg1"/>
+                    </a:solidFill>
+                  </a:tcPr>
+                </a:tc>
+                <a:extLst>
+                  <a:ext uri="{0D108BD9-81ED-4DB2-BD59-A6C34878D82A}">
+                    <a16:rowId xmlns:a16="http://schemas.microsoft.com/office/drawing/2014/main" val="3498735479"/>
+                  </a:ext>
+                </a:extLst>
+              </a:tr>
+              <a:tr h="342900">
+                <a:tc>
+                  <a:txBody>
+                    <a:bodyPr/>
+                    <a:lstStyle/>
+                    <a:p>
+                      <a:endParaRPr lang="en-US"/>
+                    </a:p>
+                  </a:txBody>
+                  <a:tcPr>
+                    <a:solidFill>
+                      <a:schemeClr val="bg1"/>
+                    </a:solidFill>
+                  </a:tcPr>
+                </a:tc>
+                <a:tc>
+                  <a:txBody>
+                    <a:bodyPr/>
+                    <a:lstStyle/>
+                    <a:p>
+                      <a:endParaRPr lang="en-US" dirty="0"/>
+                    </a:p>
+                  </a:txBody>
+                  <a:tcPr>
+                    <a:solidFill>
+                      <a:schemeClr val="bg1"/>
+                    </a:solidFill>
+                  </a:tcPr>
+                </a:tc>
+                <a:tc>
+                  <a:txBody>
+                    <a:bodyPr/>
+                    <a:lstStyle/>
+                    <a:p>
+                      <a:endParaRPr lang="en-US" dirty="0"/>
+                    </a:p>
+                  </a:txBody>
+                  <a:tcPr>
+                    <a:solidFill>
+                      <a:schemeClr val="bg1"/>
+                    </a:solidFill>
+                  </a:tcPr>
+                </a:tc>
+                <a:tc>
+                  <a:txBody>
+                    <a:bodyPr/>
+                    <a:lstStyle/>
+                    <a:p>
+                      <a:endParaRPr lang="en-US" dirty="0"/>
+                    </a:p>
+                  </a:txBody>
+                  <a:tcPr>
+                    <a:solidFill>
+                      <a:schemeClr val="bg1"/>
+                    </a:solidFill>
+                  </a:tcPr>
+                </a:tc>
+                <a:extLst>
+                  <a:ext uri="{0D108BD9-81ED-4DB2-BD59-A6C34878D82A}">
+                    <a16:rowId xmlns:a16="http://schemas.microsoft.com/office/drawing/2014/main" val="1174298057"/>
+                  </a:ext>
+                </a:extLst>
+              </a:tr>
+              <a:tr h="342900">
+                <a:tc>
+                  <a:txBody>
+                    <a:bodyPr/>
+                    <a:lstStyle/>
+                    <a:p>
+                      <a:endParaRPr lang="en-US" dirty="0"/>
+                    </a:p>
+                  </a:txBody>
+                  <a:tcPr>
+                    <a:solidFill>
+                      <a:schemeClr val="bg1"/>
+                    </a:solidFill>
+                  </a:tcPr>
+                </a:tc>
+                <a:tc>
+                  <a:txBody>
+                    <a:bodyPr/>
+                    <a:lstStyle/>
+                    <a:p>
+                      <a:endParaRPr lang="en-US" dirty="0"/>
+                    </a:p>
+                  </a:txBody>
+                  <a:tcPr>
+                    <a:solidFill>
+                      <a:schemeClr val="bg1"/>
+                    </a:solidFill>
+                  </a:tcPr>
+                </a:tc>
+                <a:tc>
+                  <a:txBody>
+                    <a:bodyPr/>
+                    <a:lstStyle/>
+                    <a:p>
+                      <a:endParaRPr lang="en-US" dirty="0"/>
+                    </a:p>
+                  </a:txBody>
+                  <a:tcPr>
+                    <a:solidFill>
+                      <a:schemeClr val="bg1"/>
+                    </a:solidFill>
+                  </a:tcPr>
+                </a:tc>
+                <a:tc>
+                  <a:txBody>
+                    <a:bodyPr/>
+                    <a:lstStyle/>
+                    <a:p>
+                      <a:endParaRPr lang="en-US" dirty="0"/>
+                    </a:p>
+                  </a:txBody>
+                  <a:tcPr>
+                    <a:solidFill>
+                      <a:schemeClr val="bg1"/>
+                    </a:solidFill>
+                  </a:tcPr>
+                </a:tc>
+                <a:extLst>
+                  <a:ext uri="{0D108BD9-81ED-4DB2-BD59-A6C34878D82A}">
+                    <a16:rowId xmlns:a16="http://schemas.microsoft.com/office/drawing/2014/main" val="2901935234"/>
+                  </a:ext>
+                </a:extLst>
+              </a:tr>
+            </a:tbl>
+          </a:graphicData>
+        </a:graphic>
+      </p:graphicFrame>
+      <p:graphicFrame>
+        <p:nvGraphicFramePr>
+          <p:cNvPr id="21" name="Table 20">
+            <a:extLst>
+              <a:ext uri="{FF2B5EF4-FFF2-40B4-BE49-F238E27FC236}">
+                <a16:creationId xmlns:a16="http://schemas.microsoft.com/office/drawing/2014/main" id="{01330269-4CEE-4F34-2179-DCC842E33DE8}"/>
+              </a:ext>
+            </a:extLst>
+          </p:cNvPr>
+          <p:cNvGraphicFramePr>
+            <a:graphicFrameLocks noGrp="1"/>
+          </p:cNvGraphicFramePr>
+          <p:nvPr/>
+        </p:nvGraphicFramePr>
+        <p:xfrm>
+          <a:off x="7239000" y="4695952"/>
+          <a:ext cx="1463040" cy="1463040"/>
+        </p:xfrm>
+        <a:graphic>
+          <a:graphicData uri="http://schemas.openxmlformats.org/drawingml/2006/table">
+            <a:tbl>
+              <a:tblPr firstRow="1" bandRow="1">
+                <a:tableStyleId>{5940675A-B579-460E-94D1-54222C63F5DA}</a:tableStyleId>
+              </a:tblPr>
+              <a:tblGrid>
+                <a:gridCol w="365760">
+                  <a:extLst>
+                    <a:ext uri="{9D8B030D-6E8A-4147-A177-3AD203B41FA5}">
+                      <a16:colId xmlns:a16="http://schemas.microsoft.com/office/drawing/2014/main" val="3508477746"/>
+                    </a:ext>
+                  </a:extLst>
+                </a:gridCol>
+                <a:gridCol w="365760">
+                  <a:extLst>
+                    <a:ext uri="{9D8B030D-6E8A-4147-A177-3AD203B41FA5}">
+                      <a16:colId xmlns:a16="http://schemas.microsoft.com/office/drawing/2014/main" val="4089101588"/>
+                    </a:ext>
+                  </a:extLst>
+                </a:gridCol>
+                <a:gridCol w="365760">
+                  <a:extLst>
+                    <a:ext uri="{9D8B030D-6E8A-4147-A177-3AD203B41FA5}">
+                      <a16:colId xmlns:a16="http://schemas.microsoft.com/office/drawing/2014/main" val="111887204"/>
+                    </a:ext>
+                  </a:extLst>
+                </a:gridCol>
+                <a:gridCol w="365760">
+                  <a:extLst>
+                    <a:ext uri="{9D8B030D-6E8A-4147-A177-3AD203B41FA5}">
+                      <a16:colId xmlns:a16="http://schemas.microsoft.com/office/drawing/2014/main" val="4067215328"/>
+                    </a:ext>
+                  </a:extLst>
+                </a:gridCol>
+              </a:tblGrid>
+              <a:tr h="342900">
+                <a:tc>
+                  <a:txBody>
+                    <a:bodyPr/>
+                    <a:lstStyle/>
+                    <a:p>
+                      <a:endParaRPr lang="en-US" dirty="0"/>
+                    </a:p>
+                  </a:txBody>
+                  <a:tcPr>
+                    <a:solidFill>
+                      <a:schemeClr val="bg1">
+                        <a:lumMod val="85000"/>
+                      </a:schemeClr>
+                    </a:solidFill>
+                  </a:tcPr>
+                </a:tc>
+                <a:tc>
+                  <a:txBody>
+                    <a:bodyPr/>
+                    <a:lstStyle/>
+                    <a:p>
+                      <a:endParaRPr lang="en-US" dirty="0"/>
+                    </a:p>
+                  </a:txBody>
+                  <a:tcPr>
+                    <a:solidFill>
+                      <a:schemeClr val="bg1"/>
+                    </a:solidFill>
+                  </a:tcPr>
+                </a:tc>
+                <a:tc>
+                  <a:txBody>
+                    <a:bodyPr/>
+                    <a:lstStyle/>
+                    <a:p>
+                      <a:endParaRPr lang="en-US"/>
+                    </a:p>
+                  </a:txBody>
+                  <a:tcPr>
+                    <a:solidFill>
+                      <a:schemeClr val="bg1"/>
+                    </a:solidFill>
+                  </a:tcPr>
+                </a:tc>
+                <a:tc>
+                  <a:txBody>
+                    <a:bodyPr/>
+                    <a:lstStyle/>
+                    <a:p>
+                      <a:endParaRPr lang="en-US" dirty="0"/>
+                    </a:p>
+                  </a:txBody>
+                  <a:tcPr>
+                    <a:solidFill>
+                      <a:schemeClr val="bg1"/>
+                    </a:solidFill>
+                  </a:tcPr>
+                </a:tc>
+                <a:extLst>
+                  <a:ext uri="{0D108BD9-81ED-4DB2-BD59-A6C34878D82A}">
+                    <a16:rowId xmlns:a16="http://schemas.microsoft.com/office/drawing/2014/main" val="3192338247"/>
+                  </a:ext>
+                </a:extLst>
+              </a:tr>
+              <a:tr h="342900">
+                <a:tc>
+                  <a:txBody>
+                    <a:bodyPr/>
+                    <a:lstStyle/>
+                    <a:p>
+                      <a:endParaRPr lang="en-US"/>
+                    </a:p>
+                  </a:txBody>
+                  <a:tcPr>
+                    <a:solidFill>
+                      <a:schemeClr val="bg1"/>
+                    </a:solidFill>
+                  </a:tcPr>
+                </a:tc>
+                <a:tc>
+                  <a:txBody>
+                    <a:bodyPr/>
+                    <a:lstStyle/>
+                    <a:p>
+                      <a:endParaRPr lang="en-US" dirty="0"/>
+                    </a:p>
+                  </a:txBody>
+                  <a:tcPr>
+                    <a:solidFill>
+                      <a:schemeClr val="bg1"/>
+                    </a:solidFill>
+                  </a:tcPr>
+                </a:tc>
+                <a:tc>
+                  <a:txBody>
+                    <a:bodyPr/>
+                    <a:lstStyle/>
+                    <a:p>
+                      <a:endParaRPr lang="en-US" dirty="0"/>
+                    </a:p>
+                  </a:txBody>
+                  <a:tcPr>
+                    <a:solidFill>
+                      <a:schemeClr val="bg1"/>
+                    </a:solidFill>
+                  </a:tcPr>
+                </a:tc>
+                <a:tc>
+                  <a:txBody>
+                    <a:bodyPr/>
+                    <a:lstStyle/>
+                    <a:p>
+                      <a:endParaRPr lang="en-US" dirty="0"/>
+                    </a:p>
+                  </a:txBody>
+                  <a:tcPr>
+                    <a:solidFill>
+                      <a:schemeClr val="bg1"/>
+                    </a:solidFill>
+                  </a:tcPr>
+                </a:tc>
+                <a:extLst>
+                  <a:ext uri="{0D108BD9-81ED-4DB2-BD59-A6C34878D82A}">
+                    <a16:rowId xmlns:a16="http://schemas.microsoft.com/office/drawing/2014/main" val="3498735479"/>
+                  </a:ext>
+                </a:extLst>
+              </a:tr>
+              <a:tr h="342900">
+                <a:tc>
+                  <a:txBody>
+                    <a:bodyPr/>
+                    <a:lstStyle/>
+                    <a:p>
+                      <a:endParaRPr lang="en-US"/>
+                    </a:p>
+                  </a:txBody>
+                  <a:tcPr>
+                    <a:solidFill>
+                      <a:schemeClr val="bg1"/>
+                    </a:solidFill>
+                  </a:tcPr>
+                </a:tc>
+                <a:tc>
+                  <a:txBody>
+                    <a:bodyPr/>
+                    <a:lstStyle/>
+                    <a:p>
+                      <a:endParaRPr lang="en-US" dirty="0"/>
+                    </a:p>
+                  </a:txBody>
+                  <a:tcPr>
+                    <a:solidFill>
+                      <a:schemeClr val="bg1"/>
+                    </a:solidFill>
+                  </a:tcPr>
+                </a:tc>
+                <a:tc>
+                  <a:txBody>
+                    <a:bodyPr/>
+                    <a:lstStyle/>
+                    <a:p>
+                      <a:endParaRPr lang="en-US" dirty="0"/>
+                    </a:p>
+                  </a:txBody>
+                  <a:tcPr>
+                    <a:solidFill>
+                      <a:schemeClr val="bg1"/>
+                    </a:solidFill>
+                  </a:tcPr>
+                </a:tc>
+                <a:tc>
+                  <a:txBody>
+                    <a:bodyPr/>
+                    <a:lstStyle/>
+                    <a:p>
+                      <a:endParaRPr lang="en-US" dirty="0"/>
+                    </a:p>
+                  </a:txBody>
+                  <a:tcPr>
+                    <a:solidFill>
+                      <a:schemeClr val="bg1"/>
+                    </a:solidFill>
+                  </a:tcPr>
+                </a:tc>
+                <a:extLst>
+                  <a:ext uri="{0D108BD9-81ED-4DB2-BD59-A6C34878D82A}">
+                    <a16:rowId xmlns:a16="http://schemas.microsoft.com/office/drawing/2014/main" val="1174298057"/>
+                  </a:ext>
+                </a:extLst>
+              </a:tr>
+              <a:tr h="342900">
+                <a:tc>
+                  <a:txBody>
+                    <a:bodyPr/>
+                    <a:lstStyle/>
+                    <a:p>
+                      <a:endParaRPr lang="en-US" dirty="0"/>
+                    </a:p>
+                  </a:txBody>
+                  <a:tcPr>
+                    <a:solidFill>
+                      <a:schemeClr val="bg1"/>
+                    </a:solidFill>
+                  </a:tcPr>
+                </a:tc>
+                <a:tc>
+                  <a:txBody>
+                    <a:bodyPr/>
+                    <a:lstStyle/>
+                    <a:p>
+                      <a:endParaRPr lang="en-US" dirty="0"/>
+                    </a:p>
+                  </a:txBody>
+                  <a:tcPr>
+                    <a:solidFill>
+                      <a:schemeClr val="bg1"/>
+                    </a:solidFill>
+                  </a:tcPr>
+                </a:tc>
+                <a:tc>
+                  <a:txBody>
+                    <a:bodyPr/>
+                    <a:lstStyle/>
+                    <a:p>
+                      <a:endParaRPr lang="en-US" dirty="0"/>
+                    </a:p>
+                  </a:txBody>
+                  <a:tcPr>
+                    <a:solidFill>
+                      <a:schemeClr val="bg1"/>
+                    </a:solidFill>
+                  </a:tcPr>
+                </a:tc>
+                <a:tc>
+                  <a:txBody>
+                    <a:bodyPr/>
+                    <a:lstStyle/>
+                    <a:p>
+                      <a:endParaRPr lang="en-US" dirty="0"/>
+                    </a:p>
+                  </a:txBody>
+                  <a:tcPr>
+                    <a:solidFill>
+                      <a:schemeClr val="bg1"/>
+                    </a:solidFill>
+                  </a:tcPr>
+                </a:tc>
+                <a:extLst>
+                  <a:ext uri="{0D108BD9-81ED-4DB2-BD59-A6C34878D82A}">
+                    <a16:rowId xmlns:a16="http://schemas.microsoft.com/office/drawing/2014/main" val="2901935234"/>
+                  </a:ext>
+                </a:extLst>
+              </a:tr>
+            </a:tbl>
+          </a:graphicData>
+        </a:graphic>
+      </p:graphicFrame>
+      <p:graphicFrame>
+        <p:nvGraphicFramePr>
+          <p:cNvPr id="22" name="Table 21">
+            <a:extLst>
+              <a:ext uri="{FF2B5EF4-FFF2-40B4-BE49-F238E27FC236}">
+                <a16:creationId xmlns:a16="http://schemas.microsoft.com/office/drawing/2014/main" id="{1964C0FA-C5BD-121E-D9C1-E26A86EA355C}"/>
+              </a:ext>
+            </a:extLst>
+          </p:cNvPr>
+          <p:cNvGraphicFramePr>
+            <a:graphicFrameLocks noGrp="1"/>
+          </p:cNvGraphicFramePr>
+          <p:nvPr/>
+        </p:nvGraphicFramePr>
+        <p:xfrm>
+          <a:off x="9499600" y="4695952"/>
+          <a:ext cx="1463040" cy="1463040"/>
+        </p:xfrm>
+        <a:graphic>
+          <a:graphicData uri="http://schemas.openxmlformats.org/drawingml/2006/table">
+            <a:tbl>
+              <a:tblPr firstRow="1" bandRow="1">
+                <a:tableStyleId>{5940675A-B579-460E-94D1-54222C63F5DA}</a:tableStyleId>
+              </a:tblPr>
+              <a:tblGrid>
+                <a:gridCol w="365760">
+                  <a:extLst>
+                    <a:ext uri="{9D8B030D-6E8A-4147-A177-3AD203B41FA5}">
+                      <a16:colId xmlns:a16="http://schemas.microsoft.com/office/drawing/2014/main" val="3508477746"/>
+                    </a:ext>
+                  </a:extLst>
+                </a:gridCol>
+                <a:gridCol w="365760">
+                  <a:extLst>
+                    <a:ext uri="{9D8B030D-6E8A-4147-A177-3AD203B41FA5}">
+                      <a16:colId xmlns:a16="http://schemas.microsoft.com/office/drawing/2014/main" val="4089101588"/>
+                    </a:ext>
+                  </a:extLst>
+                </a:gridCol>
+                <a:gridCol w="365760">
+                  <a:extLst>
+                    <a:ext uri="{9D8B030D-6E8A-4147-A177-3AD203B41FA5}">
+                      <a16:colId xmlns:a16="http://schemas.microsoft.com/office/drawing/2014/main" val="111887204"/>
+                    </a:ext>
+                  </a:extLst>
+                </a:gridCol>
+                <a:gridCol w="365760">
+                  <a:extLst>
+                    <a:ext uri="{9D8B030D-6E8A-4147-A177-3AD203B41FA5}">
+                      <a16:colId xmlns:a16="http://schemas.microsoft.com/office/drawing/2014/main" val="4067215328"/>
+                    </a:ext>
+                  </a:extLst>
+                </a:gridCol>
+              </a:tblGrid>
+              <a:tr h="342900">
+                <a:tc>
+                  <a:txBody>
+                    <a:bodyPr/>
+                    <a:lstStyle/>
+                    <a:p>
+                      <a:endParaRPr lang="en-US" dirty="0"/>
+                    </a:p>
+                  </a:txBody>
+                  <a:tcPr>
+                    <a:solidFill>
+                      <a:schemeClr val="bg1">
+                        <a:lumMod val="85000"/>
+                      </a:schemeClr>
+                    </a:solidFill>
+                  </a:tcPr>
+                </a:tc>
+                <a:tc>
+                  <a:txBody>
+                    <a:bodyPr/>
+                    <a:lstStyle/>
+                    <a:p>
+                      <a:endParaRPr lang="en-US" dirty="0"/>
+                    </a:p>
+                  </a:txBody>
+                  <a:tcPr>
+                    <a:solidFill>
+                      <a:schemeClr val="bg1"/>
+                    </a:solidFill>
+                  </a:tcPr>
+                </a:tc>
+                <a:tc>
+                  <a:txBody>
+                    <a:bodyPr/>
+                    <a:lstStyle/>
+                    <a:p>
+                      <a:endParaRPr lang="en-US"/>
+                    </a:p>
+                  </a:txBody>
+                  <a:tcPr>
+                    <a:solidFill>
+                      <a:schemeClr val="bg1"/>
+                    </a:solidFill>
+                  </a:tcPr>
+                </a:tc>
+                <a:tc>
+                  <a:txBody>
+                    <a:bodyPr/>
+                    <a:lstStyle/>
+                    <a:p>
+                      <a:endParaRPr lang="en-US" dirty="0"/>
+                    </a:p>
+                  </a:txBody>
+                  <a:tcPr>
+                    <a:solidFill>
+                      <a:schemeClr val="bg1"/>
+                    </a:solidFill>
+                  </a:tcPr>
+                </a:tc>
+                <a:extLst>
+                  <a:ext uri="{0D108BD9-81ED-4DB2-BD59-A6C34878D82A}">
+                    <a16:rowId xmlns:a16="http://schemas.microsoft.com/office/drawing/2014/main" val="3192338247"/>
+                  </a:ext>
+                </a:extLst>
+              </a:tr>
+              <a:tr h="342900">
+                <a:tc>
+                  <a:txBody>
+                    <a:bodyPr/>
+                    <a:lstStyle/>
+                    <a:p>
+                      <a:endParaRPr lang="en-US"/>
+                    </a:p>
+                  </a:txBody>
+                  <a:tcPr>
+                    <a:solidFill>
+                      <a:schemeClr val="bg1"/>
+                    </a:solidFill>
+                  </a:tcPr>
+                </a:tc>
+                <a:tc>
+                  <a:txBody>
+                    <a:bodyPr/>
+                    <a:lstStyle/>
+                    <a:p>
+                      <a:endParaRPr lang="en-US" dirty="0"/>
+                    </a:p>
+                  </a:txBody>
+                  <a:tcPr>
+                    <a:solidFill>
+                      <a:schemeClr val="bg1"/>
+                    </a:solidFill>
+                  </a:tcPr>
+                </a:tc>
+                <a:tc>
+                  <a:txBody>
+                    <a:bodyPr/>
+                    <a:lstStyle/>
+                    <a:p>
+                      <a:endParaRPr lang="en-US" dirty="0"/>
+                    </a:p>
+                  </a:txBody>
+                  <a:tcPr>
+                    <a:solidFill>
+                      <a:schemeClr val="bg1"/>
+                    </a:solidFill>
+                  </a:tcPr>
+                </a:tc>
+                <a:tc>
+                  <a:txBody>
+                    <a:bodyPr/>
+                    <a:lstStyle/>
+                    <a:p>
+                      <a:endParaRPr lang="en-US" dirty="0"/>
+                    </a:p>
+                  </a:txBody>
+                  <a:tcPr>
+                    <a:solidFill>
+                      <a:schemeClr val="bg1"/>
+                    </a:solidFill>
+                  </a:tcPr>
+                </a:tc>
+                <a:extLst>
+                  <a:ext uri="{0D108BD9-81ED-4DB2-BD59-A6C34878D82A}">
+                    <a16:rowId xmlns:a16="http://schemas.microsoft.com/office/drawing/2014/main" val="3498735479"/>
+                  </a:ext>
+                </a:extLst>
+              </a:tr>
+              <a:tr h="342900">
+                <a:tc>
+                  <a:txBody>
+                    <a:bodyPr/>
+                    <a:lstStyle/>
+                    <a:p>
+                      <a:endParaRPr lang="en-US"/>
+                    </a:p>
+                  </a:txBody>
+                  <a:tcPr>
+                    <a:solidFill>
+                      <a:schemeClr val="bg1"/>
+                    </a:solidFill>
+                  </a:tcPr>
+                </a:tc>
+                <a:tc>
+                  <a:txBody>
+                    <a:bodyPr/>
+                    <a:lstStyle/>
+                    <a:p>
+                      <a:endParaRPr lang="en-US" dirty="0"/>
+                    </a:p>
+                  </a:txBody>
+                  <a:tcPr>
+                    <a:solidFill>
+                      <a:schemeClr val="bg1"/>
+                    </a:solidFill>
+                  </a:tcPr>
+                </a:tc>
+                <a:tc>
+                  <a:txBody>
+                    <a:bodyPr/>
+                    <a:lstStyle/>
+                    <a:p>
+                      <a:endParaRPr lang="en-US" dirty="0"/>
+                    </a:p>
+                  </a:txBody>
+                  <a:tcPr>
+                    <a:solidFill>
+                      <a:schemeClr val="bg1"/>
+                    </a:solidFill>
+                  </a:tcPr>
+                </a:tc>
+                <a:tc>
+                  <a:txBody>
+                    <a:bodyPr/>
+                    <a:lstStyle/>
+                    <a:p>
+                      <a:endParaRPr lang="en-US" dirty="0"/>
+                    </a:p>
+                  </a:txBody>
+                  <a:tcPr>
+                    <a:solidFill>
+                      <a:schemeClr val="bg1"/>
+                    </a:solidFill>
+                  </a:tcPr>
+                </a:tc>
+                <a:extLst>
+                  <a:ext uri="{0D108BD9-81ED-4DB2-BD59-A6C34878D82A}">
+                    <a16:rowId xmlns:a16="http://schemas.microsoft.com/office/drawing/2014/main" val="1174298057"/>
+                  </a:ext>
+                </a:extLst>
+              </a:tr>
+              <a:tr h="342900">
+                <a:tc>
+                  <a:txBody>
+                    <a:bodyPr/>
+                    <a:lstStyle/>
+                    <a:p>
+                      <a:endParaRPr lang="en-US" dirty="0"/>
+                    </a:p>
+                  </a:txBody>
+                  <a:tcPr>
+                    <a:solidFill>
+                      <a:schemeClr val="bg1"/>
+                    </a:solidFill>
+                  </a:tcPr>
+                </a:tc>
+                <a:tc>
+                  <a:txBody>
+                    <a:bodyPr/>
+                    <a:lstStyle/>
+                    <a:p>
+                      <a:endParaRPr lang="en-US" dirty="0"/>
+                    </a:p>
+                  </a:txBody>
+                  <a:tcPr>
+                    <a:solidFill>
+                      <a:schemeClr val="bg1"/>
+                    </a:solidFill>
+                  </a:tcPr>
+                </a:tc>
+                <a:tc>
+                  <a:txBody>
+                    <a:bodyPr/>
+                    <a:lstStyle/>
+                    <a:p>
+                      <a:endParaRPr lang="en-US" dirty="0"/>
+                    </a:p>
+                  </a:txBody>
+                  <a:tcPr>
+                    <a:solidFill>
+                      <a:schemeClr val="bg1"/>
+                    </a:solidFill>
+                  </a:tcPr>
+                </a:tc>
+                <a:tc>
+                  <a:txBody>
+                    <a:bodyPr/>
+                    <a:lstStyle/>
+                    <a:p>
+                      <a:endParaRPr lang="en-US" dirty="0"/>
+                    </a:p>
+                  </a:txBody>
+                  <a:tcPr>
+                    <a:solidFill>
+                      <a:schemeClr val="bg1"/>
+                    </a:solidFill>
+                  </a:tcPr>
+                </a:tc>
+                <a:extLst>
+                  <a:ext uri="{0D108BD9-81ED-4DB2-BD59-A6C34878D82A}">
+                    <a16:rowId xmlns:a16="http://schemas.microsoft.com/office/drawing/2014/main" val="2901935234"/>
+                  </a:ext>
+                </a:extLst>
+              </a:tr>
+            </a:tbl>
+          </a:graphicData>
+        </a:graphic>
+      </p:graphicFrame>
+      <p:sp>
+        <p:nvSpPr>
+          <p:cNvPr id="23" name="TextBox 22">
+            <a:extLst>
+              <a:ext uri="{FF2B5EF4-FFF2-40B4-BE49-F238E27FC236}">
+                <a16:creationId xmlns:a16="http://schemas.microsoft.com/office/drawing/2014/main" id="{8B383E43-4088-0341-2832-9390FD7491F3}"/>
+              </a:ext>
+            </a:extLst>
+          </p:cNvPr>
+          <p:cNvSpPr txBox="1"/>
+          <p:nvPr/>
+        </p:nvSpPr>
+        <p:spPr>
+          <a:xfrm>
+            <a:off x="8841222" y="1242368"/>
+            <a:ext cx="500820" cy="461665"/>
+          </a:xfrm>
+          <a:prstGeom prst="rect">
+            <a:avLst/>
+          </a:prstGeom>
+          <a:noFill/>
+        </p:spPr>
+        <p:txBody>
+          <a:bodyPr wrap="square" rtlCol="0">
+            <a:spAutoFit/>
+          </a:bodyPr>
+          <a:lstStyle/>
+          <a:p>
+            <a:pPr algn="ctr"/>
+            <a:r>
+              <a:rPr lang="en-US" sz="2400" dirty="0">
+                <a:latin typeface="CMU Serif" panose="02000603000000000000" pitchFamily="2" charset="0"/>
+                <a:ea typeface="CMU Serif" panose="02000603000000000000" pitchFamily="2" charset="0"/>
+                <a:cs typeface="CMU Serif" panose="02000603000000000000" pitchFamily="2" charset="0"/>
+              </a:rPr>
+              <a:t>…</a:t>
+            </a:r>
+          </a:p>
+        </p:txBody>
+      </p:sp>
+      <p:sp>
+        <p:nvSpPr>
+          <p:cNvPr id="24" name="TextBox 23">
+            <a:extLst>
+              <a:ext uri="{FF2B5EF4-FFF2-40B4-BE49-F238E27FC236}">
+                <a16:creationId xmlns:a16="http://schemas.microsoft.com/office/drawing/2014/main" id="{B633548D-3F7B-894C-F874-D93AADB8CB41}"/>
+              </a:ext>
+            </a:extLst>
+          </p:cNvPr>
+          <p:cNvSpPr txBox="1"/>
+          <p:nvPr/>
+        </p:nvSpPr>
+        <p:spPr>
+          <a:xfrm>
+            <a:off x="8841222" y="5139489"/>
+            <a:ext cx="500820" cy="461665"/>
+          </a:xfrm>
+          <a:prstGeom prst="rect">
+            <a:avLst/>
+          </a:prstGeom>
+          <a:noFill/>
+        </p:spPr>
+        <p:txBody>
+          <a:bodyPr wrap="square" rtlCol="0">
+            <a:spAutoFit/>
+          </a:bodyPr>
+          <a:lstStyle/>
+          <a:p>
+            <a:pPr algn="ctr"/>
+            <a:r>
+              <a:rPr lang="en-US" sz="2400" dirty="0">
+                <a:latin typeface="CMU Serif" panose="02000603000000000000" pitchFamily="2" charset="0"/>
+                <a:ea typeface="CMU Serif" panose="02000603000000000000" pitchFamily="2" charset="0"/>
+                <a:cs typeface="CMU Serif" panose="02000603000000000000" pitchFamily="2" charset="0"/>
+              </a:rPr>
+              <a:t>…</a:t>
+            </a:r>
+          </a:p>
+        </p:txBody>
+      </p:sp>
+      <p:sp>
+        <p:nvSpPr>
+          <p:cNvPr id="25" name="TextBox 24">
+            <a:extLst>
+              <a:ext uri="{FF2B5EF4-FFF2-40B4-BE49-F238E27FC236}">
+                <a16:creationId xmlns:a16="http://schemas.microsoft.com/office/drawing/2014/main" id="{9D440026-D25C-D033-40B0-2AE55C1137B0}"/>
+              </a:ext>
+            </a:extLst>
+          </p:cNvPr>
+          <p:cNvSpPr txBox="1"/>
+          <p:nvPr/>
+        </p:nvSpPr>
+        <p:spPr>
+          <a:xfrm rot="5400000">
+            <a:off x="10042642" y="4066340"/>
+            <a:ext cx="500820" cy="461665"/>
+          </a:xfrm>
+          <a:prstGeom prst="rect">
+            <a:avLst/>
+          </a:prstGeom>
+          <a:noFill/>
+        </p:spPr>
+        <p:txBody>
+          <a:bodyPr wrap="square" rtlCol="0">
+            <a:spAutoFit/>
+          </a:bodyPr>
+          <a:lstStyle/>
+          <a:p>
+            <a:pPr algn="ctr"/>
+            <a:r>
+              <a:rPr lang="en-US" sz="2400" dirty="0">
+                <a:latin typeface="CMU Serif" panose="02000603000000000000" pitchFamily="2" charset="0"/>
+                <a:ea typeface="CMU Serif" panose="02000603000000000000" pitchFamily="2" charset="0"/>
+                <a:cs typeface="CMU Serif" panose="02000603000000000000" pitchFamily="2" charset="0"/>
+              </a:rPr>
+              <a:t>…</a:t>
+            </a:r>
+          </a:p>
+        </p:txBody>
+      </p:sp>
+      <p:sp>
+        <p:nvSpPr>
+          <p:cNvPr id="26" name="TextBox 25">
+            <a:extLst>
+              <a:ext uri="{FF2B5EF4-FFF2-40B4-BE49-F238E27FC236}">
+                <a16:creationId xmlns:a16="http://schemas.microsoft.com/office/drawing/2014/main" id="{BD00C46E-5B4E-F0C5-4C8A-603F1493EC33}"/>
+              </a:ext>
+            </a:extLst>
+          </p:cNvPr>
+          <p:cNvSpPr txBox="1"/>
+          <p:nvPr/>
+        </p:nvSpPr>
+        <p:spPr>
+          <a:xfrm rot="5400000">
+            <a:off x="6148900" y="4066341"/>
+            <a:ext cx="500820" cy="461665"/>
+          </a:xfrm>
+          <a:prstGeom prst="rect">
+            <a:avLst/>
+          </a:prstGeom>
+          <a:noFill/>
+        </p:spPr>
+        <p:txBody>
+          <a:bodyPr wrap="square" rtlCol="0">
+            <a:spAutoFit/>
+          </a:bodyPr>
+          <a:lstStyle/>
+          <a:p>
+            <a:pPr algn="ctr"/>
+            <a:r>
+              <a:rPr lang="en-US" sz="2400" dirty="0">
+                <a:latin typeface="CMU Serif" panose="02000603000000000000" pitchFamily="2" charset="0"/>
+                <a:ea typeface="CMU Serif" panose="02000603000000000000" pitchFamily="2" charset="0"/>
+                <a:cs typeface="CMU Serif" panose="02000603000000000000" pitchFamily="2" charset="0"/>
+              </a:rPr>
+              <a:t>…</a:t>
+            </a:r>
+          </a:p>
+        </p:txBody>
+      </p:sp>
+      <p:sp>
+        <p:nvSpPr>
+          <p:cNvPr id="27" name="TextBox 26">
+            <a:extLst>
+              <a:ext uri="{FF2B5EF4-FFF2-40B4-BE49-F238E27FC236}">
+                <a16:creationId xmlns:a16="http://schemas.microsoft.com/office/drawing/2014/main" id="{D1BBCAAE-6BC2-7253-AF76-913DA82C645A}"/>
+              </a:ext>
+            </a:extLst>
+          </p:cNvPr>
+          <p:cNvSpPr txBox="1"/>
+          <p:nvPr/>
+        </p:nvSpPr>
+        <p:spPr>
+          <a:xfrm rot="2700000">
+            <a:off x="8908900" y="4007850"/>
+            <a:ext cx="500820" cy="461665"/>
+          </a:xfrm>
+          <a:prstGeom prst="rect">
+            <a:avLst/>
+          </a:prstGeom>
+          <a:noFill/>
+        </p:spPr>
+        <p:txBody>
+          <a:bodyPr wrap="square" rtlCol="0">
+            <a:spAutoFit/>
+          </a:bodyPr>
+          <a:lstStyle/>
+          <a:p>
+            <a:pPr algn="ctr"/>
+            <a:r>
+              <a:rPr lang="en-US" sz="2400" dirty="0">
+                <a:latin typeface="CMU Serif" panose="02000603000000000000" pitchFamily="2" charset="0"/>
+                <a:ea typeface="CMU Serif" panose="02000603000000000000" pitchFamily="2" charset="0"/>
+                <a:cs typeface="CMU Serif" panose="02000603000000000000" pitchFamily="2" charset="0"/>
+              </a:rPr>
+              <a:t>…</a:t>
+            </a:r>
+          </a:p>
+        </p:txBody>
+      </p:sp>
+      <p:cxnSp>
+        <p:nvCxnSpPr>
+          <p:cNvPr id="32" name="Connector: Elbow 31">
+            <a:extLst>
+              <a:ext uri="{FF2B5EF4-FFF2-40B4-BE49-F238E27FC236}">
+                <a16:creationId xmlns:a16="http://schemas.microsoft.com/office/drawing/2014/main" id="{2EF5E978-5FCA-E394-CB12-B1CC1EE0D4C5}"/>
+              </a:ext>
+            </a:extLst>
+          </p:cNvPr>
+          <p:cNvCxnSpPr>
+            <a:cxnSpLocks/>
+          </p:cNvCxnSpPr>
+          <p:nvPr/>
+        </p:nvCxnSpPr>
+        <p:spPr>
+          <a:xfrm flipV="1">
+            <a:off x="3080444" y="989039"/>
+            <a:ext cx="2526606" cy="768959"/>
+          </a:xfrm>
+          <a:prstGeom prst="bentConnector3">
+            <a:avLst>
+              <a:gd name="adj1" fmla="val 50000"/>
+            </a:avLst>
+          </a:prstGeom>
+          <a:ln w="28575">
+            <a:solidFill>
+              <a:schemeClr val="tx1"/>
+            </a:solidFill>
+            <a:tailEnd type="triangle"/>
+          </a:ln>
+        </p:spPr>
+        <p:style>
+          <a:lnRef idx="1">
+            <a:schemeClr val="accent1"/>
+          </a:lnRef>
+          <a:fillRef idx="0">
+            <a:schemeClr val="accent1"/>
+          </a:fillRef>
+          <a:effectRef idx="0">
+            <a:schemeClr val="accent1"/>
+          </a:effectRef>
+          <a:fontRef idx="minor">
+            <a:schemeClr val="tx1"/>
+          </a:fontRef>
+        </p:style>
+      </p:cxnSp>
+      <p:cxnSp>
+        <p:nvCxnSpPr>
+          <p:cNvPr id="35" name="Connector: Elbow 34">
+            <a:extLst>
+              <a:ext uri="{FF2B5EF4-FFF2-40B4-BE49-F238E27FC236}">
+                <a16:creationId xmlns:a16="http://schemas.microsoft.com/office/drawing/2014/main" id="{6D64C023-BFA5-F928-26D2-538D31B62F77}"/>
+              </a:ext>
+            </a:extLst>
+          </p:cNvPr>
+          <p:cNvCxnSpPr>
+            <a:cxnSpLocks/>
+          </p:cNvCxnSpPr>
+          <p:nvPr/>
+        </p:nvCxnSpPr>
+        <p:spPr>
+          <a:xfrm flipV="1">
+            <a:off x="3080273" y="2620359"/>
+            <a:ext cx="2526777" cy="497396"/>
+          </a:xfrm>
+          <a:prstGeom prst="bentConnector3">
+            <a:avLst>
+              <a:gd name="adj1" fmla="val 50000"/>
+            </a:avLst>
+          </a:prstGeom>
+          <a:ln w="28575">
+            <a:solidFill>
+              <a:schemeClr val="tx1"/>
+            </a:solidFill>
+            <a:tailEnd type="triangle"/>
+          </a:ln>
+        </p:spPr>
+        <p:style>
+          <a:lnRef idx="1">
+            <a:schemeClr val="accent1"/>
+          </a:lnRef>
+          <a:fillRef idx="0">
+            <a:schemeClr val="accent1"/>
+          </a:fillRef>
+          <a:effectRef idx="0">
+            <a:schemeClr val="accent1"/>
+          </a:effectRef>
+          <a:fontRef idx="minor">
+            <a:schemeClr val="tx1"/>
+          </a:fontRef>
+        </p:style>
+      </p:cxnSp>
+    </p:spTree>
+    <p:extLst>
+      <p:ext uri="{BB962C8B-B14F-4D97-AF65-F5344CB8AC3E}">
+        <p14:creationId xmlns:p14="http://schemas.microsoft.com/office/powerpoint/2010/main" val="204788354"/>
       </p:ext>
     </p:extLst>
   </p:cSld>
@@ -38862,7 +46394,13 @@
           <p:cNvGraphicFramePr>
             <a:graphicFrameLocks noGrp="1"/>
           </p:cNvGraphicFramePr>
-          <p:nvPr/>
+          <p:nvPr>
+            <p:extLst>
+              <p:ext uri="{D42A27DB-BD31-4B8C-83A1-F6EECF244321}">
+                <p14:modId xmlns:p14="http://schemas.microsoft.com/office/powerpoint/2010/main" val="1512236019"/>
+              </p:ext>
+            </p:extLst>
+          </p:nvPr>
         </p:nvGraphicFramePr>
         <p:xfrm>
           <a:off x="3352800" y="685800"/>
@@ -39784,7 +47322,7 @@
                     <a:bodyPr/>
                     <a:lstStyle/>
                     <a:p>
-                      <a:endParaRPr lang="en-US" sz="800"/>
+                      <a:endParaRPr lang="en-US" sz="800" dirty="0"/>
                     </a:p>
                   </a:txBody>
                   <a:tcPr>
